--- a/NC_04_Presentazione_ODD-Testing_v1.0.pptx
+++ b/NC_04_Presentazione_ODD-Testing_v1.0.pptx
@@ -11,16 +11,17 @@
     <p:sldId id="935" r:id="rId5"/>
     <p:sldId id="936" r:id="rId6"/>
     <p:sldId id="260" r:id="rId7"/>
-    <p:sldId id="938" r:id="rId8"/>
-    <p:sldId id="939" r:id="rId9"/>
-    <p:sldId id="940" r:id="rId10"/>
-    <p:sldId id="941" r:id="rId11"/>
-    <p:sldId id="942" r:id="rId12"/>
-    <p:sldId id="943" r:id="rId13"/>
-    <p:sldId id="944" r:id="rId14"/>
-    <p:sldId id="945" r:id="rId15"/>
-    <p:sldId id="946" r:id="rId16"/>
-    <p:sldId id="947" r:id="rId17"/>
+    <p:sldId id="948" r:id="rId8"/>
+    <p:sldId id="938" r:id="rId9"/>
+    <p:sldId id="939" r:id="rId10"/>
+    <p:sldId id="940" r:id="rId11"/>
+    <p:sldId id="941" r:id="rId12"/>
+    <p:sldId id="942" r:id="rId13"/>
+    <p:sldId id="943" r:id="rId14"/>
+    <p:sldId id="944" r:id="rId15"/>
+    <p:sldId id="945" r:id="rId16"/>
+    <p:sldId id="946" r:id="rId17"/>
+    <p:sldId id="947" r:id="rId18"/>
   </p:sldIdLst>
   <p:sldSz cx="12192000" cy="6858000"/>
   <p:notesSz cx="6858000" cy="9144000"/>
@@ -119,10 +120,762 @@
       </a:defRPr>
     </a:lvl9pPr>
   </p:defaultTextStyle>
+  <p:extLst>
+    <p:ext uri="{EFAFB233-063F-42B5-8137-9DF3F51BA10A}">
+      <p15:sldGuideLst xmlns:p15="http://schemas.microsoft.com/office/powerpoint/2012/main"/>
+    </p:ext>
+  </p:extLst>
 </p:presentation>
 </file>
 
 <file path=ppt/diagrams/colors1.xml><?xml version="1.0" encoding="utf-8"?>
+<dgm:colorsDef xmlns:dgm="http://schemas.openxmlformats.org/drawingml/2006/diagram" xmlns:a="http://schemas.openxmlformats.org/drawingml/2006/main" uniqueId="urn:microsoft.com/office/officeart/2005/8/colors/accent1_2">
+  <dgm:title val=""/>
+  <dgm:desc val=""/>
+  <dgm:catLst>
+    <dgm:cat type="accent1" pri="11200"/>
+  </dgm:catLst>
+  <dgm:styleLbl name="node0">
+    <dgm:fillClrLst meth="repeat">
+      <a:schemeClr val="accent1"/>
+    </dgm:fillClrLst>
+    <dgm:linClrLst meth="repeat">
+      <a:schemeClr val="lt1"/>
+    </dgm:linClrLst>
+    <dgm:effectClrLst/>
+    <dgm:txLinClrLst/>
+    <dgm:txFillClrLst/>
+    <dgm:txEffectClrLst/>
+  </dgm:styleLbl>
+  <dgm:styleLbl name="alignNode1">
+    <dgm:fillClrLst meth="repeat">
+      <a:schemeClr val="accent1"/>
+    </dgm:fillClrLst>
+    <dgm:linClrLst meth="repeat">
+      <a:schemeClr val="accent1"/>
+    </dgm:linClrLst>
+    <dgm:effectClrLst/>
+    <dgm:txLinClrLst/>
+    <dgm:txFillClrLst/>
+    <dgm:txEffectClrLst/>
+  </dgm:styleLbl>
+  <dgm:styleLbl name="node1">
+    <dgm:fillClrLst meth="repeat">
+      <a:schemeClr val="accent1"/>
+    </dgm:fillClrLst>
+    <dgm:linClrLst meth="repeat">
+      <a:schemeClr val="lt1"/>
+    </dgm:linClrLst>
+    <dgm:effectClrLst/>
+    <dgm:txLinClrLst/>
+    <dgm:txFillClrLst/>
+    <dgm:txEffectClrLst/>
+  </dgm:styleLbl>
+  <dgm:styleLbl name="lnNode1">
+    <dgm:fillClrLst meth="repeat">
+      <a:schemeClr val="accent1"/>
+    </dgm:fillClrLst>
+    <dgm:linClrLst meth="repeat">
+      <a:schemeClr val="lt1"/>
+    </dgm:linClrLst>
+    <dgm:effectClrLst/>
+    <dgm:txLinClrLst/>
+    <dgm:txFillClrLst/>
+    <dgm:txEffectClrLst/>
+  </dgm:styleLbl>
+  <dgm:styleLbl name="vennNode1">
+    <dgm:fillClrLst meth="repeat">
+      <a:schemeClr val="accent1">
+        <a:alpha val="50000"/>
+      </a:schemeClr>
+    </dgm:fillClrLst>
+    <dgm:linClrLst meth="repeat">
+      <a:schemeClr val="lt1"/>
+    </dgm:linClrLst>
+    <dgm:effectClrLst/>
+    <dgm:txLinClrLst/>
+    <dgm:txFillClrLst/>
+    <dgm:txEffectClrLst/>
+  </dgm:styleLbl>
+  <dgm:styleLbl name="node2">
+    <dgm:fillClrLst meth="repeat">
+      <a:schemeClr val="accent1"/>
+    </dgm:fillClrLst>
+    <dgm:linClrLst meth="repeat">
+      <a:schemeClr val="lt1"/>
+    </dgm:linClrLst>
+    <dgm:effectClrLst/>
+    <dgm:txLinClrLst/>
+    <dgm:txFillClrLst/>
+    <dgm:txEffectClrLst/>
+  </dgm:styleLbl>
+  <dgm:styleLbl name="node3">
+    <dgm:fillClrLst meth="repeat">
+      <a:schemeClr val="accent1"/>
+    </dgm:fillClrLst>
+    <dgm:linClrLst meth="repeat">
+      <a:schemeClr val="lt1"/>
+    </dgm:linClrLst>
+    <dgm:effectClrLst/>
+    <dgm:txLinClrLst/>
+    <dgm:txFillClrLst/>
+    <dgm:txEffectClrLst/>
+  </dgm:styleLbl>
+  <dgm:styleLbl name="node4">
+    <dgm:fillClrLst meth="repeat">
+      <a:schemeClr val="accent1"/>
+    </dgm:fillClrLst>
+    <dgm:linClrLst meth="repeat">
+      <a:schemeClr val="lt1"/>
+    </dgm:linClrLst>
+    <dgm:effectClrLst/>
+    <dgm:txLinClrLst/>
+    <dgm:txFillClrLst/>
+    <dgm:txEffectClrLst/>
+  </dgm:styleLbl>
+  <dgm:styleLbl name="fgImgPlace1">
+    <dgm:fillClrLst meth="repeat">
+      <a:schemeClr val="accent1">
+        <a:tint val="50000"/>
+      </a:schemeClr>
+    </dgm:fillClrLst>
+    <dgm:linClrLst meth="repeat">
+      <a:schemeClr val="lt1"/>
+    </dgm:linClrLst>
+    <dgm:effectClrLst/>
+    <dgm:txLinClrLst/>
+    <dgm:txFillClrLst meth="repeat">
+      <a:schemeClr val="lt1"/>
+    </dgm:txFillClrLst>
+    <dgm:txEffectClrLst/>
+  </dgm:styleLbl>
+  <dgm:styleLbl name="alignImgPlace1">
+    <dgm:fillClrLst meth="repeat">
+      <a:schemeClr val="accent1">
+        <a:tint val="50000"/>
+      </a:schemeClr>
+    </dgm:fillClrLst>
+    <dgm:linClrLst meth="repeat">
+      <a:schemeClr val="lt1"/>
+    </dgm:linClrLst>
+    <dgm:effectClrLst/>
+    <dgm:txLinClrLst/>
+    <dgm:txFillClrLst meth="repeat">
+      <a:schemeClr val="lt1"/>
+    </dgm:txFillClrLst>
+    <dgm:txEffectClrLst/>
+  </dgm:styleLbl>
+  <dgm:styleLbl name="bgImgPlace1">
+    <dgm:fillClrLst meth="repeat">
+      <a:schemeClr val="accent1">
+        <a:tint val="50000"/>
+      </a:schemeClr>
+    </dgm:fillClrLst>
+    <dgm:linClrLst meth="repeat">
+      <a:schemeClr val="lt1"/>
+    </dgm:linClrLst>
+    <dgm:effectClrLst/>
+    <dgm:txLinClrLst/>
+    <dgm:txFillClrLst meth="repeat">
+      <a:schemeClr val="lt1"/>
+    </dgm:txFillClrLst>
+    <dgm:txEffectClrLst/>
+  </dgm:styleLbl>
+  <dgm:styleLbl name="sibTrans2D1">
+    <dgm:fillClrLst meth="repeat">
+      <a:schemeClr val="accent1">
+        <a:tint val="60000"/>
+      </a:schemeClr>
+    </dgm:fillClrLst>
+    <dgm:linClrLst meth="repeat">
+      <a:schemeClr val="accent1">
+        <a:tint val="60000"/>
+      </a:schemeClr>
+    </dgm:linClrLst>
+    <dgm:effectClrLst/>
+    <dgm:txLinClrLst/>
+    <dgm:txFillClrLst/>
+    <dgm:txEffectClrLst/>
+  </dgm:styleLbl>
+  <dgm:styleLbl name="fgSibTrans2D1">
+    <dgm:fillClrLst meth="repeat">
+      <a:schemeClr val="accent1">
+        <a:tint val="60000"/>
+      </a:schemeClr>
+    </dgm:fillClrLst>
+    <dgm:linClrLst meth="repeat">
+      <a:schemeClr val="accent1">
+        <a:tint val="60000"/>
+      </a:schemeClr>
+    </dgm:linClrLst>
+    <dgm:effectClrLst/>
+    <dgm:txLinClrLst/>
+    <dgm:txFillClrLst/>
+    <dgm:txEffectClrLst/>
+  </dgm:styleLbl>
+  <dgm:styleLbl name="bgSibTrans2D1">
+    <dgm:fillClrLst meth="repeat">
+      <a:schemeClr val="accent1">
+        <a:tint val="60000"/>
+      </a:schemeClr>
+    </dgm:fillClrLst>
+    <dgm:linClrLst meth="repeat">
+      <a:schemeClr val="accent1">
+        <a:tint val="60000"/>
+      </a:schemeClr>
+    </dgm:linClrLst>
+    <dgm:effectClrLst/>
+    <dgm:txLinClrLst/>
+    <dgm:txFillClrLst/>
+    <dgm:txEffectClrLst/>
+  </dgm:styleLbl>
+  <dgm:styleLbl name="sibTrans1D1">
+    <dgm:fillClrLst meth="repeat">
+      <a:schemeClr val="accent1"/>
+    </dgm:fillClrLst>
+    <dgm:linClrLst meth="repeat">
+      <a:schemeClr val="accent1"/>
+    </dgm:linClrLst>
+    <dgm:effectClrLst/>
+    <dgm:txLinClrLst/>
+    <dgm:txFillClrLst meth="repeat">
+      <a:schemeClr val="tx1"/>
+    </dgm:txFillClrLst>
+    <dgm:txEffectClrLst/>
+  </dgm:styleLbl>
+  <dgm:styleLbl name="callout">
+    <dgm:fillClrLst meth="repeat">
+      <a:schemeClr val="accent1"/>
+    </dgm:fillClrLst>
+    <dgm:linClrLst meth="repeat">
+      <a:schemeClr val="accent1">
+        <a:tint val="50000"/>
+      </a:schemeClr>
+    </dgm:linClrLst>
+    <dgm:effectClrLst/>
+    <dgm:txLinClrLst/>
+    <dgm:txFillClrLst meth="repeat">
+      <a:schemeClr val="tx1"/>
+    </dgm:txFillClrLst>
+    <dgm:txEffectClrLst/>
+  </dgm:styleLbl>
+  <dgm:styleLbl name="asst0">
+    <dgm:fillClrLst meth="repeat">
+      <a:schemeClr val="accent1"/>
+    </dgm:fillClrLst>
+    <dgm:linClrLst meth="repeat">
+      <a:schemeClr val="lt1"/>
+    </dgm:linClrLst>
+    <dgm:effectClrLst/>
+    <dgm:txLinClrLst/>
+    <dgm:txFillClrLst/>
+    <dgm:txEffectClrLst/>
+  </dgm:styleLbl>
+  <dgm:styleLbl name="asst1">
+    <dgm:fillClrLst meth="repeat">
+      <a:schemeClr val="accent1"/>
+    </dgm:fillClrLst>
+    <dgm:linClrLst meth="repeat">
+      <a:schemeClr val="lt1"/>
+    </dgm:linClrLst>
+    <dgm:effectClrLst/>
+    <dgm:txLinClrLst/>
+    <dgm:txFillClrLst/>
+    <dgm:txEffectClrLst/>
+  </dgm:styleLbl>
+  <dgm:styleLbl name="asst2">
+    <dgm:fillClrLst meth="repeat">
+      <a:schemeClr val="accent1"/>
+    </dgm:fillClrLst>
+    <dgm:linClrLst meth="repeat">
+      <a:schemeClr val="lt1"/>
+    </dgm:linClrLst>
+    <dgm:effectClrLst/>
+    <dgm:txLinClrLst/>
+    <dgm:txFillClrLst/>
+    <dgm:txEffectClrLst/>
+  </dgm:styleLbl>
+  <dgm:styleLbl name="asst3">
+    <dgm:fillClrLst meth="repeat">
+      <a:schemeClr val="accent1"/>
+    </dgm:fillClrLst>
+    <dgm:linClrLst meth="repeat">
+      <a:schemeClr val="lt1"/>
+    </dgm:linClrLst>
+    <dgm:effectClrLst/>
+    <dgm:txLinClrLst/>
+    <dgm:txFillClrLst/>
+    <dgm:txEffectClrLst/>
+  </dgm:styleLbl>
+  <dgm:styleLbl name="asst4">
+    <dgm:fillClrLst meth="repeat">
+      <a:schemeClr val="accent1"/>
+    </dgm:fillClrLst>
+    <dgm:linClrLst meth="repeat">
+      <a:schemeClr val="lt1"/>
+    </dgm:linClrLst>
+    <dgm:effectClrLst/>
+    <dgm:txLinClrLst/>
+    <dgm:txFillClrLst/>
+    <dgm:txEffectClrLst/>
+  </dgm:styleLbl>
+  <dgm:styleLbl name="parChTrans2D1">
+    <dgm:fillClrLst meth="repeat">
+      <a:schemeClr val="accent1">
+        <a:tint val="60000"/>
+      </a:schemeClr>
+    </dgm:fillClrLst>
+    <dgm:linClrLst meth="repeat">
+      <a:schemeClr val="accent1">
+        <a:tint val="60000"/>
+      </a:schemeClr>
+    </dgm:linClrLst>
+    <dgm:effectClrLst/>
+    <dgm:txLinClrLst/>
+    <dgm:txFillClrLst meth="repeat">
+      <a:schemeClr val="lt1"/>
+    </dgm:txFillClrLst>
+    <dgm:txEffectClrLst/>
+  </dgm:styleLbl>
+  <dgm:styleLbl name="parChTrans2D2">
+    <dgm:fillClrLst meth="repeat">
+      <a:schemeClr val="accent1"/>
+    </dgm:fillClrLst>
+    <dgm:linClrLst meth="repeat">
+      <a:schemeClr val="accent1"/>
+    </dgm:linClrLst>
+    <dgm:effectClrLst/>
+    <dgm:txLinClrLst/>
+    <dgm:txFillClrLst meth="repeat">
+      <a:schemeClr val="lt1"/>
+    </dgm:txFillClrLst>
+    <dgm:txEffectClrLst/>
+  </dgm:styleLbl>
+  <dgm:styleLbl name="parChTrans2D3">
+    <dgm:fillClrLst meth="repeat">
+      <a:schemeClr val="accent1"/>
+    </dgm:fillClrLst>
+    <dgm:linClrLst meth="repeat">
+      <a:schemeClr val="accent1"/>
+    </dgm:linClrLst>
+    <dgm:effectClrLst/>
+    <dgm:txLinClrLst/>
+    <dgm:txFillClrLst meth="repeat">
+      <a:schemeClr val="lt1"/>
+    </dgm:txFillClrLst>
+    <dgm:txEffectClrLst/>
+  </dgm:styleLbl>
+  <dgm:styleLbl name="parChTrans2D4">
+    <dgm:fillClrLst meth="repeat">
+      <a:schemeClr val="accent1"/>
+    </dgm:fillClrLst>
+    <dgm:linClrLst meth="repeat">
+      <a:schemeClr val="accent1"/>
+    </dgm:linClrLst>
+    <dgm:effectClrLst/>
+    <dgm:txLinClrLst/>
+    <dgm:txFillClrLst meth="repeat">
+      <a:schemeClr val="lt1"/>
+    </dgm:txFillClrLst>
+    <dgm:txEffectClrLst/>
+  </dgm:styleLbl>
+  <dgm:styleLbl name="parChTrans1D1">
+    <dgm:fillClrLst meth="repeat">
+      <a:schemeClr val="accent1"/>
+    </dgm:fillClrLst>
+    <dgm:linClrLst meth="repeat">
+      <a:schemeClr val="accent1">
+        <a:shade val="60000"/>
+      </a:schemeClr>
+    </dgm:linClrLst>
+    <dgm:effectClrLst/>
+    <dgm:txLinClrLst/>
+    <dgm:txFillClrLst meth="repeat">
+      <a:schemeClr val="tx1"/>
+    </dgm:txFillClrLst>
+    <dgm:txEffectClrLst/>
+  </dgm:styleLbl>
+  <dgm:styleLbl name="parChTrans1D2">
+    <dgm:fillClrLst meth="repeat">
+      <a:schemeClr val="accent1"/>
+    </dgm:fillClrLst>
+    <dgm:linClrLst meth="repeat">
+      <a:schemeClr val="accent1">
+        <a:shade val="60000"/>
+      </a:schemeClr>
+    </dgm:linClrLst>
+    <dgm:effectClrLst/>
+    <dgm:txLinClrLst/>
+    <dgm:txFillClrLst meth="repeat">
+      <a:schemeClr val="tx1"/>
+    </dgm:txFillClrLst>
+    <dgm:txEffectClrLst/>
+  </dgm:styleLbl>
+  <dgm:styleLbl name="parChTrans1D3">
+    <dgm:fillClrLst meth="repeat">
+      <a:schemeClr val="accent1"/>
+    </dgm:fillClrLst>
+    <dgm:linClrLst meth="repeat">
+      <a:schemeClr val="accent1">
+        <a:shade val="80000"/>
+      </a:schemeClr>
+    </dgm:linClrLst>
+    <dgm:effectClrLst/>
+    <dgm:txLinClrLst/>
+    <dgm:txFillClrLst meth="repeat">
+      <a:schemeClr val="tx1"/>
+    </dgm:txFillClrLst>
+    <dgm:txEffectClrLst/>
+  </dgm:styleLbl>
+  <dgm:styleLbl name="parChTrans1D4">
+    <dgm:fillClrLst meth="repeat">
+      <a:schemeClr val="accent1"/>
+    </dgm:fillClrLst>
+    <dgm:linClrLst meth="repeat">
+      <a:schemeClr val="accent1">
+        <a:shade val="80000"/>
+      </a:schemeClr>
+    </dgm:linClrLst>
+    <dgm:effectClrLst/>
+    <dgm:txLinClrLst/>
+    <dgm:txFillClrLst meth="repeat">
+      <a:schemeClr val="tx1"/>
+    </dgm:txFillClrLst>
+    <dgm:txEffectClrLst/>
+  </dgm:styleLbl>
+  <dgm:styleLbl name="fgAcc1">
+    <dgm:fillClrLst meth="repeat">
+      <a:schemeClr val="lt1">
+        <a:alpha val="90000"/>
+      </a:schemeClr>
+    </dgm:fillClrLst>
+    <dgm:linClrLst meth="repeat">
+      <a:schemeClr val="accent1"/>
+    </dgm:linClrLst>
+    <dgm:effectClrLst/>
+    <dgm:txLinClrLst/>
+    <dgm:txFillClrLst meth="repeat">
+      <a:schemeClr val="dk1"/>
+    </dgm:txFillClrLst>
+    <dgm:txEffectClrLst/>
+  </dgm:styleLbl>
+  <dgm:styleLbl name="conFgAcc1">
+    <dgm:fillClrLst meth="repeat">
+      <a:schemeClr val="lt1">
+        <a:alpha val="90000"/>
+      </a:schemeClr>
+    </dgm:fillClrLst>
+    <dgm:linClrLst meth="repeat">
+      <a:schemeClr val="accent1"/>
+    </dgm:linClrLst>
+    <dgm:effectClrLst/>
+    <dgm:txLinClrLst/>
+    <dgm:txFillClrLst meth="repeat">
+      <a:schemeClr val="dk1"/>
+    </dgm:txFillClrLst>
+    <dgm:txEffectClrLst/>
+  </dgm:styleLbl>
+  <dgm:styleLbl name="alignAcc1">
+    <dgm:fillClrLst meth="repeat">
+      <a:schemeClr val="lt1">
+        <a:alpha val="90000"/>
+      </a:schemeClr>
+    </dgm:fillClrLst>
+    <dgm:linClrLst meth="repeat">
+      <a:schemeClr val="accent1"/>
+    </dgm:linClrLst>
+    <dgm:effectClrLst/>
+    <dgm:txLinClrLst/>
+    <dgm:txFillClrLst meth="repeat">
+      <a:schemeClr val="dk1"/>
+    </dgm:txFillClrLst>
+    <dgm:txEffectClrLst/>
+  </dgm:styleLbl>
+  <dgm:styleLbl name="trAlignAcc1">
+    <dgm:fillClrLst meth="repeat">
+      <a:schemeClr val="lt1">
+        <a:alpha val="40000"/>
+      </a:schemeClr>
+    </dgm:fillClrLst>
+    <dgm:linClrLst meth="repeat">
+      <a:schemeClr val="accent1"/>
+    </dgm:linClrLst>
+    <dgm:effectClrLst/>
+    <dgm:txLinClrLst/>
+    <dgm:txFillClrLst meth="repeat">
+      <a:schemeClr val="dk1"/>
+    </dgm:txFillClrLst>
+    <dgm:txEffectClrLst/>
+  </dgm:styleLbl>
+  <dgm:styleLbl name="bgAcc1">
+    <dgm:fillClrLst meth="repeat">
+      <a:schemeClr val="lt1">
+        <a:alpha val="90000"/>
+      </a:schemeClr>
+    </dgm:fillClrLst>
+    <dgm:linClrLst meth="repeat">
+      <a:schemeClr val="accent1"/>
+    </dgm:linClrLst>
+    <dgm:effectClrLst/>
+    <dgm:txLinClrLst/>
+    <dgm:txFillClrLst meth="repeat">
+      <a:schemeClr val="dk1"/>
+    </dgm:txFillClrLst>
+    <dgm:txEffectClrLst/>
+  </dgm:styleLbl>
+  <dgm:styleLbl name="solidFgAcc1">
+    <dgm:fillClrLst meth="repeat">
+      <a:schemeClr val="lt1"/>
+    </dgm:fillClrLst>
+    <dgm:linClrLst meth="repeat">
+      <a:schemeClr val="accent1"/>
+    </dgm:linClrLst>
+    <dgm:effectClrLst/>
+    <dgm:txLinClrLst/>
+    <dgm:txFillClrLst meth="repeat">
+      <a:schemeClr val="dk1"/>
+    </dgm:txFillClrLst>
+    <dgm:txEffectClrLst/>
+  </dgm:styleLbl>
+  <dgm:styleLbl name="solidAlignAcc1">
+    <dgm:fillClrLst meth="repeat">
+      <a:schemeClr val="lt1"/>
+    </dgm:fillClrLst>
+    <dgm:linClrLst meth="repeat">
+      <a:schemeClr val="accent1"/>
+    </dgm:linClrLst>
+    <dgm:effectClrLst/>
+    <dgm:txLinClrLst/>
+    <dgm:txFillClrLst meth="repeat">
+      <a:schemeClr val="dk1"/>
+    </dgm:txFillClrLst>
+    <dgm:txEffectClrLst/>
+  </dgm:styleLbl>
+  <dgm:styleLbl name="solidBgAcc1">
+    <dgm:fillClrLst meth="repeat">
+      <a:schemeClr val="lt1"/>
+    </dgm:fillClrLst>
+    <dgm:linClrLst meth="repeat">
+      <a:schemeClr val="accent1"/>
+    </dgm:linClrLst>
+    <dgm:effectClrLst/>
+    <dgm:txLinClrLst/>
+    <dgm:txFillClrLst meth="repeat">
+      <a:schemeClr val="dk1"/>
+    </dgm:txFillClrLst>
+    <dgm:txEffectClrLst/>
+  </dgm:styleLbl>
+  <dgm:styleLbl name="fgAccFollowNode1">
+    <dgm:fillClrLst meth="repeat">
+      <a:schemeClr val="accent1">
+        <a:alpha val="90000"/>
+        <a:tint val="40000"/>
+      </a:schemeClr>
+    </dgm:fillClrLst>
+    <dgm:linClrLst meth="repeat">
+      <a:schemeClr val="accent1">
+        <a:alpha val="90000"/>
+        <a:tint val="40000"/>
+      </a:schemeClr>
+    </dgm:linClrLst>
+    <dgm:effectClrLst/>
+    <dgm:txLinClrLst/>
+    <dgm:txFillClrLst meth="repeat">
+      <a:schemeClr val="dk1"/>
+    </dgm:txFillClrLst>
+    <dgm:txEffectClrLst/>
+  </dgm:styleLbl>
+  <dgm:styleLbl name="alignAccFollowNode1">
+    <dgm:fillClrLst meth="repeat">
+      <a:schemeClr val="accent1">
+        <a:alpha val="90000"/>
+        <a:tint val="40000"/>
+      </a:schemeClr>
+    </dgm:fillClrLst>
+    <dgm:linClrLst meth="repeat">
+      <a:schemeClr val="accent1">
+        <a:alpha val="90000"/>
+        <a:tint val="40000"/>
+      </a:schemeClr>
+    </dgm:linClrLst>
+    <dgm:effectClrLst/>
+    <dgm:txLinClrLst/>
+    <dgm:txFillClrLst meth="repeat">
+      <a:schemeClr val="dk1"/>
+    </dgm:txFillClrLst>
+    <dgm:txEffectClrLst/>
+  </dgm:styleLbl>
+  <dgm:styleLbl name="bgAccFollowNode1">
+    <dgm:fillClrLst meth="repeat">
+      <a:schemeClr val="accent1">
+        <a:alpha val="90000"/>
+        <a:tint val="40000"/>
+      </a:schemeClr>
+    </dgm:fillClrLst>
+    <dgm:linClrLst meth="repeat">
+      <a:schemeClr val="accent1">
+        <a:alpha val="90000"/>
+        <a:tint val="40000"/>
+      </a:schemeClr>
+    </dgm:linClrLst>
+    <dgm:effectClrLst/>
+    <dgm:txLinClrLst/>
+    <dgm:txFillClrLst meth="repeat">
+      <a:schemeClr val="dk1"/>
+    </dgm:txFillClrLst>
+    <dgm:txEffectClrLst/>
+  </dgm:styleLbl>
+  <dgm:styleLbl name="fgAcc0">
+    <dgm:fillClrLst meth="repeat">
+      <a:schemeClr val="lt1">
+        <a:alpha val="90000"/>
+      </a:schemeClr>
+    </dgm:fillClrLst>
+    <dgm:linClrLst meth="repeat">
+      <a:schemeClr val="accent1"/>
+    </dgm:linClrLst>
+    <dgm:effectClrLst/>
+    <dgm:txLinClrLst/>
+    <dgm:txFillClrLst meth="repeat">
+      <a:schemeClr val="dk1"/>
+    </dgm:txFillClrLst>
+    <dgm:txEffectClrLst/>
+  </dgm:styleLbl>
+  <dgm:styleLbl name="fgAcc2">
+    <dgm:fillClrLst meth="repeat">
+      <a:schemeClr val="lt1">
+        <a:alpha val="90000"/>
+      </a:schemeClr>
+    </dgm:fillClrLst>
+    <dgm:linClrLst meth="repeat">
+      <a:schemeClr val="accent1"/>
+    </dgm:linClrLst>
+    <dgm:effectClrLst/>
+    <dgm:txLinClrLst/>
+    <dgm:txFillClrLst meth="repeat">
+      <a:schemeClr val="dk1"/>
+    </dgm:txFillClrLst>
+    <dgm:txEffectClrLst/>
+  </dgm:styleLbl>
+  <dgm:styleLbl name="fgAcc3">
+    <dgm:fillClrLst meth="repeat">
+      <a:schemeClr val="lt1">
+        <a:alpha val="90000"/>
+      </a:schemeClr>
+    </dgm:fillClrLst>
+    <dgm:linClrLst meth="repeat">
+      <a:schemeClr val="accent1"/>
+    </dgm:linClrLst>
+    <dgm:effectClrLst/>
+    <dgm:txLinClrLst/>
+    <dgm:txFillClrLst meth="repeat">
+      <a:schemeClr val="dk1"/>
+    </dgm:txFillClrLst>
+    <dgm:txEffectClrLst/>
+  </dgm:styleLbl>
+  <dgm:styleLbl name="fgAcc4">
+    <dgm:fillClrLst meth="repeat">
+      <a:schemeClr val="lt1">
+        <a:alpha val="90000"/>
+      </a:schemeClr>
+    </dgm:fillClrLst>
+    <dgm:linClrLst meth="repeat">
+      <a:schemeClr val="accent1"/>
+    </dgm:linClrLst>
+    <dgm:effectClrLst/>
+    <dgm:txLinClrLst/>
+    <dgm:txFillClrLst meth="repeat">
+      <a:schemeClr val="dk1"/>
+    </dgm:txFillClrLst>
+    <dgm:txEffectClrLst/>
+  </dgm:styleLbl>
+  <dgm:styleLbl name="bgShp">
+    <dgm:fillClrLst meth="repeat">
+      <a:schemeClr val="accent1">
+        <a:tint val="40000"/>
+      </a:schemeClr>
+    </dgm:fillClrLst>
+    <dgm:linClrLst meth="repeat">
+      <a:schemeClr val="accent1"/>
+    </dgm:linClrLst>
+    <dgm:effectClrLst/>
+    <dgm:txLinClrLst/>
+    <dgm:txFillClrLst meth="repeat">
+      <a:schemeClr val="dk1"/>
+    </dgm:txFillClrLst>
+    <dgm:txEffectClrLst/>
+  </dgm:styleLbl>
+  <dgm:styleLbl name="dkBgShp">
+    <dgm:fillClrLst meth="repeat">
+      <a:schemeClr val="accent1">
+        <a:shade val="80000"/>
+      </a:schemeClr>
+    </dgm:fillClrLst>
+    <dgm:linClrLst meth="repeat">
+      <a:schemeClr val="accent1"/>
+    </dgm:linClrLst>
+    <dgm:effectClrLst/>
+    <dgm:txLinClrLst/>
+    <dgm:txFillClrLst meth="repeat">
+      <a:schemeClr val="lt1"/>
+    </dgm:txFillClrLst>
+    <dgm:txEffectClrLst/>
+  </dgm:styleLbl>
+  <dgm:styleLbl name="trBgShp">
+    <dgm:fillClrLst meth="repeat">
+      <a:schemeClr val="accent1">
+        <a:tint val="50000"/>
+        <a:alpha val="40000"/>
+      </a:schemeClr>
+    </dgm:fillClrLst>
+    <dgm:linClrLst meth="repeat">
+      <a:schemeClr val="accent1"/>
+    </dgm:linClrLst>
+    <dgm:effectClrLst/>
+    <dgm:txLinClrLst/>
+    <dgm:txFillClrLst meth="repeat">
+      <a:schemeClr val="lt1"/>
+    </dgm:txFillClrLst>
+    <dgm:txEffectClrLst/>
+  </dgm:styleLbl>
+  <dgm:styleLbl name="fgShp">
+    <dgm:fillClrLst meth="repeat">
+      <a:schemeClr val="accent1">
+        <a:tint val="60000"/>
+      </a:schemeClr>
+    </dgm:fillClrLst>
+    <dgm:linClrLst meth="repeat">
+      <a:schemeClr val="lt1"/>
+    </dgm:linClrLst>
+    <dgm:effectClrLst/>
+    <dgm:txLinClrLst/>
+    <dgm:txFillClrLst meth="repeat">
+      <a:schemeClr val="dk1"/>
+    </dgm:txFillClrLst>
+    <dgm:txEffectClrLst/>
+  </dgm:styleLbl>
+  <dgm:styleLbl name="revTx">
+    <dgm:fillClrLst meth="repeat">
+      <a:schemeClr val="lt1">
+        <a:alpha val="0"/>
+      </a:schemeClr>
+    </dgm:fillClrLst>
+    <dgm:linClrLst meth="repeat">
+      <a:schemeClr val="dk1">
+        <a:alpha val="0"/>
+      </a:schemeClr>
+    </dgm:linClrLst>
+    <dgm:effectClrLst/>
+    <dgm:txLinClrLst/>
+    <dgm:txFillClrLst meth="repeat">
+      <a:schemeClr val="tx1"/>
+    </dgm:txFillClrLst>
+    <dgm:txEffectClrLst/>
+  </dgm:styleLbl>
+</dgm:colorsDef>
+</file>
+
+<file path=ppt/diagrams/colors2.xml><?xml version="1.0" encoding="utf-8"?>
 <dgm:colorsDef xmlns:dgm="http://schemas.openxmlformats.org/drawingml/2006/diagram" xmlns:a="http://schemas.openxmlformats.org/drawingml/2006/main" uniqueId="urn:microsoft.com/office/officeart/2005/8/colors/accent1_2">
   <dgm:title val=""/>
   <dgm:desc val=""/>
@@ -1120,6 +1873,39 @@
         </a:p>
       </dgm:t>
     </dgm:pt>
+    <dgm:pt modelId="{CA6A99D4-D124-43CE-9A1A-C04D560D4BC1}">
+      <dgm:prSet phldrT="[Testo]"/>
+      <dgm:spPr/>
+      <dgm:t>
+        <a:bodyPr/>
+        <a:lstStyle/>
+        <a:p>
+          <a:endParaRPr lang="it-IT" dirty="0"/>
+        </a:p>
+      </dgm:t>
+    </dgm:pt>
+    <dgm:pt modelId="{A3DAE4ED-5E5C-47D6-AB9D-9ECEF67B1C8B}" type="parTrans" cxnId="{9EDE3CB1-D268-4465-8FF8-3992B799A958}">
+      <dgm:prSet/>
+      <dgm:spPr/>
+      <dgm:t>
+        <a:bodyPr/>
+        <a:lstStyle/>
+        <a:p>
+          <a:endParaRPr lang="it-IT"/>
+        </a:p>
+      </dgm:t>
+    </dgm:pt>
+    <dgm:pt modelId="{1B28F469-543A-42C7-BF6D-5F6310FCD7B7}" type="sibTrans" cxnId="{9EDE3CB1-D268-4465-8FF8-3992B799A958}">
+      <dgm:prSet/>
+      <dgm:spPr/>
+      <dgm:t>
+        <a:bodyPr/>
+        <a:lstStyle/>
+        <a:p>
+          <a:endParaRPr lang="it-IT"/>
+        </a:p>
+      </dgm:t>
+    </dgm:pt>
     <dgm:pt modelId="{0C7D68C1-A67A-4806-8A2E-6A660FCE1D9A}" type="pres">
       <dgm:prSet presAssocID="{B88181C2-C932-4D92-AB19-D13D1E555920}" presName="Name0" presStyleCnt="0">
         <dgm:presLayoutVars>
@@ -1251,15 +2037,17 @@
   <dgm:cxnLst>
     <dgm:cxn modelId="{B0EED15C-EC5D-4858-AD2A-48AC5616C151}" type="presOf" srcId="{6457ABA4-F05E-4EF3-8793-DF582AD9C332}" destId="{A8B2F922-FE28-4B0E-B5F0-107A01B21ED9}" srcOrd="0" destOrd="0" presId="urn:microsoft.com/office/officeart/2008/layout/AlternatingHexagons"/>
     <dgm:cxn modelId="{A585D468-0A9A-48FC-9332-E74FA8776B11}" srcId="{B88181C2-C932-4D92-AB19-D13D1E555920}" destId="{EC0BFF9E-5B3D-44AD-B4C2-72655D025188}" srcOrd="1" destOrd="0" parTransId="{38102815-3B19-4903-BCAD-4853E6C7D666}" sibTransId="{18E22E47-8D4A-4D51-92D6-28719A871FEE}"/>
-    <dgm:cxn modelId="{464D4B49-D47D-46B8-9570-5C2D402A4843}" type="presOf" srcId="{9B1777B9-62A7-42FD-955B-592049750A76}" destId="{937E4392-AA23-493B-B07A-2C6EB5412943}" srcOrd="0" destOrd="0" presId="urn:microsoft.com/office/officeart/2008/layout/AlternatingHexagons"/>
+    <dgm:cxn modelId="{464D4B49-D47D-46B8-9570-5C2D402A4843}" type="presOf" srcId="{9B1777B9-62A7-42FD-955B-592049750A76}" destId="{937E4392-AA23-493B-B07A-2C6EB5412943}" srcOrd="0" destOrd="1" presId="urn:microsoft.com/office/officeart/2008/layout/AlternatingHexagons"/>
     <dgm:cxn modelId="{D9C97A6D-E37F-4049-811E-F974EB53BE22}" type="presOf" srcId="{670E4117-F094-4BFC-BDC9-408A22114251}" destId="{B0A4159E-0D3E-416A-8AB1-EC64A3F0B07A}" srcOrd="0" destOrd="0" presId="urn:microsoft.com/office/officeart/2008/layout/AlternatingHexagons"/>
     <dgm:cxn modelId="{8FFE9871-357C-4591-B734-3EBC9E71B8BA}" srcId="{B88181C2-C932-4D92-AB19-D13D1E555920}" destId="{6ABD1785-C8BD-4ECC-8EC5-FC0BBFE299AE}" srcOrd="2" destOrd="0" parTransId="{F40A0594-B88A-4C2E-8CE9-1C052AEBB834}" sibTransId="{F23CB026-6EC5-431C-AA36-DE7E32A3E8CC}"/>
     <dgm:cxn modelId="{D72D4979-E1CE-4218-B9FE-8C14F9EE8156}" srcId="{B88181C2-C932-4D92-AB19-D13D1E555920}" destId="{1AFED46E-E1AA-42CE-BDA2-70243D027A1B}" srcOrd="0" destOrd="0" parTransId="{BE36D9FF-6C7C-49A6-B8B3-5FB1E926F0FF}" sibTransId="{670E4117-F094-4BFC-BDC9-408A22114251}"/>
     <dgm:cxn modelId="{D9667783-3C52-4290-AA30-DD671B5D073C}" srcId="{1AFED46E-E1AA-42CE-BDA2-70243D027A1B}" destId="{6457ABA4-F05E-4EF3-8793-DF582AD9C332}" srcOrd="0" destOrd="0" parTransId="{B04D51F2-B6E1-4ABE-AE12-EA5D1B162D6A}" sibTransId="{C2E447FC-6EA0-496D-8130-77684A3A6E67}"/>
-    <dgm:cxn modelId="{1345738D-1C27-4646-B914-DA5C7BE9B44F}" srcId="{6ABD1785-C8BD-4ECC-8EC5-FC0BBFE299AE}" destId="{9B1777B9-62A7-42FD-955B-592049750A76}" srcOrd="0" destOrd="0" parTransId="{E56A93C4-6547-461E-B248-D20520E58129}" sibTransId="{1D7FD7F8-01C7-4429-96E8-E0E48BA89027}"/>
+    <dgm:cxn modelId="{1345738D-1C27-4646-B914-DA5C7BE9B44F}" srcId="{6ABD1785-C8BD-4ECC-8EC5-FC0BBFE299AE}" destId="{9B1777B9-62A7-42FD-955B-592049750A76}" srcOrd="1" destOrd="0" parTransId="{E56A93C4-6547-461E-B248-D20520E58129}" sibTransId="{1D7FD7F8-01C7-4429-96E8-E0E48BA89027}"/>
     <dgm:cxn modelId="{C333DC95-D629-4ECC-B5DA-56A115B40DF8}" type="presOf" srcId="{EC0BFF9E-5B3D-44AD-B4C2-72655D025188}" destId="{E7BF0F13-FB36-42C2-B0D4-7F257E407A08}" srcOrd="0" destOrd="0" presId="urn:microsoft.com/office/officeart/2008/layout/AlternatingHexagons"/>
     <dgm:cxn modelId="{BE46CD99-1387-40FE-81E0-6DA99A911847}" srcId="{EC0BFF9E-5B3D-44AD-B4C2-72655D025188}" destId="{6F968B57-B8A5-4EBE-A3F9-84155C4A396F}" srcOrd="0" destOrd="0" parTransId="{1516DB6B-2540-453F-B7E9-D7B26CAF58D8}" sibTransId="{2B2D4DC3-20F6-4F67-BCB8-572381610F78}"/>
     <dgm:cxn modelId="{C98289B0-8987-491E-AF62-F56866C71F57}" type="presOf" srcId="{6ABD1785-C8BD-4ECC-8EC5-FC0BBFE299AE}" destId="{BACE13D7-6538-4D1D-85FD-0FBC59058B33}" srcOrd="0" destOrd="0" presId="urn:microsoft.com/office/officeart/2008/layout/AlternatingHexagons"/>
+    <dgm:cxn modelId="{9EDE3CB1-D268-4465-8FF8-3992B799A958}" srcId="{6ABD1785-C8BD-4ECC-8EC5-FC0BBFE299AE}" destId="{CA6A99D4-D124-43CE-9A1A-C04D560D4BC1}" srcOrd="0" destOrd="0" parTransId="{A3DAE4ED-5E5C-47D6-AB9D-9ECEF67B1C8B}" sibTransId="{1B28F469-543A-42C7-BF6D-5F6310FCD7B7}"/>
+    <dgm:cxn modelId="{91C3CCC0-E5D6-42CD-A86E-6258688DB7DB}" type="presOf" srcId="{CA6A99D4-D124-43CE-9A1A-C04D560D4BC1}" destId="{937E4392-AA23-493B-B07A-2C6EB5412943}" srcOrd="0" destOrd="0" presId="urn:microsoft.com/office/officeart/2008/layout/AlternatingHexagons"/>
     <dgm:cxn modelId="{0EA68FC2-553A-4396-9C1D-86A039910906}" type="presOf" srcId="{F23CB026-6EC5-431C-AA36-DE7E32A3E8CC}" destId="{17A429AE-9DD8-4AF5-A966-761A4078B7F7}" srcOrd="0" destOrd="0" presId="urn:microsoft.com/office/officeart/2008/layout/AlternatingHexagons"/>
     <dgm:cxn modelId="{EFF503C5-F329-4E95-90A4-CA68DFDD5152}" type="presOf" srcId="{B88181C2-C932-4D92-AB19-D13D1E555920}" destId="{0C7D68C1-A67A-4806-8A2E-6A660FCE1D9A}" srcOrd="0" destOrd="0" presId="urn:microsoft.com/office/officeart/2008/layout/AlternatingHexagons"/>
     <dgm:cxn modelId="{9EBF69C9-9245-428C-94D3-5F81A17D0F19}" type="presOf" srcId="{1AFED46E-E1AA-42CE-BDA2-70243D027A1B}" destId="{A58B0991-A36B-48D3-9821-65C1F4EAB5D5}" srcOrd="0" destOrd="0" presId="urn:microsoft.com/office/officeart/2008/layout/AlternatingHexagons"/>
@@ -1294,6 +2082,214 @@
     </a:ext>
     <a:ext uri="{C62137D5-CB1D-491B-B009-E17868A290BF}">
       <dgm14:recolorImg xmlns:dgm14="http://schemas.microsoft.com/office/drawing/2010/diagram" val="1"/>
+    </a:ext>
+  </dgm:extLst>
+</dgm:dataModel>
+</file>
+
+<file path=ppt/diagrams/data2.xml><?xml version="1.0" encoding="utf-8"?>
+<dgm:dataModel xmlns:dgm="http://schemas.openxmlformats.org/drawingml/2006/diagram" xmlns:a="http://schemas.openxmlformats.org/drawingml/2006/main">
+  <dgm:ptLst>
+    <dgm:pt modelId="{AA3F5934-23EC-41E5-86F9-9A1E619B0AF1}" type="doc">
+      <dgm:prSet loTypeId="urn:microsoft.com/office/officeart/2005/8/layout/chart3" loCatId="cycle" qsTypeId="urn:microsoft.com/office/officeart/2005/8/quickstyle/simple1" qsCatId="simple" csTypeId="urn:microsoft.com/office/officeart/2005/8/colors/accent1_2" csCatId="accent1" phldr="1"/>
+      <dgm:spPr/>
+    </dgm:pt>
+    <dgm:pt modelId="{738A01DB-007C-4F98-9509-AC903C433B33}">
+      <dgm:prSet phldrT="[Testo]"/>
+      <dgm:spPr>
+        <a:solidFill>
+          <a:srgbClr val="09C5A8"/>
+        </a:solidFill>
+      </dgm:spPr>
+      <dgm:t>
+        <a:bodyPr/>
+        <a:lstStyle/>
+        <a:p>
+          <a:r>
+            <a:rPr lang="it-IT" dirty="0"/>
+            <a:t> </a:t>
+          </a:r>
+        </a:p>
+      </dgm:t>
+    </dgm:pt>
+    <dgm:pt modelId="{29AC857E-352E-4B61-A7C3-3C01D139DCD3}" type="parTrans" cxnId="{82831F6F-47B6-49CC-8F47-214A865467C5}">
+      <dgm:prSet/>
+      <dgm:spPr/>
+      <dgm:t>
+        <a:bodyPr/>
+        <a:lstStyle/>
+        <a:p>
+          <a:endParaRPr lang="it-IT"/>
+        </a:p>
+      </dgm:t>
+    </dgm:pt>
+    <dgm:pt modelId="{8D76EA9D-502B-4960-8EE9-8B1B5A58A34A}" type="sibTrans" cxnId="{82831F6F-47B6-49CC-8F47-214A865467C5}">
+      <dgm:prSet/>
+      <dgm:spPr/>
+      <dgm:t>
+        <a:bodyPr/>
+        <a:lstStyle/>
+        <a:p>
+          <a:endParaRPr lang="it-IT"/>
+        </a:p>
+      </dgm:t>
+    </dgm:pt>
+    <dgm:pt modelId="{DC9CB511-73DA-455F-97B0-D7458AA463C6}">
+      <dgm:prSet phldrT="[Testo]"/>
+      <dgm:spPr>
+        <a:solidFill>
+          <a:srgbClr val="09C5A8"/>
+        </a:solidFill>
+      </dgm:spPr>
+      <dgm:t>
+        <a:bodyPr/>
+        <a:lstStyle/>
+        <a:p>
+          <a:r>
+            <a:rPr lang="it-IT" dirty="0"/>
+            <a:t> </a:t>
+          </a:r>
+        </a:p>
+      </dgm:t>
+    </dgm:pt>
+    <dgm:pt modelId="{001280A2-2D41-483C-A29E-F062D9A82BD6}" type="parTrans" cxnId="{65DE6140-AF6A-4BB9-9A78-D33BABE457D8}">
+      <dgm:prSet/>
+      <dgm:spPr/>
+      <dgm:t>
+        <a:bodyPr/>
+        <a:lstStyle/>
+        <a:p>
+          <a:endParaRPr lang="it-IT"/>
+        </a:p>
+      </dgm:t>
+    </dgm:pt>
+    <dgm:pt modelId="{886F2966-9775-4453-A6FB-DF966D61C6A9}" type="sibTrans" cxnId="{65DE6140-AF6A-4BB9-9A78-D33BABE457D8}">
+      <dgm:prSet/>
+      <dgm:spPr/>
+      <dgm:t>
+        <a:bodyPr/>
+        <a:lstStyle/>
+        <a:p>
+          <a:endParaRPr lang="it-IT"/>
+        </a:p>
+      </dgm:t>
+    </dgm:pt>
+    <dgm:pt modelId="{F4A6B12F-3E09-4289-A525-7ECBBA6F56E8}">
+      <dgm:prSet phldrT="[Testo]"/>
+      <dgm:spPr>
+        <a:solidFill>
+          <a:srgbClr val="09C5A8"/>
+        </a:solidFill>
+      </dgm:spPr>
+      <dgm:t>
+        <a:bodyPr/>
+        <a:lstStyle/>
+        <a:p>
+          <a:r>
+            <a:rPr lang="it-IT" dirty="0"/>
+            <a:t> </a:t>
+          </a:r>
+        </a:p>
+      </dgm:t>
+    </dgm:pt>
+    <dgm:pt modelId="{6EEDE360-901D-4911-BAF7-910E743990BE}" type="parTrans" cxnId="{36A1B26B-C675-4A26-B25A-D3E778ECB2F4}">
+      <dgm:prSet/>
+      <dgm:spPr/>
+      <dgm:t>
+        <a:bodyPr/>
+        <a:lstStyle/>
+        <a:p>
+          <a:endParaRPr lang="it-IT"/>
+        </a:p>
+      </dgm:t>
+    </dgm:pt>
+    <dgm:pt modelId="{38B1D024-40CE-420C-96B9-AD66137655E6}" type="sibTrans" cxnId="{36A1B26B-C675-4A26-B25A-D3E778ECB2F4}">
+      <dgm:prSet/>
+      <dgm:spPr/>
+      <dgm:t>
+        <a:bodyPr/>
+        <a:lstStyle/>
+        <a:p>
+          <a:endParaRPr lang="it-IT"/>
+        </a:p>
+      </dgm:t>
+    </dgm:pt>
+    <dgm:pt modelId="{BDFAF311-CFB5-4FF8-A197-0B4B8C87E165}" type="pres">
+      <dgm:prSet presAssocID="{AA3F5934-23EC-41E5-86F9-9A1E619B0AF1}" presName="compositeShape" presStyleCnt="0">
+        <dgm:presLayoutVars>
+          <dgm:chMax val="7"/>
+          <dgm:dir/>
+          <dgm:resizeHandles val="exact"/>
+        </dgm:presLayoutVars>
+      </dgm:prSet>
+      <dgm:spPr/>
+    </dgm:pt>
+    <dgm:pt modelId="{717DEFF1-FE44-4C6C-9632-7F1FFAEBD925}" type="pres">
+      <dgm:prSet presAssocID="{AA3F5934-23EC-41E5-86F9-9A1E619B0AF1}" presName="wedge1" presStyleLbl="node1" presStyleIdx="0" presStyleCnt="3" custLinFactNeighborX="-4740" custLinFactNeighborY="3033"/>
+      <dgm:spPr/>
+    </dgm:pt>
+    <dgm:pt modelId="{09DC9FFC-BD68-4CF6-A003-9F515DB3A039}" type="pres">
+      <dgm:prSet presAssocID="{AA3F5934-23EC-41E5-86F9-9A1E619B0AF1}" presName="wedge1Tx" presStyleLbl="node1" presStyleIdx="0" presStyleCnt="3">
+        <dgm:presLayoutVars>
+          <dgm:chMax val="0"/>
+          <dgm:chPref val="0"/>
+          <dgm:bulletEnabled val="1"/>
+        </dgm:presLayoutVars>
+      </dgm:prSet>
+      <dgm:spPr/>
+    </dgm:pt>
+    <dgm:pt modelId="{7A96F170-2FD9-4824-A7DF-0891CEED5F88}" type="pres">
+      <dgm:prSet presAssocID="{AA3F5934-23EC-41E5-86F9-9A1E619B0AF1}" presName="wedge2" presStyleLbl="node1" presStyleIdx="1" presStyleCnt="3"/>
+      <dgm:spPr/>
+    </dgm:pt>
+    <dgm:pt modelId="{4708AF9B-EDDF-4DEB-8C07-D80FC1EDA7BF}" type="pres">
+      <dgm:prSet presAssocID="{AA3F5934-23EC-41E5-86F9-9A1E619B0AF1}" presName="wedge2Tx" presStyleLbl="node1" presStyleIdx="1" presStyleCnt="3">
+        <dgm:presLayoutVars>
+          <dgm:chMax val="0"/>
+          <dgm:chPref val="0"/>
+          <dgm:bulletEnabled val="1"/>
+        </dgm:presLayoutVars>
+      </dgm:prSet>
+      <dgm:spPr/>
+    </dgm:pt>
+    <dgm:pt modelId="{35F129EC-02DA-454D-8341-7B5B838EC91C}" type="pres">
+      <dgm:prSet presAssocID="{AA3F5934-23EC-41E5-86F9-9A1E619B0AF1}" presName="wedge3" presStyleLbl="node1" presStyleIdx="2" presStyleCnt="3"/>
+      <dgm:spPr/>
+    </dgm:pt>
+    <dgm:pt modelId="{8731B807-E819-4ACF-BF30-CC10E877D7F0}" type="pres">
+      <dgm:prSet presAssocID="{AA3F5934-23EC-41E5-86F9-9A1E619B0AF1}" presName="wedge3Tx" presStyleLbl="node1" presStyleIdx="2" presStyleCnt="3">
+        <dgm:presLayoutVars>
+          <dgm:chMax val="0"/>
+          <dgm:chPref val="0"/>
+          <dgm:bulletEnabled val="1"/>
+        </dgm:presLayoutVars>
+      </dgm:prSet>
+      <dgm:spPr/>
+    </dgm:pt>
+  </dgm:ptLst>
+  <dgm:cxnLst>
+    <dgm:cxn modelId="{E7A1B607-F82E-41E1-AE9D-30B73D28402D}" type="presOf" srcId="{738A01DB-007C-4F98-9509-AC903C433B33}" destId="{717DEFF1-FE44-4C6C-9632-7F1FFAEBD925}" srcOrd="0" destOrd="0" presId="urn:microsoft.com/office/officeart/2005/8/layout/chart3"/>
+    <dgm:cxn modelId="{0F820329-9B2B-4FB7-ABC4-8FCF952A8B69}" type="presOf" srcId="{AA3F5934-23EC-41E5-86F9-9A1E619B0AF1}" destId="{BDFAF311-CFB5-4FF8-A197-0B4B8C87E165}" srcOrd="0" destOrd="0" presId="urn:microsoft.com/office/officeart/2005/8/layout/chart3"/>
+    <dgm:cxn modelId="{5AC63F2A-DBDF-4B63-B195-2FFD989CADA6}" type="presOf" srcId="{DC9CB511-73DA-455F-97B0-D7458AA463C6}" destId="{7A96F170-2FD9-4824-A7DF-0891CEED5F88}" srcOrd="0" destOrd="0" presId="urn:microsoft.com/office/officeart/2005/8/layout/chart3"/>
+    <dgm:cxn modelId="{65DE6140-AF6A-4BB9-9A78-D33BABE457D8}" srcId="{AA3F5934-23EC-41E5-86F9-9A1E619B0AF1}" destId="{DC9CB511-73DA-455F-97B0-D7458AA463C6}" srcOrd="1" destOrd="0" parTransId="{001280A2-2D41-483C-A29E-F062D9A82BD6}" sibTransId="{886F2966-9775-4453-A6FB-DF966D61C6A9}"/>
+    <dgm:cxn modelId="{36A1B26B-C675-4A26-B25A-D3E778ECB2F4}" srcId="{AA3F5934-23EC-41E5-86F9-9A1E619B0AF1}" destId="{F4A6B12F-3E09-4289-A525-7ECBBA6F56E8}" srcOrd="2" destOrd="0" parTransId="{6EEDE360-901D-4911-BAF7-910E743990BE}" sibTransId="{38B1D024-40CE-420C-96B9-AD66137655E6}"/>
+    <dgm:cxn modelId="{82831F6F-47B6-49CC-8F47-214A865467C5}" srcId="{AA3F5934-23EC-41E5-86F9-9A1E619B0AF1}" destId="{738A01DB-007C-4F98-9509-AC903C433B33}" srcOrd="0" destOrd="0" parTransId="{29AC857E-352E-4B61-A7C3-3C01D139DCD3}" sibTransId="{8D76EA9D-502B-4960-8EE9-8B1B5A58A34A}"/>
+    <dgm:cxn modelId="{B5517657-0405-41C4-829C-719E4EFE13EF}" type="presOf" srcId="{DC9CB511-73DA-455F-97B0-D7458AA463C6}" destId="{4708AF9B-EDDF-4DEB-8C07-D80FC1EDA7BF}" srcOrd="1" destOrd="0" presId="urn:microsoft.com/office/officeart/2005/8/layout/chart3"/>
+    <dgm:cxn modelId="{03B12A9E-272B-4855-A4D7-A439572137FE}" type="presOf" srcId="{F4A6B12F-3E09-4289-A525-7ECBBA6F56E8}" destId="{35F129EC-02DA-454D-8341-7B5B838EC91C}" srcOrd="0" destOrd="0" presId="urn:microsoft.com/office/officeart/2005/8/layout/chart3"/>
+    <dgm:cxn modelId="{2B3D4DA5-2038-4687-B58B-EC71ECF64ACD}" type="presOf" srcId="{738A01DB-007C-4F98-9509-AC903C433B33}" destId="{09DC9FFC-BD68-4CF6-A003-9F515DB3A039}" srcOrd="1" destOrd="0" presId="urn:microsoft.com/office/officeart/2005/8/layout/chart3"/>
+    <dgm:cxn modelId="{78420AD5-72B5-42B4-810A-785CA4EFAA5E}" type="presOf" srcId="{F4A6B12F-3E09-4289-A525-7ECBBA6F56E8}" destId="{8731B807-E819-4ACF-BF30-CC10E877D7F0}" srcOrd="1" destOrd="0" presId="urn:microsoft.com/office/officeart/2005/8/layout/chart3"/>
+    <dgm:cxn modelId="{54371AE0-BE61-4865-8C5B-84C0FCB83370}" type="presParOf" srcId="{BDFAF311-CFB5-4FF8-A197-0B4B8C87E165}" destId="{717DEFF1-FE44-4C6C-9632-7F1FFAEBD925}" srcOrd="0" destOrd="0" presId="urn:microsoft.com/office/officeart/2005/8/layout/chart3"/>
+    <dgm:cxn modelId="{E0897201-D779-47DB-A54B-208855B2C80F}" type="presParOf" srcId="{BDFAF311-CFB5-4FF8-A197-0B4B8C87E165}" destId="{09DC9FFC-BD68-4CF6-A003-9F515DB3A039}" srcOrd="1" destOrd="0" presId="urn:microsoft.com/office/officeart/2005/8/layout/chart3"/>
+    <dgm:cxn modelId="{1E7B941F-9A4F-4598-ACFF-5B10EE8FE76E}" type="presParOf" srcId="{BDFAF311-CFB5-4FF8-A197-0B4B8C87E165}" destId="{7A96F170-2FD9-4824-A7DF-0891CEED5F88}" srcOrd="2" destOrd="0" presId="urn:microsoft.com/office/officeart/2005/8/layout/chart3"/>
+    <dgm:cxn modelId="{AB3906F9-2728-4ADD-A6C0-685EC11EA69B}" type="presParOf" srcId="{BDFAF311-CFB5-4FF8-A197-0B4B8C87E165}" destId="{4708AF9B-EDDF-4DEB-8C07-D80FC1EDA7BF}" srcOrd="3" destOrd="0" presId="urn:microsoft.com/office/officeart/2005/8/layout/chart3"/>
+    <dgm:cxn modelId="{6275140E-A602-412D-8736-DC895BC38E5D}" type="presParOf" srcId="{BDFAF311-CFB5-4FF8-A197-0B4B8C87E165}" destId="{35F129EC-02DA-454D-8341-7B5B838EC91C}" srcOrd="4" destOrd="0" presId="urn:microsoft.com/office/officeart/2005/8/layout/chart3"/>
+    <dgm:cxn modelId="{62A6945F-F26D-4FC4-9444-1E80172DDE19}" type="presParOf" srcId="{BDFAF311-CFB5-4FF8-A197-0B4B8C87E165}" destId="{8731B807-E819-4ACF-BF30-CC10E877D7F0}" srcOrd="5" destOrd="0" presId="urn:microsoft.com/office/officeart/2005/8/layout/chart3"/>
+  </dgm:cxnLst>
+  <dgm:bg/>
+  <dgm:whole/>
+  <dgm:extLst>
+    <a:ext uri="http://schemas.microsoft.com/office/drawing/2008/diagram">
+      <dsp:dataModelExt xmlns:dsp="http://schemas.microsoft.com/office/drawing/2008/diagram" relId="rId6" minVer="http://schemas.openxmlformats.org/drawingml/2006/diagram"/>
     </a:ext>
   </dgm:extLst>
 </dgm:dataModel>
@@ -1412,12 +2408,12 @@
         <a:fontRef idx="minor"/>
       </dsp:style>
       <dsp:txBody>
-        <a:bodyPr spcFirstLastPara="0" vert="horz" wrap="square" lIns="137160" tIns="137160" rIns="137160" bIns="137160" numCol="1" spcCol="1270" anchor="ctr" anchorCtr="0">
+        <a:bodyPr spcFirstLastPara="0" vert="horz" wrap="square" lIns="95250" tIns="95250" rIns="95250" bIns="95250" numCol="1" spcCol="1270" anchor="ctr" anchorCtr="0">
           <a:noAutofit/>
         </a:bodyPr>
         <a:lstStyle/>
         <a:p>
-          <a:pPr marL="0" lvl="0" indent="0" algn="l" defTabSz="1600200">
+          <a:pPr marL="0" lvl="0" indent="0" algn="l" defTabSz="1111250">
             <a:lnSpc>
               <a:spcPct val="90000"/>
             </a:lnSpc>
@@ -1430,7 +2426,7 @@
             <a:buNone/>
           </a:pPr>
           <a:r>
-            <a:rPr lang="it-IT" sz="3600" kern="1200" dirty="0"/>
+            <a:rPr lang="it-IT" sz="2500" kern="1200" dirty="0"/>
             <a:t> </a:t>
           </a:r>
         </a:p>
@@ -1621,12 +2617,12 @@
         <a:fontRef idx="minor"/>
       </dsp:style>
       <dsp:txBody>
-        <a:bodyPr spcFirstLastPara="0" vert="horz" wrap="square" lIns="137160" tIns="137160" rIns="137160" bIns="137160" numCol="1" spcCol="1270" anchor="ctr" anchorCtr="0">
+        <a:bodyPr spcFirstLastPara="0" vert="horz" wrap="square" lIns="95250" tIns="95250" rIns="95250" bIns="95250" numCol="1" spcCol="1270" anchor="ctr" anchorCtr="0">
           <a:noAutofit/>
         </a:bodyPr>
         <a:lstStyle/>
         <a:p>
-          <a:pPr marL="0" lvl="0" indent="0" algn="r" defTabSz="1600200">
+          <a:pPr marL="0" lvl="0" indent="0" algn="r" defTabSz="1111250">
             <a:lnSpc>
               <a:spcPct val="90000"/>
             </a:lnSpc>
@@ -1639,7 +2635,7 @@
             <a:buNone/>
           </a:pPr>
           <a:r>
-            <a:rPr lang="it-IT" sz="3600" kern="1200" dirty="0"/>
+            <a:rPr lang="it-IT" sz="2500" kern="1200" dirty="0"/>
             <a:t> </a:t>
           </a:r>
         </a:p>
@@ -1830,12 +2826,27 @@
         <a:fontRef idx="minor"/>
       </dsp:style>
       <dsp:txBody>
-        <a:bodyPr spcFirstLastPara="0" vert="horz" wrap="square" lIns="137160" tIns="137160" rIns="137160" bIns="137160" numCol="1" spcCol="1270" anchor="ctr" anchorCtr="0">
+        <a:bodyPr spcFirstLastPara="0" vert="horz" wrap="square" lIns="95250" tIns="95250" rIns="95250" bIns="95250" numCol="1" spcCol="1270" anchor="ctr" anchorCtr="0">
           <a:noAutofit/>
         </a:bodyPr>
         <a:lstStyle/>
         <a:p>
-          <a:pPr marL="0" lvl="0" indent="0" algn="l" defTabSz="1600200">
+          <a:pPr marL="0" lvl="0" indent="0" algn="l" defTabSz="1111250">
+            <a:lnSpc>
+              <a:spcPct val="90000"/>
+            </a:lnSpc>
+            <a:spcBef>
+              <a:spcPct val="0"/>
+            </a:spcBef>
+            <a:spcAft>
+              <a:spcPct val="35000"/>
+            </a:spcAft>
+            <a:buNone/>
+          </a:pPr>
+          <a:endParaRPr lang="it-IT" sz="2500" kern="1200" dirty="0"/>
+        </a:p>
+        <a:p>
+          <a:pPr marL="0" lvl="0" indent="0" algn="l" defTabSz="1111250">
             <a:lnSpc>
               <a:spcPct val="90000"/>
             </a:lnSpc>
@@ -1848,7 +2859,7 @@
             <a:buNone/>
           </a:pPr>
           <a:r>
-            <a:rPr lang="it-IT" sz="3600" kern="1200" dirty="0"/>
+            <a:rPr lang="it-IT" sz="2500" kern="1200" dirty="0"/>
             <a:t> </a:t>
           </a:r>
         </a:p>
@@ -1929,6 +2940,246 @@
       <dsp:txXfrm rot="-5400000">
         <a:off x="2692300" y="3257123"/>
         <a:ext cx="1051752" cy="1208909"/>
+      </dsp:txXfrm>
+    </dsp:sp>
+  </dsp:spTree>
+</dsp:drawing>
+</file>
+
+<file path=ppt/diagrams/drawing2.xml><?xml version="1.0" encoding="utf-8"?>
+<dsp:drawing xmlns:dgm="http://schemas.openxmlformats.org/drawingml/2006/diagram" xmlns:dsp="http://schemas.microsoft.com/office/drawing/2008/diagram" xmlns:a="http://schemas.openxmlformats.org/drawingml/2006/main">
+  <dsp:spTree>
+    <dsp:nvGrpSpPr>
+      <dsp:cNvPr id="0" name=""/>
+      <dsp:cNvGrpSpPr/>
+    </dsp:nvGrpSpPr>
+    <dsp:grpSpPr/>
+    <dsp:sp modelId="{717DEFF1-FE44-4C6C-9632-7F1FFAEBD925}">
+      <dsp:nvSpPr>
+        <dsp:cNvPr id="0" name=""/>
+        <dsp:cNvSpPr/>
+      </dsp:nvSpPr>
+      <dsp:spPr>
+        <a:xfrm>
+          <a:off x="1689724" y="503812"/>
+          <a:ext cx="4551680" cy="4551680"/>
+        </a:xfrm>
+        <a:prstGeom prst="pie">
+          <a:avLst>
+            <a:gd name="adj1" fmla="val 16200000"/>
+            <a:gd name="adj2" fmla="val 1800000"/>
+          </a:avLst>
+        </a:prstGeom>
+        <a:solidFill>
+          <a:srgbClr val="09C5A8"/>
+        </a:solidFill>
+        <a:ln w="12700" cap="flat" cmpd="sng" algn="ctr">
+          <a:solidFill>
+            <a:schemeClr val="lt1">
+              <a:hueOff val="0"/>
+              <a:satOff val="0"/>
+              <a:lumOff val="0"/>
+              <a:alphaOff val="0"/>
+            </a:schemeClr>
+          </a:solidFill>
+          <a:prstDash val="solid"/>
+          <a:miter lim="800000"/>
+        </a:ln>
+        <a:effectLst/>
+      </dsp:spPr>
+      <dsp:style>
+        <a:lnRef idx="2">
+          <a:scrgbClr r="0" g="0" b="0"/>
+        </a:lnRef>
+        <a:fillRef idx="1">
+          <a:scrgbClr r="0" g="0" b="0"/>
+        </a:fillRef>
+        <a:effectRef idx="0">
+          <a:scrgbClr r="0" g="0" b="0"/>
+        </a:effectRef>
+        <a:fontRef idx="minor">
+          <a:schemeClr val="lt1"/>
+        </a:fontRef>
+      </dsp:style>
+      <dsp:txBody>
+        <a:bodyPr spcFirstLastPara="0" vert="horz" wrap="square" lIns="82550" tIns="82550" rIns="82550" bIns="82550" numCol="1" spcCol="1270" anchor="ctr" anchorCtr="0">
+          <a:noAutofit/>
+        </a:bodyPr>
+        <a:lstStyle/>
+        <a:p>
+          <a:pPr marL="0" lvl="0" indent="0" algn="ctr" defTabSz="2889250">
+            <a:lnSpc>
+              <a:spcPct val="90000"/>
+            </a:lnSpc>
+            <a:spcBef>
+              <a:spcPct val="0"/>
+            </a:spcBef>
+            <a:spcAft>
+              <a:spcPct val="35000"/>
+            </a:spcAft>
+            <a:buNone/>
+          </a:pPr>
+          <a:r>
+            <a:rPr lang="it-IT" sz="6500" kern="1200" dirty="0"/>
+            <a:t> </a:t>
+          </a:r>
+        </a:p>
+      </dsp:txBody>
+      <dsp:txXfrm>
+        <a:off x="4164429" y="1343705"/>
+        <a:ext cx="1544320" cy="1517226"/>
+      </dsp:txXfrm>
+    </dsp:sp>
+    <dsp:sp modelId="{7A96F170-2FD9-4824-A7DF-0891CEED5F88}">
+      <dsp:nvSpPr>
+        <dsp:cNvPr id="0" name=""/>
+        <dsp:cNvSpPr/>
+      </dsp:nvSpPr>
+      <dsp:spPr>
+        <a:xfrm>
+          <a:off x="1670845" y="501226"/>
+          <a:ext cx="4551680" cy="4551680"/>
+        </a:xfrm>
+        <a:prstGeom prst="pie">
+          <a:avLst>
+            <a:gd name="adj1" fmla="val 1800000"/>
+            <a:gd name="adj2" fmla="val 9000000"/>
+          </a:avLst>
+        </a:prstGeom>
+        <a:solidFill>
+          <a:srgbClr val="09C5A8"/>
+        </a:solidFill>
+        <a:ln w="12700" cap="flat" cmpd="sng" algn="ctr">
+          <a:solidFill>
+            <a:schemeClr val="lt1">
+              <a:hueOff val="0"/>
+              <a:satOff val="0"/>
+              <a:lumOff val="0"/>
+              <a:alphaOff val="0"/>
+            </a:schemeClr>
+          </a:solidFill>
+          <a:prstDash val="solid"/>
+          <a:miter lim="800000"/>
+        </a:ln>
+        <a:effectLst/>
+      </dsp:spPr>
+      <dsp:style>
+        <a:lnRef idx="2">
+          <a:scrgbClr r="0" g="0" b="0"/>
+        </a:lnRef>
+        <a:fillRef idx="1">
+          <a:scrgbClr r="0" g="0" b="0"/>
+        </a:fillRef>
+        <a:effectRef idx="0">
+          <a:scrgbClr r="0" g="0" b="0"/>
+        </a:effectRef>
+        <a:fontRef idx="minor">
+          <a:schemeClr val="lt1"/>
+        </a:fontRef>
+      </dsp:style>
+      <dsp:txBody>
+        <a:bodyPr spcFirstLastPara="0" vert="horz" wrap="square" lIns="82550" tIns="82550" rIns="82550" bIns="82550" numCol="1" spcCol="1270" anchor="ctr" anchorCtr="0">
+          <a:noAutofit/>
+        </a:bodyPr>
+        <a:lstStyle/>
+        <a:p>
+          <a:pPr marL="0" lvl="0" indent="0" algn="ctr" defTabSz="2889250">
+            <a:lnSpc>
+              <a:spcPct val="90000"/>
+            </a:lnSpc>
+            <a:spcBef>
+              <a:spcPct val="0"/>
+            </a:spcBef>
+            <a:spcAft>
+              <a:spcPct val="35000"/>
+            </a:spcAft>
+            <a:buNone/>
+          </a:pPr>
+          <a:r>
+            <a:rPr lang="it-IT" sz="6500" kern="1200" dirty="0"/>
+            <a:t> </a:t>
+          </a:r>
+        </a:p>
+      </dsp:txBody>
+      <dsp:txXfrm>
+        <a:off x="2917139" y="3373120"/>
+        <a:ext cx="2059093" cy="1408853"/>
+      </dsp:txXfrm>
+    </dsp:sp>
+    <dsp:sp modelId="{35F129EC-02DA-454D-8341-7B5B838EC91C}">
+      <dsp:nvSpPr>
+        <dsp:cNvPr id="0" name=""/>
+        <dsp:cNvSpPr/>
+      </dsp:nvSpPr>
+      <dsp:spPr>
+        <a:xfrm>
+          <a:off x="1670845" y="501226"/>
+          <a:ext cx="4551680" cy="4551680"/>
+        </a:xfrm>
+        <a:prstGeom prst="pie">
+          <a:avLst>
+            <a:gd name="adj1" fmla="val 9000000"/>
+            <a:gd name="adj2" fmla="val 16200000"/>
+          </a:avLst>
+        </a:prstGeom>
+        <a:solidFill>
+          <a:srgbClr val="09C5A8"/>
+        </a:solidFill>
+        <a:ln w="12700" cap="flat" cmpd="sng" algn="ctr">
+          <a:solidFill>
+            <a:schemeClr val="lt1">
+              <a:hueOff val="0"/>
+              <a:satOff val="0"/>
+              <a:lumOff val="0"/>
+              <a:alphaOff val="0"/>
+            </a:schemeClr>
+          </a:solidFill>
+          <a:prstDash val="solid"/>
+          <a:miter lim="800000"/>
+        </a:ln>
+        <a:effectLst/>
+      </dsp:spPr>
+      <dsp:style>
+        <a:lnRef idx="2">
+          <a:scrgbClr r="0" g="0" b="0"/>
+        </a:lnRef>
+        <a:fillRef idx="1">
+          <a:scrgbClr r="0" g="0" b="0"/>
+        </a:fillRef>
+        <a:effectRef idx="0">
+          <a:scrgbClr r="0" g="0" b="0"/>
+        </a:effectRef>
+        <a:fontRef idx="minor">
+          <a:schemeClr val="lt1"/>
+        </a:fontRef>
+      </dsp:style>
+      <dsp:txBody>
+        <a:bodyPr spcFirstLastPara="0" vert="horz" wrap="square" lIns="82550" tIns="82550" rIns="82550" bIns="82550" numCol="1" spcCol="1270" anchor="ctr" anchorCtr="0">
+          <a:noAutofit/>
+        </a:bodyPr>
+        <a:lstStyle/>
+        <a:p>
+          <a:pPr marL="0" lvl="0" indent="0" algn="ctr" defTabSz="2889250">
+            <a:lnSpc>
+              <a:spcPct val="90000"/>
+            </a:lnSpc>
+            <a:spcBef>
+              <a:spcPct val="0"/>
+            </a:spcBef>
+            <a:spcAft>
+              <a:spcPct val="35000"/>
+            </a:spcAft>
+            <a:buNone/>
+          </a:pPr>
+          <a:r>
+            <a:rPr lang="it-IT" sz="6500" kern="1200" dirty="0"/>
+            <a:t> </a:t>
+          </a:r>
+        </a:p>
+      </dsp:txBody>
+      <dsp:txXfrm>
+        <a:off x="2158525" y="1395306"/>
+        <a:ext cx="1544320" cy="1517226"/>
       </dsp:txXfrm>
     </dsp:sp>
   </dsp:spTree>
@@ -2290,7 +3541,2346 @@
 </dgm:layoutDef>
 </file>
 
+<file path=ppt/diagrams/layout2.xml><?xml version="1.0" encoding="utf-8"?>
+<dgm:layoutDef xmlns:dgm="http://schemas.openxmlformats.org/drawingml/2006/diagram" xmlns:a="http://schemas.openxmlformats.org/drawingml/2006/main" uniqueId="urn:microsoft.com/office/officeart/2005/8/layout/chart3">
+  <dgm:title val=""/>
+  <dgm:desc val=""/>
+  <dgm:catLst>
+    <dgm:cat type="relationship" pri="27000"/>
+    <dgm:cat type="cycle" pri="8000"/>
+  </dgm:catLst>
+  <dgm:sampData useDef="1">
+    <dgm:dataModel>
+      <dgm:ptLst/>
+      <dgm:bg/>
+      <dgm:whole/>
+    </dgm:dataModel>
+  </dgm:sampData>
+  <dgm:styleData useDef="1">
+    <dgm:dataModel>
+      <dgm:ptLst/>
+      <dgm:bg/>
+      <dgm:whole/>
+    </dgm:dataModel>
+  </dgm:styleData>
+  <dgm:clrData>
+    <dgm:dataModel>
+      <dgm:ptLst>
+        <dgm:pt modelId="0" type="doc"/>
+        <dgm:pt modelId="1"/>
+        <dgm:pt modelId="2"/>
+        <dgm:pt modelId="3"/>
+        <dgm:pt modelId="4"/>
+        <dgm:pt modelId="5"/>
+        <dgm:pt modelId="6"/>
+      </dgm:ptLst>
+      <dgm:cxnLst>
+        <dgm:cxn modelId="7" srcId="0" destId="1" srcOrd="0" destOrd="0"/>
+        <dgm:cxn modelId="8" srcId="0" destId="2" srcOrd="1" destOrd="0"/>
+        <dgm:cxn modelId="9" srcId="0" destId="3" srcOrd="2" destOrd="0"/>
+        <dgm:cxn modelId="10" srcId="0" destId="4" srcOrd="3" destOrd="0"/>
+        <dgm:cxn modelId="11" srcId="0" destId="5" srcOrd="4" destOrd="0"/>
+        <dgm:cxn modelId="12" srcId="0" destId="6" srcOrd="5" destOrd="0"/>
+      </dgm:cxnLst>
+      <dgm:bg/>
+      <dgm:whole/>
+    </dgm:dataModel>
+  </dgm:clrData>
+  <dgm:layoutNode name="compositeShape">
+    <dgm:varLst>
+      <dgm:chMax val="7"/>
+      <dgm:dir/>
+      <dgm:resizeHandles val="exact"/>
+    </dgm:varLst>
+    <dgm:alg type="composite">
+      <dgm:param type="horzAlign" val="ctr"/>
+      <dgm:param type="vertAlign" val="mid"/>
+      <dgm:param type="ar" val="1"/>
+    </dgm:alg>
+    <dgm:presOf/>
+    <dgm:shape xmlns:r="http://schemas.openxmlformats.org/officeDocument/2006/relationships" r:blip="">
+      <dgm:adjLst/>
+    </dgm:shape>
+    <dgm:choose name="Name0">
+      <dgm:if name="Name1" axis="ch" ptType="node" func="cnt" op="equ" val="1">
+        <dgm:constrLst>
+          <dgm:constr type="l" for="ch" forName="wedge1" refType="w" fact="0.08"/>
+          <dgm:constr type="t" for="ch" forName="wedge1" refType="w" fact="0.08"/>
+          <dgm:constr type="w" for="ch" forName="wedge1" refType="w" fact="0.84"/>
+          <dgm:constr type="h" for="ch" forName="wedge1" refType="h" fact="0.84"/>
+          <dgm:constr type="l" for="ch" forName="wedge1Tx" refType="w" fact="0.205"/>
+          <dgm:constr type="t" for="ch" forName="wedge1Tx" refType="h" fact="0.205"/>
+          <dgm:constr type="w" for="ch" forName="wedge1Tx" refType="w" fact="0.59"/>
+          <dgm:constr type="h" for="ch" forName="wedge1Tx" refType="h" fact="0.59"/>
+          <dgm:constr type="primFontSz" for="ch" ptType="node" op="equ"/>
+        </dgm:constrLst>
+      </dgm:if>
+      <dgm:if name="Name2" axis="ch" ptType="node" func="cnt" op="equ" val="2">
+        <dgm:constrLst>
+          <dgm:constr type="l" for="ch" forName="wedge1" refType="w" fact="0.1"/>
+          <dgm:constr type="t" for="ch" forName="wedge1" refType="w" fact="0.08"/>
+          <dgm:constr type="w" for="ch" forName="wedge1" refType="w" fact="0.84"/>
+          <dgm:constr type="h" for="ch" forName="wedge1" refType="h" fact="0.84"/>
+          <dgm:constr type="l" for="ch" forName="wedge1Tx" refType="w" fact="0.52"/>
+          <dgm:constr type="t" for="ch" forName="wedge1Tx" refType="h" fact="0.205"/>
+          <dgm:constr type="w" for="ch" forName="wedge1Tx" refType="w" fact="0.295"/>
+          <dgm:constr type="h" for="ch" forName="wedge1Tx" refType="h" fact="0.59"/>
+          <dgm:constr type="l" for="ch" forName="wedge2" refType="w" fact="0.08"/>
+          <dgm:constr type="t" for="ch" forName="wedge2" refType="w" fact="0.08"/>
+          <dgm:constr type="w" for="ch" forName="wedge2" refType="w" fact="0.84"/>
+          <dgm:constr type="h" for="ch" forName="wedge2" refType="h" fact="0.84"/>
+          <dgm:constr type="l" for="ch" forName="wedge2Tx" refType="w" fact="0.2"/>
+          <dgm:constr type="t" for="ch" forName="wedge2Tx" refType="h" fact="0.205"/>
+          <dgm:constr type="w" for="ch" forName="wedge2Tx" refType="w" fact="0.295"/>
+          <dgm:constr type="h" for="ch" forName="wedge2Tx" refType="h" fact="0.59"/>
+          <dgm:constr type="primFontSz" for="ch" ptType="node" op="equ"/>
+        </dgm:constrLst>
+      </dgm:if>
+      <dgm:if name="Name3" axis="ch" ptType="node" func="cnt" op="equ" val="3">
+        <dgm:choose name="Name4">
+          <dgm:if name="Name5" func="var" arg="dir" op="equ" val="norm">
+            <dgm:constrLst>
+              <dgm:constr type="l" for="ch" forName="wedge1" refType="w" fact="0.1233"/>
+              <dgm:constr type="t" for="ch" forName="wedge1" refType="w" fact="0.055"/>
+              <dgm:constr type="w" for="ch" forName="wedge1" refType="w" fact="0.84"/>
+              <dgm:constr type="h" for="ch" forName="wedge1" refType="h" fact="0.84"/>
+              <dgm:constr type="l" for="ch" forName="wedge1Tx" refType="w" fact="0.58"/>
+              <dgm:constr type="t" for="ch" forName="wedge1Tx" refType="h" fact="0.21"/>
+              <dgm:constr type="w" for="ch" forName="wedge1Tx" refType="w" fact="0.285"/>
+              <dgm:constr type="h" for="ch" forName="wedge1Tx" refType="h" fact="0.28"/>
+              <dgm:constr type="l" for="ch" forName="wedge2" refType="w" fact="0.08"/>
+              <dgm:constr type="t" for="ch" forName="wedge2" refType="w" fact="0.08"/>
+              <dgm:constr type="w" for="ch" forName="wedge2" refType="w" fact="0.84"/>
+              <dgm:constr type="h" for="ch" forName="wedge2" refType="h" fact="0.84"/>
+              <dgm:constr type="l" for="ch" forName="wedge2Tx" refType="w" fact="0.31"/>
+              <dgm:constr type="t" for="ch" forName="wedge2Tx" refType="h" fact="0.61"/>
+              <dgm:constr type="w" for="ch" forName="wedge2Tx" refType="w" fact="0.38"/>
+              <dgm:constr type="h" for="ch" forName="wedge2Tx" refType="h" fact="0.26"/>
+              <dgm:constr type="l" for="ch" forName="wedge3" refType="w" fact="0.08"/>
+              <dgm:constr type="t" for="ch" forName="wedge3" refType="w" fact="0.08"/>
+              <dgm:constr type="w" for="ch" forName="wedge3" refType="w" fact="0.84"/>
+              <dgm:constr type="h" for="ch" forName="wedge3" refType="h" fact="0.84"/>
+              <dgm:constr type="l" for="ch" forName="wedge3Tx" refType="w" fact="0.17"/>
+              <dgm:constr type="t" for="ch" forName="wedge3Tx" refType="h" fact="0.245"/>
+              <dgm:constr type="w" for="ch" forName="wedge3Tx" refType="w" fact="0.285"/>
+              <dgm:constr type="h" for="ch" forName="wedge3Tx" refType="h" fact="0.28"/>
+              <dgm:constr type="primFontSz" for="ch" ptType="node" op="equ"/>
+            </dgm:constrLst>
+          </dgm:if>
+          <dgm:else name="Name6">
+            <dgm:constrLst>
+              <dgm:constr type="l" for="ch" forName="wedge1" refType="w" fact="0.08"/>
+              <dgm:constr type="t" for="ch" forName="wedge1" refType="w" fact="0.08"/>
+              <dgm:constr type="w" for="ch" forName="wedge1" refType="w" fact="0.84"/>
+              <dgm:constr type="h" for="ch" forName="wedge1" refType="h" fact="0.84"/>
+              <dgm:constr type="l" for="ch" forName="wedge1Tx" refType="w" fact="0.545"/>
+              <dgm:constr type="t" for="ch" forName="wedge1Tx" refType="h" fact="0.245"/>
+              <dgm:constr type="w" for="ch" forName="wedge1Tx" refType="w" fact="0.285"/>
+              <dgm:constr type="h" for="ch" forName="wedge1Tx" refType="h" fact="0.28"/>
+              <dgm:constr type="l" for="ch" forName="wedge2" refType="w" fact="0.08"/>
+              <dgm:constr type="t" for="ch" forName="wedge2" refType="w" fact="0.08"/>
+              <dgm:constr type="w" for="ch" forName="wedge2" refType="w" fact="0.84"/>
+              <dgm:constr type="h" for="ch" forName="wedge2" refType="h" fact="0.84"/>
+              <dgm:constr type="l" for="ch" forName="wedge2Tx" refType="w" fact="0.31"/>
+              <dgm:constr type="t" for="ch" forName="wedge2Tx" refType="h" fact="0.61"/>
+              <dgm:constr type="w" for="ch" forName="wedge2Tx" refType="w" fact="0.38"/>
+              <dgm:constr type="h" for="ch" forName="wedge2Tx" refType="h" fact="0.26"/>
+              <dgm:constr type="l" for="ch" forName="wedge3" refType="w" fact="0.0367"/>
+              <dgm:constr type="t" for="ch" forName="wedge3" refType="w" fact="0.055"/>
+              <dgm:constr type="w" for="ch" forName="wedge3" refType="w" fact="0.84"/>
+              <dgm:constr type="h" for="ch" forName="wedge3" refType="h" fact="0.84"/>
+              <dgm:constr type="l" for="ch" forName="wedge3Tx" refType="w" fact="0.14"/>
+              <dgm:constr type="t" for="ch" forName="wedge3Tx" refType="h" fact="0.21"/>
+              <dgm:constr type="w" for="ch" forName="wedge3Tx" refType="w" fact="0.285"/>
+              <dgm:constr type="h" for="ch" forName="wedge3Tx" refType="h" fact="0.28"/>
+              <dgm:constr type="primFontSz" for="ch" ptType="node" op="equ"/>
+            </dgm:constrLst>
+          </dgm:else>
+        </dgm:choose>
+      </dgm:if>
+      <dgm:if name="Name7" axis="ch" ptType="node" func="cnt" op="equ" val="4">
+        <dgm:choose name="Name8">
+          <dgm:if name="Name9" func="var" arg="dir" op="equ" val="norm">
+            <dgm:constrLst>
+              <dgm:constr type="l" for="ch" forName="wedge1" refType="w" fact="0.1154"/>
+              <dgm:constr type="t" for="ch" forName="wedge1" refType="w" fact="0.0446"/>
+              <dgm:constr type="w" for="ch" forName="wedge1" refType="w" fact="0.84"/>
+              <dgm:constr type="h" for="ch" forName="wedge1" refType="h" fact="0.84"/>
+              <dgm:constr type="l" for="ch" forName="wedge1Tx" refType="w" fact="0.545"/>
+              <dgm:constr type="t" for="ch" forName="wedge1Tx" refType="h" fact="0.2"/>
+              <dgm:constr type="w" for="ch" forName="wedge1Tx" refType="w" fact="0.31"/>
+              <dgm:constr type="h" for="ch" forName="wedge1Tx" refType="h" fact="0.25"/>
+              <dgm:constr type="l" for="ch" forName="wedge2" refType="w" fact="0.08"/>
+              <dgm:constr type="t" for="ch" forName="wedge2" refType="w" fact="0.08"/>
+              <dgm:constr type="w" for="ch" forName="wedge2" refType="w" fact="0.84"/>
+              <dgm:constr type="h" for="ch" forName="wedge2" refType="h" fact="0.84"/>
+              <dgm:constr type="l" for="ch" forName="wedge2Tx" refType="w" fact="0.515"/>
+              <dgm:constr type="t" for="ch" forName="wedge2Tx" refType="h" fact="0.515"/>
+              <dgm:constr type="w" for="ch" forName="wedge2Tx" refType="w" fact="0.31"/>
+              <dgm:constr type="h" for="ch" forName="wedge2Tx" refType="h" fact="0.25"/>
+              <dgm:constr type="l" for="ch" forName="wedge3" refType="w" fact="0.08"/>
+              <dgm:constr type="t" for="ch" forName="wedge3" refType="w" fact="0.08"/>
+              <dgm:constr type="w" for="ch" forName="wedge3" refType="w" fact="0.84"/>
+              <dgm:constr type="h" for="ch" forName="wedge3" refType="h" fact="0.84"/>
+              <dgm:constr type="l" for="ch" forName="wedge3Tx" refType="w" fact="0.175"/>
+              <dgm:constr type="t" for="ch" forName="wedge3Tx" refType="h" fact="0.515"/>
+              <dgm:constr type="w" for="ch" forName="wedge3Tx" refType="w" fact="0.31"/>
+              <dgm:constr type="h" for="ch" forName="wedge3Tx" refType="h" fact="0.25"/>
+              <dgm:constr type="l" for="ch" forName="wedge4" refType="w" fact="0.08"/>
+              <dgm:constr type="t" for="ch" forName="wedge4" refType="h" fact="0.08"/>
+              <dgm:constr type="w" for="ch" forName="wedge4" refType="w" fact="0.84"/>
+              <dgm:constr type="h" for="ch" forName="wedge4" refType="h" fact="0.84"/>
+              <dgm:constr type="l" for="ch" forName="wedge4Tx" refType="w" fact="0.175"/>
+              <dgm:constr type="t" for="ch" forName="wedge4Tx" refType="h" fact="0.235"/>
+              <dgm:constr type="w" for="ch" forName="wedge4Tx" refType="w" fact="0.31"/>
+              <dgm:constr type="h" for="ch" forName="wedge4Tx" refType="h" fact="0.25"/>
+              <dgm:constr type="primFontSz" for="ch" ptType="node" op="equ"/>
+            </dgm:constrLst>
+          </dgm:if>
+          <dgm:else name="Name10">
+            <dgm:constrLst>
+              <dgm:constr type="l" for="ch" forName="wedge1" refType="w" fact="0.08"/>
+              <dgm:constr type="t" for="ch" forName="wedge1" refType="w" fact="0.08"/>
+              <dgm:constr type="w" for="ch" forName="wedge1" refType="w" fact="0.84"/>
+              <dgm:constr type="h" for="ch" forName="wedge1" refType="h" fact="0.84"/>
+              <dgm:constr type="l" for="ch" forName="wedge1Tx" refType="w" fact="0.515"/>
+              <dgm:constr type="t" for="ch" forName="wedge1Tx" refType="h" fact="0.235"/>
+              <dgm:constr type="w" for="ch" forName="wedge1Tx" refType="w" fact="0.31"/>
+              <dgm:constr type="h" for="ch" forName="wedge1Tx" refType="h" fact="0.25"/>
+              <dgm:constr type="l" for="ch" forName="wedge2" refType="w" fact="0.08"/>
+              <dgm:constr type="t" for="ch" forName="wedge2" refType="w" fact="0.08"/>
+              <dgm:constr type="w" for="ch" forName="wedge2" refType="w" fact="0.84"/>
+              <dgm:constr type="h" for="ch" forName="wedge2" refType="h" fact="0.84"/>
+              <dgm:constr type="l" for="ch" forName="wedge2Tx" refType="w" fact="0.515"/>
+              <dgm:constr type="t" for="ch" forName="wedge2Tx" refType="h" fact="0.515"/>
+              <dgm:constr type="w" for="ch" forName="wedge2Tx" refType="w" fact="0.31"/>
+              <dgm:constr type="h" for="ch" forName="wedge2Tx" refType="h" fact="0.25"/>
+              <dgm:constr type="l" for="ch" forName="wedge3" refType="w" fact="0.08"/>
+              <dgm:constr type="t" for="ch" forName="wedge3" refType="w" fact="0.08"/>
+              <dgm:constr type="w" for="ch" forName="wedge3" refType="w" fact="0.84"/>
+              <dgm:constr type="h" for="ch" forName="wedge3" refType="h" fact="0.84"/>
+              <dgm:constr type="l" for="ch" forName="wedge3Tx" refType="w" fact="0.175"/>
+              <dgm:constr type="t" for="ch" forName="wedge3Tx" refType="h" fact="0.515"/>
+              <dgm:constr type="w" for="ch" forName="wedge3Tx" refType="w" fact="0.31"/>
+              <dgm:constr type="h" for="ch" forName="wedge3Tx" refType="h" fact="0.25"/>
+              <dgm:constr type="l" for="ch" forName="wedge4" refType="w" fact="0.0446"/>
+              <dgm:constr type="t" for="ch" forName="wedge4" refType="h" fact="0.0446"/>
+              <dgm:constr type="w" for="ch" forName="wedge4" refType="w" fact="0.84"/>
+              <dgm:constr type="h" for="ch" forName="wedge4" refType="h" fact="0.84"/>
+              <dgm:constr type="l" for="ch" forName="wedge4Tx" refType="w" fact="0.145"/>
+              <dgm:constr type="t" for="ch" forName="wedge4Tx" refType="h" fact="0.2"/>
+              <dgm:constr type="w" for="ch" forName="wedge4Tx" refType="w" fact="0.31"/>
+              <dgm:constr type="h" for="ch" forName="wedge4Tx" refType="h" fact="0.25"/>
+              <dgm:constr type="primFontSz" for="ch" ptType="node" op="equ"/>
+            </dgm:constrLst>
+          </dgm:else>
+        </dgm:choose>
+      </dgm:if>
+      <dgm:if name="Name11" axis="ch" ptType="node" func="cnt" op="equ" val="5">
+        <dgm:choose name="Name12">
+          <dgm:if name="Name13" func="var" arg="dir" op="equ" val="norm">
+            <dgm:constrLst>
+              <dgm:constr type="l" for="ch" forName="wedge1" refType="w" fact="0.1094"/>
+              <dgm:constr type="t" for="ch" forName="wedge1" refType="w" fact="0.0395"/>
+              <dgm:constr type="w" for="ch" forName="wedge1" refType="w" fact="0.84"/>
+              <dgm:constr type="h" for="ch" forName="wedge1" refType="h" fact="0.84"/>
+              <dgm:constr type="l" for="ch" forName="wedge1Tx" refType="w" fact="0.54"/>
+              <dgm:constr type="t" for="ch" forName="wedge1Tx" refType="h" fact="0.165"/>
+              <dgm:constr type="w" for="ch" forName="wedge1Tx" refType="w" fact="0.285"/>
+              <dgm:constr type="h" for="ch" forName="wedge1Tx" refType="h" fact="0.195"/>
+              <dgm:constr type="l" for="ch" forName="wedge2" refType="w" fact="0.08"/>
+              <dgm:constr type="t" for="ch" forName="wedge2" refType="w" fact="0.08"/>
+              <dgm:constr type="w" for="ch" forName="wedge2" refType="w" fact="0.84"/>
+              <dgm:constr type="h" for="ch" forName="wedge2" refType="h" fact="0.84"/>
+              <dgm:constr type="l" for="ch" forName="wedge2Tx" refType="w" fact="0.629"/>
+              <dgm:constr type="t" for="ch" forName="wedge2Tx" refType="h" fact="0.46"/>
+              <dgm:constr type="w" for="ch" forName="wedge2Tx" refType="w" fact="0.25"/>
+              <dgm:constr type="h" for="ch" forName="wedge2Tx" refType="h" fact="0.211"/>
+              <dgm:constr type="l" for="ch" forName="wedge3" refType="w" fact="0.08"/>
+              <dgm:constr type="t" for="ch" forName="wedge3" refType="w" fact="0.08"/>
+              <dgm:constr type="w" for="ch" forName="wedge3" refType="w" fact="0.84"/>
+              <dgm:constr type="h" for="ch" forName="wedge3" refType="h" fact="0.84"/>
+              <dgm:constr type="l" for="ch" forName="wedge3Tx" refType="w" fact="0.35"/>
+              <dgm:constr type="t" for="ch" forName="wedge3Tx" refType="h" fact="0.71"/>
+              <dgm:constr type="w" for="ch" forName="wedge3Tx" refType="w" fact="0.3"/>
+              <dgm:constr type="h" for="ch" forName="wedge3Tx" refType="h" fact="0.18"/>
+              <dgm:constr type="l" for="ch" forName="wedge4" refType="w" fact="0.08"/>
+              <dgm:constr type="t" for="ch" forName="wedge4" refType="h" fact="0.08"/>
+              <dgm:constr type="w" for="ch" forName="wedge4" refType="w" fact="0.84"/>
+              <dgm:constr type="h" for="ch" forName="wedge4" refType="h" fact="0.84"/>
+              <dgm:constr type="l" for="ch" forName="wedge4Tx" refType="w" fact="0.12"/>
+              <dgm:constr type="t" for="ch" forName="wedge4Tx" refType="h" fact="0.46"/>
+              <dgm:constr type="w" for="ch" forName="wedge4Tx" refType="w" fact="0.25"/>
+              <dgm:constr type="h" for="ch" forName="wedge4Tx" refType="h" fact="0.211"/>
+              <dgm:constr type="l" for="ch" forName="wedge5" refType="w" fact="0.08"/>
+              <dgm:constr type="t" for="ch" forName="wedge5" refType="h" fact="0.08"/>
+              <dgm:constr type="w" for="ch" forName="wedge5" refType="w" fact="0.84"/>
+              <dgm:constr type="h" for="ch" forName="wedge5" refType="h" fact="0.84"/>
+              <dgm:constr type="l" for="ch" forName="wedge5Tx" refType="w" fact="0.2025"/>
+              <dgm:constr type="t" for="ch" forName="wedge5Tx" refType="h" fact="0.208"/>
+              <dgm:constr type="w" for="ch" forName="wedge5Tx" refType="w" fact="0.285"/>
+              <dgm:constr type="h" for="ch" forName="wedge5Tx" refType="h" fact="0.195"/>
+              <dgm:constr type="primFontSz" for="ch" ptType="node" op="equ"/>
+            </dgm:constrLst>
+          </dgm:if>
+          <dgm:else name="Name14">
+            <dgm:constrLst>
+              <dgm:constr type="l" for="ch" forName="wedge1" refType="w" fact="0.08"/>
+              <dgm:constr type="t" for="ch" forName="wedge1" refType="w" fact="0.08"/>
+              <dgm:constr type="w" for="ch" forName="wedge1" refType="w" fact="0.84"/>
+              <dgm:constr type="h" for="ch" forName="wedge1" refType="h" fact="0.84"/>
+              <dgm:constr type="l" for="ch" forName="wedge1Tx" refType="w" fact="0.51"/>
+              <dgm:constr type="t" for="ch" forName="wedge1Tx" refType="h" fact="0.208"/>
+              <dgm:constr type="w" for="ch" forName="wedge1Tx" refType="w" fact="0.285"/>
+              <dgm:constr type="h" for="ch" forName="wedge1Tx" refType="h" fact="0.195"/>
+              <dgm:constr type="l" for="ch" forName="wedge2" refType="w" fact="0.08"/>
+              <dgm:constr type="t" for="ch" forName="wedge2" refType="w" fact="0.08"/>
+              <dgm:constr type="w" for="ch" forName="wedge2" refType="w" fact="0.84"/>
+              <dgm:constr type="h" for="ch" forName="wedge2" refType="h" fact="0.84"/>
+              <dgm:constr type="l" for="ch" forName="wedge2Tx" refType="w" fact="0.629"/>
+              <dgm:constr type="t" for="ch" forName="wedge2Tx" refType="h" fact="0.46"/>
+              <dgm:constr type="w" for="ch" forName="wedge2Tx" refType="w" fact="0.25"/>
+              <dgm:constr type="h" for="ch" forName="wedge2Tx" refType="h" fact="0.211"/>
+              <dgm:constr type="l" for="ch" forName="wedge3" refType="w" fact="0.08"/>
+              <dgm:constr type="t" for="ch" forName="wedge3" refType="w" fact="0.08"/>
+              <dgm:constr type="w" for="ch" forName="wedge3" refType="w" fact="0.84"/>
+              <dgm:constr type="h" for="ch" forName="wedge3" refType="h" fact="0.84"/>
+              <dgm:constr type="l" for="ch" forName="wedge3Tx" refType="w" fact="0.35"/>
+              <dgm:constr type="t" for="ch" forName="wedge3Tx" refType="h" fact="0.71"/>
+              <dgm:constr type="w" for="ch" forName="wedge3Tx" refType="w" fact="0.3"/>
+              <dgm:constr type="h" for="ch" forName="wedge3Tx" refType="h" fact="0.18"/>
+              <dgm:constr type="l" for="ch" forName="wedge4" refType="w" fact="0.08"/>
+              <dgm:constr type="t" for="ch" forName="wedge4" refType="h" fact="0.08"/>
+              <dgm:constr type="w" for="ch" forName="wedge4" refType="w" fact="0.84"/>
+              <dgm:constr type="h" for="ch" forName="wedge4" refType="h" fact="0.84"/>
+              <dgm:constr type="l" for="ch" forName="wedge4Tx" refType="w" fact="0.12"/>
+              <dgm:constr type="t" for="ch" forName="wedge4Tx" refType="h" fact="0.46"/>
+              <dgm:constr type="w" for="ch" forName="wedge4Tx" refType="w" fact="0.25"/>
+              <dgm:constr type="h" for="ch" forName="wedge4Tx" refType="h" fact="0.211"/>
+              <dgm:constr type="l" for="ch" forName="wedge5" refType="w" fact="0.0506"/>
+              <dgm:constr type="t" for="ch" forName="wedge5" refType="h" fact="0.0395"/>
+              <dgm:constr type="w" for="ch" forName="wedge5" refType="w" fact="0.84"/>
+              <dgm:constr type="h" for="ch" forName="wedge5" refType="h" fact="0.84"/>
+              <dgm:constr type="l" for="ch" forName="wedge5Tx" refType="w" fact="0.18"/>
+              <dgm:constr type="t" for="ch" forName="wedge5Tx" refType="h" fact="0.165"/>
+              <dgm:constr type="w" for="ch" forName="wedge5Tx" refType="w" fact="0.285"/>
+              <dgm:constr type="h" for="ch" forName="wedge5Tx" refType="h" fact="0.195"/>
+              <dgm:constr type="primFontSz" for="ch" ptType="node" op="equ"/>
+            </dgm:constrLst>
+          </dgm:else>
+        </dgm:choose>
+      </dgm:if>
+      <dgm:if name="Name15" axis="ch" ptType="node" func="cnt" op="equ" val="6">
+        <dgm:choose name="Name16">
+          <dgm:if name="Name17" func="var" arg="dir" op="equ" val="norm">
+            <dgm:constrLst>
+              <dgm:constr type="l" for="ch" forName="wedge1" refType="w" fact="0.105"/>
+              <dgm:constr type="t" for="ch" forName="wedge1" refType="w" fact="0.0367"/>
+              <dgm:constr type="w" for="ch" forName="wedge1" refType="w" fact="0.84"/>
+              <dgm:constr type="h" for="ch" forName="wedge1" refType="h" fact="0.84"/>
+              <dgm:constr type="l" for="ch" forName="wedge1Tx" refType="w" fact="0.534"/>
+              <dgm:constr type="t" for="ch" forName="wedge1Tx" refType="h" fact="0.1267"/>
+              <dgm:constr type="w" for="ch" forName="wedge1Tx" refType="w" fact="0.245"/>
+              <dgm:constr type="h" for="ch" forName="wedge1Tx" refType="h" fact="0.18"/>
+              <dgm:constr type="l" for="ch" forName="wedge2" refType="w" fact="0.08"/>
+              <dgm:constr type="t" for="ch" forName="wedge2" refType="w" fact="0.08"/>
+              <dgm:constr type="w" for="ch" forName="wedge2" refType="w" fact="0.84"/>
+              <dgm:constr type="h" for="ch" forName="wedge2" refType="h" fact="0.84"/>
+              <dgm:constr type="l" for="ch" forName="wedge2Tx" refType="w" fact="0.655"/>
+              <dgm:constr type="t" for="ch" forName="wedge2Tx" refType="h" fact="0.415"/>
+              <dgm:constr type="w" for="ch" forName="wedge2Tx" refType="w" fact="0.254"/>
+              <dgm:constr type="h" for="ch" forName="wedge2Tx" refType="h" fact="0.17"/>
+              <dgm:constr type="l" for="ch" forName="wedge3" refType="w" fact="0.08"/>
+              <dgm:constr type="t" for="ch" forName="wedge3" refType="w" fact="0.08"/>
+              <dgm:constr type="w" for="ch" forName="wedge3" refType="w" fact="0.84"/>
+              <dgm:constr type="h" for="ch" forName="wedge3" refType="h" fact="0.84"/>
+              <dgm:constr type="l" for="ch" forName="wedge3Tx" refType="w" fact="0.509"/>
+              <dgm:constr type="t" for="ch" forName="wedge3Tx" refType="h" fact="0.65"/>
+              <dgm:constr type="w" for="ch" forName="wedge3Tx" refType="w" fact="0.245"/>
+              <dgm:constr type="h" for="ch" forName="wedge3Tx" refType="h" fact="0.18"/>
+              <dgm:constr type="l" for="ch" forName="wedge4" refType="w" fact="0.08"/>
+              <dgm:constr type="t" for="ch" forName="wedge4" refType="h" fact="0.08"/>
+              <dgm:constr type="w" for="ch" forName="wedge4" refType="w" fact="0.84"/>
+              <dgm:constr type="h" for="ch" forName="wedge4" refType="h" fact="0.84"/>
+              <dgm:constr type="l" for="ch" forName="wedge4Tx" refType="w" fact="0.246"/>
+              <dgm:constr type="t" for="ch" forName="wedge4Tx" refType="h" fact="0.65"/>
+              <dgm:constr type="w" for="ch" forName="wedge4Tx" refType="w" fact="0.245"/>
+              <dgm:constr type="h" for="ch" forName="wedge4Tx" refType="h" fact="0.18"/>
+              <dgm:constr type="l" for="ch" forName="wedge5" refType="w" fact="0.08"/>
+              <dgm:constr type="t" for="ch" forName="wedge5" refType="h" fact="0.08"/>
+              <dgm:constr type="w" for="ch" forName="wedge5" refType="w" fact="0.84"/>
+              <dgm:constr type="h" for="ch" forName="wedge5" refType="h" fact="0.84"/>
+              <dgm:constr type="l" for="ch" forName="wedge5Tx" refType="w" fact="0.093"/>
+              <dgm:constr type="t" for="ch" forName="wedge5Tx" refType="h" fact="0.415"/>
+              <dgm:constr type="w" for="ch" forName="wedge5Tx" refType="w" fact="0.254"/>
+              <dgm:constr type="h" for="ch" forName="wedge5Tx" refType="h" fact="0.17"/>
+              <dgm:constr type="l" for="ch" forName="wedge6" refType="w" fact="0.08"/>
+              <dgm:constr type="t" for="ch" forName="wedge6" refType="h" fact="0.08"/>
+              <dgm:constr type="w" for="ch" forName="wedge6" refType="w" fact="0.84"/>
+              <dgm:constr type="h" for="ch" forName="wedge6" refType="h" fact="0.84"/>
+              <dgm:constr type="l" for="ch" forName="wedge6Tx" refType="w" fact="0.246"/>
+              <dgm:constr type="t" for="ch" forName="wedge6Tx" refType="h" fact="0.17"/>
+              <dgm:constr type="w" for="ch" forName="wedge6Tx" refType="w" fact="0.245"/>
+              <dgm:constr type="h" for="ch" forName="wedge6Tx" refType="h" fact="0.18"/>
+              <dgm:constr type="primFontSz" for="ch" ptType="node" op="equ"/>
+            </dgm:constrLst>
+          </dgm:if>
+          <dgm:else name="Name18">
+            <dgm:constrLst>
+              <dgm:constr type="l" for="ch" forName="wedge1" refType="w" fact="0.08"/>
+              <dgm:constr type="t" for="ch" forName="wedge1" refType="w" fact="0.08"/>
+              <dgm:constr type="w" for="ch" forName="wedge1" refType="w" fact="0.84"/>
+              <dgm:constr type="h" for="ch" forName="wedge1" refType="h" fact="0.84"/>
+              <dgm:constr type="l" for="ch" forName="wedge1Tx" refType="w" fact="0.509"/>
+              <dgm:constr type="t" for="ch" forName="wedge1Tx" refType="h" fact="0.17"/>
+              <dgm:constr type="w" for="ch" forName="wedge1Tx" refType="w" fact="0.245"/>
+              <dgm:constr type="h" for="ch" forName="wedge1Tx" refType="h" fact="0.18"/>
+              <dgm:constr type="l" for="ch" forName="wedge2" refType="w" fact="0.08"/>
+              <dgm:constr type="t" for="ch" forName="wedge2" refType="w" fact="0.08"/>
+              <dgm:constr type="w" for="ch" forName="wedge2" refType="w" fact="0.84"/>
+              <dgm:constr type="h" for="ch" forName="wedge2" refType="h" fact="0.84"/>
+              <dgm:constr type="l" for="ch" forName="wedge2Tx" refType="w" fact="0.655"/>
+              <dgm:constr type="t" for="ch" forName="wedge2Tx" refType="h" fact="0.415"/>
+              <dgm:constr type="w" for="ch" forName="wedge2Tx" refType="w" fact="0.254"/>
+              <dgm:constr type="h" for="ch" forName="wedge2Tx" refType="h" fact="0.17"/>
+              <dgm:constr type="l" for="ch" forName="wedge3" refType="w" fact="0.08"/>
+              <dgm:constr type="t" for="ch" forName="wedge3" refType="w" fact="0.08"/>
+              <dgm:constr type="w" for="ch" forName="wedge3" refType="w" fact="0.84"/>
+              <dgm:constr type="h" for="ch" forName="wedge3" refType="h" fact="0.84"/>
+              <dgm:constr type="l" for="ch" forName="wedge3Tx" refType="w" fact="0.509"/>
+              <dgm:constr type="t" for="ch" forName="wedge3Tx" refType="h" fact="0.65"/>
+              <dgm:constr type="w" for="ch" forName="wedge3Tx" refType="w" fact="0.245"/>
+              <dgm:constr type="h" for="ch" forName="wedge3Tx" refType="h" fact="0.18"/>
+              <dgm:constr type="l" for="ch" forName="wedge4" refType="w" fact="0.08"/>
+              <dgm:constr type="t" for="ch" forName="wedge4" refType="h" fact="0.08"/>
+              <dgm:constr type="w" for="ch" forName="wedge4" refType="w" fact="0.84"/>
+              <dgm:constr type="h" for="ch" forName="wedge4" refType="h" fact="0.84"/>
+              <dgm:constr type="l" for="ch" forName="wedge4Tx" refType="w" fact="0.246"/>
+              <dgm:constr type="t" for="ch" forName="wedge4Tx" refType="h" fact="0.65"/>
+              <dgm:constr type="w" for="ch" forName="wedge4Tx" refType="w" fact="0.245"/>
+              <dgm:constr type="h" for="ch" forName="wedge4Tx" refType="h" fact="0.18"/>
+              <dgm:constr type="l" for="ch" forName="wedge5" refType="w" fact="0.08"/>
+              <dgm:constr type="t" for="ch" forName="wedge5" refType="h" fact="0.08"/>
+              <dgm:constr type="w" for="ch" forName="wedge5" refType="w" fact="0.84"/>
+              <dgm:constr type="h" for="ch" forName="wedge5" refType="h" fact="0.84"/>
+              <dgm:constr type="l" for="ch" forName="wedge5Tx" refType="w" fact="0.093"/>
+              <dgm:constr type="t" for="ch" forName="wedge5Tx" refType="h" fact="0.415"/>
+              <dgm:constr type="w" for="ch" forName="wedge5Tx" refType="w" fact="0.254"/>
+              <dgm:constr type="h" for="ch" forName="wedge5Tx" refType="h" fact="0.17"/>
+              <dgm:constr type="l" for="ch" forName="wedge6" refType="w" fact="0.055"/>
+              <dgm:constr type="t" for="ch" forName="wedge6" refType="h" fact="0.0367"/>
+              <dgm:constr type="w" for="ch" forName="wedge6" refType="w" fact="0.84"/>
+              <dgm:constr type="h" for="ch" forName="wedge6" refType="h" fact="0.84"/>
+              <dgm:constr type="l" for="ch" forName="wedge6Tx" refType="w" fact="0.221"/>
+              <dgm:constr type="t" for="ch" forName="wedge6Tx" refType="h" fact="0.1267"/>
+              <dgm:constr type="w" for="ch" forName="wedge6Tx" refType="w" fact="0.245"/>
+              <dgm:constr type="h" for="ch" forName="wedge6Tx" refType="h" fact="0.18"/>
+              <dgm:constr type="primFontSz" for="ch" ptType="node" op="equ"/>
+            </dgm:constrLst>
+          </dgm:else>
+        </dgm:choose>
+      </dgm:if>
+      <dgm:else name="Name19">
+        <dgm:choose name="Name20">
+          <dgm:if name="Name21" func="var" arg="dir" op="equ" val="norm">
+            <dgm:constrLst>
+              <dgm:constr type="l" for="ch" forName="wedge1" refType="w" fact="0.1017"/>
+              <dgm:constr type="t" for="ch" forName="wedge1" refType="w" fact="0.035"/>
+              <dgm:constr type="w" for="ch" forName="wedge1" refType="w" fact="0.84"/>
+              <dgm:constr type="h" for="ch" forName="wedge1" refType="h" fact="0.84"/>
+              <dgm:constr type="l" for="ch" forName="wedge1Tx" refType="w" fact="0.53"/>
+              <dgm:constr type="t" for="ch" forName="wedge1Tx" refType="h" fact="0.115"/>
+              <dgm:constr type="w" for="ch" forName="wedge1Tx" refType="w" fact="0.23"/>
+              <dgm:constr type="h" for="ch" forName="wedge1Tx" refType="h" fact="0.145"/>
+              <dgm:constr type="l" for="ch" forName="wedge2" refType="w" fact="0.08"/>
+              <dgm:constr type="t" for="ch" forName="wedge2" refType="w" fact="0.08"/>
+              <dgm:constr type="w" for="ch" forName="wedge2" refType="w" fact="0.84"/>
+              <dgm:constr type="h" for="ch" forName="wedge2" refType="h" fact="0.84"/>
+              <dgm:constr type="l" for="ch" forName="wedge2Tx" refType="w" fact="0.655"/>
+              <dgm:constr type="t" for="ch" forName="wedge2Tx" refType="h" fact="0.38"/>
+              <dgm:constr type="w" for="ch" forName="wedge2Tx" refType="w" fact="0.244"/>
+              <dgm:constr type="h" for="ch" forName="wedge2Tx" refType="h" fact="0.155"/>
+              <dgm:constr type="l" for="ch" forName="wedge3" refType="w" fact="0.08"/>
+              <dgm:constr type="t" for="ch" forName="wedge3" refType="w" fact="0.08"/>
+              <dgm:constr type="w" for="ch" forName="wedge3" refType="w" fact="0.84"/>
+              <dgm:constr type="h" for="ch" forName="wedge3" refType="h" fact="0.84"/>
+              <dgm:constr type="l" for="ch" forName="wedge3Tx" refType="w" fact="0.62"/>
+              <dgm:constr type="t" for="ch" forName="wedge3Tx" refType="h" fact="0.58"/>
+              <dgm:constr type="w" for="ch" forName="wedge3Tx" refType="w" fact="0.22"/>
+              <dgm:constr type="h" for="ch" forName="wedge3Tx" refType="h" fact="0.16"/>
+              <dgm:constr type="l" for="ch" forName="wedge4" refType="w" fact="0.08"/>
+              <dgm:constr type="t" for="ch" forName="wedge4" refType="h" fact="0.08"/>
+              <dgm:constr type="w" for="ch" forName="wedge4" refType="w" fact="0.84"/>
+              <dgm:constr type="h" for="ch" forName="wedge4" refType="h" fact="0.84"/>
+              <dgm:constr type="l" for="ch" forName="wedge4Tx" refType="w" fact="0.3875"/>
+              <dgm:constr type="t" for="ch" forName="wedge4Tx" refType="h" fact="0.74"/>
+              <dgm:constr type="w" for="ch" forName="wedge4Tx" refType="w" fact="0.225"/>
+              <dgm:constr type="h" for="ch" forName="wedge4Tx" refType="h" fact="0.16"/>
+              <dgm:constr type="l" for="ch" forName="wedge5" refType="w" fact="0.08"/>
+              <dgm:constr type="t" for="ch" forName="wedge5" refType="h" fact="0.08"/>
+              <dgm:constr type="w" for="ch" forName="wedge5" refType="w" fact="0.84"/>
+              <dgm:constr type="h" for="ch" forName="wedge5" refType="h" fact="0.84"/>
+              <dgm:constr type="l" for="ch" forName="wedge5Tx" refType="w" fact="0.16"/>
+              <dgm:constr type="t" for="ch" forName="wedge5Tx" refType="h" fact="0.58"/>
+              <dgm:constr type="w" for="ch" forName="wedge5Tx" refType="w" fact="0.22"/>
+              <dgm:constr type="h" for="ch" forName="wedge5Tx" refType="h" fact="0.16"/>
+              <dgm:constr type="l" for="ch" forName="wedge6" refType="w" fact="0.08"/>
+              <dgm:constr type="t" for="ch" forName="wedge6" refType="h" fact="0.08"/>
+              <dgm:constr type="w" for="ch" forName="wedge6" refType="w" fact="0.84"/>
+              <dgm:constr type="h" for="ch" forName="wedge6" refType="h" fact="0.84"/>
+              <dgm:constr type="l" for="ch" forName="wedge6Tx" refType="w" fact="0.101"/>
+              <dgm:constr type="t" for="ch" forName="wedge6Tx" refType="h" fact="0.38"/>
+              <dgm:constr type="w" for="ch" forName="wedge6Tx" refType="w" fact="0.244"/>
+              <dgm:constr type="h" for="ch" forName="wedge6Tx" refType="h" fact="0.155"/>
+              <dgm:constr type="l" for="ch" forName="wedge7" refType="w" fact="0.08"/>
+              <dgm:constr type="t" for="ch" forName="wedge7" refType="h" fact="0.08"/>
+              <dgm:constr type="w" for="ch" forName="wedge7" refType="w" fact="0.84"/>
+              <dgm:constr type="h" for="ch" forName="wedge7" refType="h" fact="0.84"/>
+              <dgm:constr type="l" for="ch" forName="wedge7Tx" refType="w" fact="0.262"/>
+              <dgm:constr type="t" for="ch" forName="wedge7Tx" refType="h" fact="0.16"/>
+              <dgm:constr type="w" for="ch" forName="wedge7Tx" refType="w" fact="0.23"/>
+              <dgm:constr type="h" for="ch" forName="wedge7Tx" refType="h" fact="0.145"/>
+              <dgm:constr type="primFontSz" for="ch" ptType="node" op="equ"/>
+            </dgm:constrLst>
+          </dgm:if>
+          <dgm:else name="Name22">
+            <dgm:constrLst>
+              <dgm:constr type="l" for="ch" forName="wedge1" refType="w" fact="0.08"/>
+              <dgm:constr type="t" for="ch" forName="wedge1" refType="w" fact="0.08"/>
+              <dgm:constr type="w" for="ch" forName="wedge1" refType="w" fact="0.84"/>
+              <dgm:constr type="h" for="ch" forName="wedge1" refType="h" fact="0.84"/>
+              <dgm:constr type="l" for="ch" forName="wedge1Tx" refType="w" fact="0.508"/>
+              <dgm:constr type="t" for="ch" forName="wedge1Tx" refType="h" fact="0.16"/>
+              <dgm:constr type="w" for="ch" forName="wedge1Tx" refType="w" fact="0.23"/>
+              <dgm:constr type="h" for="ch" forName="wedge1Tx" refType="h" fact="0.145"/>
+              <dgm:constr type="l" for="ch" forName="wedge2" refType="w" fact="0.08"/>
+              <dgm:constr type="t" for="ch" forName="wedge2" refType="w" fact="0.08"/>
+              <dgm:constr type="w" for="ch" forName="wedge2" refType="w" fact="0.84"/>
+              <dgm:constr type="h" for="ch" forName="wedge2" refType="h" fact="0.84"/>
+              <dgm:constr type="l" for="ch" forName="wedge2Tx" refType="w" fact="0.655"/>
+              <dgm:constr type="t" for="ch" forName="wedge2Tx" refType="h" fact="0.38"/>
+              <dgm:constr type="w" for="ch" forName="wedge2Tx" refType="w" fact="0.244"/>
+              <dgm:constr type="h" for="ch" forName="wedge2Tx" refType="h" fact="0.155"/>
+              <dgm:constr type="l" for="ch" forName="wedge3" refType="w" fact="0.08"/>
+              <dgm:constr type="t" for="ch" forName="wedge3" refType="w" fact="0.08"/>
+              <dgm:constr type="w" for="ch" forName="wedge3" refType="w" fact="0.84"/>
+              <dgm:constr type="h" for="ch" forName="wedge3" refType="h" fact="0.84"/>
+              <dgm:constr type="l" for="ch" forName="wedge3Tx" refType="w" fact="0.62"/>
+              <dgm:constr type="t" for="ch" forName="wedge3Tx" refType="h" fact="0.58"/>
+              <dgm:constr type="w" for="ch" forName="wedge3Tx" refType="w" fact="0.22"/>
+              <dgm:constr type="h" for="ch" forName="wedge3Tx" refType="h" fact="0.16"/>
+              <dgm:constr type="l" for="ch" forName="wedge4" refType="w" fact="0.08"/>
+              <dgm:constr type="t" for="ch" forName="wedge4" refType="h" fact="0.08"/>
+              <dgm:constr type="w" for="ch" forName="wedge4" refType="w" fact="0.84"/>
+              <dgm:constr type="h" for="ch" forName="wedge4" refType="h" fact="0.84"/>
+              <dgm:constr type="l" for="ch" forName="wedge4Tx" refType="w" fact="0.3875"/>
+              <dgm:constr type="t" for="ch" forName="wedge4Tx" refType="h" fact="0.74"/>
+              <dgm:constr type="w" for="ch" forName="wedge4Tx" refType="w" fact="0.225"/>
+              <dgm:constr type="h" for="ch" forName="wedge4Tx" refType="h" fact="0.16"/>
+              <dgm:constr type="l" for="ch" forName="wedge5" refType="w" fact="0.08"/>
+              <dgm:constr type="t" for="ch" forName="wedge5" refType="h" fact="0.08"/>
+              <dgm:constr type="w" for="ch" forName="wedge5" refType="w" fact="0.84"/>
+              <dgm:constr type="h" for="ch" forName="wedge5" refType="h" fact="0.84"/>
+              <dgm:constr type="l" for="ch" forName="wedge5Tx" refType="w" fact="0.16"/>
+              <dgm:constr type="t" for="ch" forName="wedge5Tx" refType="h" fact="0.58"/>
+              <dgm:constr type="w" for="ch" forName="wedge5Tx" refType="w" fact="0.22"/>
+              <dgm:constr type="h" for="ch" forName="wedge5Tx" refType="h" fact="0.16"/>
+              <dgm:constr type="l" for="ch" forName="wedge6" refType="w" fact="0.08"/>
+              <dgm:constr type="t" for="ch" forName="wedge6" refType="h" fact="0.08"/>
+              <dgm:constr type="w" for="ch" forName="wedge6" refType="w" fact="0.84"/>
+              <dgm:constr type="h" for="ch" forName="wedge6" refType="h" fact="0.84"/>
+              <dgm:constr type="l" for="ch" forName="wedge6Tx" refType="w" fact="0.101"/>
+              <dgm:constr type="t" for="ch" forName="wedge6Tx" refType="h" fact="0.38"/>
+              <dgm:constr type="w" for="ch" forName="wedge6Tx" refType="w" fact="0.244"/>
+              <dgm:constr type="h" for="ch" forName="wedge6Tx" refType="h" fact="0.155"/>
+              <dgm:constr type="l" for="ch" forName="wedge7" refType="w" fact="0.0583"/>
+              <dgm:constr type="t" for="ch" forName="wedge7" refType="h" fact="0.035"/>
+              <dgm:constr type="w" for="ch" forName="wedge7" refType="w" fact="0.84"/>
+              <dgm:constr type="h" for="ch" forName="wedge7" refType="h" fact="0.84"/>
+              <dgm:constr type="l" for="ch" forName="wedge7Tx" refType="w" fact="0.2403"/>
+              <dgm:constr type="t" for="ch" forName="wedge7Tx" refType="h" fact="0.115"/>
+              <dgm:constr type="w" for="ch" forName="wedge7Tx" refType="w" fact="0.23"/>
+              <dgm:constr type="h" for="ch" forName="wedge7Tx" refType="h" fact="0.145"/>
+              <dgm:constr type="primFontSz" for="ch" ptType="node" op="equ"/>
+            </dgm:constrLst>
+          </dgm:else>
+        </dgm:choose>
+      </dgm:else>
+    </dgm:choose>
+    <dgm:ruleLst/>
+    <dgm:choose name="Name23">
+      <dgm:if name="Name24" axis="ch" ptType="node" func="cnt" op="gte" val="1">
+        <dgm:layoutNode name="wedge1">
+          <dgm:alg type="sp"/>
+          <dgm:choose name="Name25">
+            <dgm:if name="Name26" axis="ch" ptType="node" func="cnt" op="equ" val="1">
+              <dgm:shape xmlns:r="http://schemas.openxmlformats.org/officeDocument/2006/relationships" type="ellipse" r:blip="">
+                <dgm:adjLst/>
+              </dgm:shape>
+            </dgm:if>
+            <dgm:if name="Name27" axis="ch" ptType="node" func="cnt" op="equ" val="2">
+              <dgm:shape xmlns:r="http://schemas.openxmlformats.org/officeDocument/2006/relationships" type="pie" r:blip="">
+                <dgm:adjLst>
+                  <dgm:adj idx="1" val="270"/>
+                  <dgm:adj idx="2" val="90"/>
+                </dgm:adjLst>
+              </dgm:shape>
+            </dgm:if>
+            <dgm:if name="Name28" axis="ch" ptType="node" func="cnt" op="equ" val="3">
+              <dgm:shape xmlns:r="http://schemas.openxmlformats.org/officeDocument/2006/relationships" type="pie" r:blip="">
+                <dgm:adjLst>
+                  <dgm:adj idx="1" val="270"/>
+                  <dgm:adj idx="2" val="30"/>
+                </dgm:adjLst>
+              </dgm:shape>
+            </dgm:if>
+            <dgm:if name="Name29" axis="ch" ptType="node" func="cnt" op="equ" val="4">
+              <dgm:shape xmlns:r="http://schemas.openxmlformats.org/officeDocument/2006/relationships" type="pie" r:blip="">
+                <dgm:adjLst>
+                  <dgm:adj idx="1" val="270"/>
+                  <dgm:adj idx="2" val="0"/>
+                </dgm:adjLst>
+              </dgm:shape>
+            </dgm:if>
+            <dgm:if name="Name30" axis="ch" ptType="node" func="cnt" op="equ" val="5">
+              <dgm:shape xmlns:r="http://schemas.openxmlformats.org/officeDocument/2006/relationships" type="pie" r:blip="">
+                <dgm:adjLst>
+                  <dgm:adj idx="1" val="270"/>
+                  <dgm:adj idx="2" val="342"/>
+                </dgm:adjLst>
+              </dgm:shape>
+            </dgm:if>
+            <dgm:if name="Name31" axis="ch" ptType="node" func="cnt" op="equ" val="6">
+              <dgm:shape xmlns:r="http://schemas.openxmlformats.org/officeDocument/2006/relationships" type="pie" r:blip="">
+                <dgm:adjLst>
+                  <dgm:adj idx="1" val="270"/>
+                  <dgm:adj idx="2" val="330"/>
+                </dgm:adjLst>
+              </dgm:shape>
+            </dgm:if>
+            <dgm:else name="Name32">
+              <dgm:shape xmlns:r="http://schemas.openxmlformats.org/officeDocument/2006/relationships" type="pie" r:blip="">
+                <dgm:adjLst>
+                  <dgm:adj idx="1" val="270"/>
+                  <dgm:adj idx="2" val="321.4286"/>
+                </dgm:adjLst>
+              </dgm:shape>
+            </dgm:else>
+          </dgm:choose>
+          <dgm:choose name="Name33">
+            <dgm:if name="Name34" func="var" arg="dir" op="equ" val="norm">
+              <dgm:presOf axis="ch desOrSelf" ptType="node node" st="1 1" cnt="1 0"/>
+            </dgm:if>
+            <dgm:else name="Name35">
+              <dgm:choose name="Name36">
+                <dgm:if name="Name37" axis="ch" ptType="node" func="cnt" op="equ" val="1">
+                  <dgm:presOf axis="ch desOrSelf" ptType="node node" st="1 1" cnt="1 0"/>
+                </dgm:if>
+                <dgm:if name="Name38" axis="ch" ptType="node" func="cnt" op="equ" val="2">
+                  <dgm:presOf axis="ch desOrSelf" ptType="node node" st="2 1" cnt="1 0"/>
+                </dgm:if>
+                <dgm:if name="Name39" axis="ch" ptType="node" func="cnt" op="equ" val="3">
+                  <dgm:presOf axis="ch desOrSelf" ptType="node node" st="3 1" cnt="1 0"/>
+                </dgm:if>
+                <dgm:if name="Name40" axis="ch" ptType="node" func="cnt" op="equ" val="4">
+                  <dgm:presOf axis="ch desOrSelf" ptType="node node" st="4 1" cnt="1 0"/>
+                </dgm:if>
+                <dgm:if name="Name41" axis="ch" ptType="node" func="cnt" op="equ" val="5">
+                  <dgm:presOf axis="ch desOrSelf" ptType="node node" st="5 1" cnt="1 0"/>
+                </dgm:if>
+                <dgm:if name="Name42" axis="ch" ptType="node" func="cnt" op="equ" val="6">
+                  <dgm:presOf axis="ch desOrSelf" ptType="node node" st="6 1" cnt="1 0"/>
+                </dgm:if>
+                <dgm:else name="Name43">
+                  <dgm:presOf axis="ch desOrSelf" ptType="node node" st="7 1" cnt="1 0"/>
+                </dgm:else>
+              </dgm:choose>
+            </dgm:else>
+          </dgm:choose>
+          <dgm:constrLst/>
+          <dgm:ruleLst/>
+        </dgm:layoutNode>
+        <dgm:layoutNode name="wedge1Tx" moveWith="wedge1">
+          <dgm:varLst>
+            <dgm:chMax val="0"/>
+            <dgm:chPref val="0"/>
+            <dgm:bulletEnabled val="1"/>
+          </dgm:varLst>
+          <dgm:alg type="tx"/>
+          <dgm:shape xmlns:r="http://schemas.openxmlformats.org/officeDocument/2006/relationships" type="rect" r:blip="" hideGeom="1">
+            <dgm:adjLst/>
+          </dgm:shape>
+          <dgm:choose name="Name44">
+            <dgm:if name="Name45" func="var" arg="dir" op="equ" val="norm">
+              <dgm:presOf axis="ch desOrSelf" ptType="node node" st="1 1" cnt="1 0"/>
+            </dgm:if>
+            <dgm:else name="Name46">
+              <dgm:choose name="Name47">
+                <dgm:if name="Name48" axis="ch" ptType="node" func="cnt" op="equ" val="1">
+                  <dgm:presOf axis="ch desOrSelf" ptType="node node" st="1 1" cnt="1 0"/>
+                </dgm:if>
+                <dgm:if name="Name49" axis="ch" ptType="node" func="cnt" op="equ" val="2">
+                  <dgm:presOf axis="ch desOrSelf" ptType="node node" st="2 1" cnt="1 0"/>
+                </dgm:if>
+                <dgm:if name="Name50" axis="ch" ptType="node" func="cnt" op="equ" val="3">
+                  <dgm:presOf axis="ch desOrSelf" ptType="node node" st="3 1" cnt="1 0"/>
+                </dgm:if>
+                <dgm:if name="Name51" axis="ch" ptType="node" func="cnt" op="equ" val="4">
+                  <dgm:presOf axis="ch desOrSelf" ptType="node node" st="4 1" cnt="1 0"/>
+                </dgm:if>
+                <dgm:if name="Name52" axis="ch" ptType="node" func="cnt" op="equ" val="5">
+                  <dgm:presOf axis="ch desOrSelf" ptType="node node" st="5 1" cnt="1 0"/>
+                </dgm:if>
+                <dgm:if name="Name53" axis="ch" ptType="node" func="cnt" op="equ" val="6">
+                  <dgm:presOf axis="ch desOrSelf" ptType="node node" st="6 1" cnt="1 0"/>
+                </dgm:if>
+                <dgm:else name="Name54">
+                  <dgm:presOf axis="ch desOrSelf" ptType="node node" st="7 1" cnt="1 0"/>
+                </dgm:else>
+              </dgm:choose>
+            </dgm:else>
+          </dgm:choose>
+          <dgm:constrLst>
+            <dgm:constr type="tMarg" refType="primFontSz" fact="0.1"/>
+            <dgm:constr type="bMarg" refType="primFontSz" fact="0.1"/>
+            <dgm:constr type="lMarg" refType="primFontSz" fact="0.1"/>
+            <dgm:constr type="rMarg" refType="primFontSz" fact="0.1"/>
+            <dgm:constr type="primFontSz" val="65"/>
+          </dgm:constrLst>
+          <dgm:ruleLst>
+            <dgm:rule type="primFontSz" val="5" fact="NaN" max="NaN"/>
+          </dgm:ruleLst>
+        </dgm:layoutNode>
+      </dgm:if>
+      <dgm:else name="Name55"/>
+    </dgm:choose>
+    <dgm:choose name="Name56">
+      <dgm:if name="Name57" axis="ch" ptType="node" func="cnt" op="gte" val="2">
+        <dgm:layoutNode name="wedge2">
+          <dgm:alg type="sp"/>
+          <dgm:choose name="Name58">
+            <dgm:if name="Name59" axis="ch" ptType="node" func="cnt" op="equ" val="2">
+              <dgm:shape xmlns:r="http://schemas.openxmlformats.org/officeDocument/2006/relationships" type="pie" r:blip="">
+                <dgm:adjLst>
+                  <dgm:adj idx="1" val="90"/>
+                  <dgm:adj idx="2" val="270"/>
+                </dgm:adjLst>
+              </dgm:shape>
+            </dgm:if>
+            <dgm:if name="Name60" axis="ch" ptType="node" func="cnt" op="equ" val="3">
+              <dgm:shape xmlns:r="http://schemas.openxmlformats.org/officeDocument/2006/relationships" type="pie" r:blip="">
+                <dgm:adjLst>
+                  <dgm:adj idx="1" val="30"/>
+                  <dgm:adj idx="2" val="150"/>
+                </dgm:adjLst>
+              </dgm:shape>
+            </dgm:if>
+            <dgm:if name="Name61" axis="ch" ptType="node" func="cnt" op="equ" val="4">
+              <dgm:shape xmlns:r="http://schemas.openxmlformats.org/officeDocument/2006/relationships" type="pie" r:blip="">
+                <dgm:adjLst>
+                  <dgm:adj idx="1" val="0"/>
+                  <dgm:adj idx="2" val="90"/>
+                </dgm:adjLst>
+              </dgm:shape>
+            </dgm:if>
+            <dgm:if name="Name62" axis="ch" ptType="node" func="cnt" op="equ" val="5">
+              <dgm:shape xmlns:r="http://schemas.openxmlformats.org/officeDocument/2006/relationships" type="pie" r:blip="">
+                <dgm:adjLst>
+                  <dgm:adj idx="1" val="342"/>
+                  <dgm:adj idx="2" val="54"/>
+                </dgm:adjLst>
+              </dgm:shape>
+            </dgm:if>
+            <dgm:if name="Name63" axis="ch" ptType="node" func="cnt" op="equ" val="6">
+              <dgm:shape xmlns:r="http://schemas.openxmlformats.org/officeDocument/2006/relationships" type="pie" r:blip="">
+                <dgm:adjLst>
+                  <dgm:adj idx="1" val="330"/>
+                  <dgm:adj idx="2" val="30"/>
+                </dgm:adjLst>
+              </dgm:shape>
+            </dgm:if>
+            <dgm:else name="Name64">
+              <dgm:shape xmlns:r="http://schemas.openxmlformats.org/officeDocument/2006/relationships" type="pie" r:blip="">
+                <dgm:adjLst>
+                  <dgm:adj idx="1" val="321.4286"/>
+                  <dgm:adj idx="2" val="12.85714"/>
+                </dgm:adjLst>
+              </dgm:shape>
+            </dgm:else>
+          </dgm:choose>
+          <dgm:choose name="Name65">
+            <dgm:if name="Name66" func="var" arg="dir" op="equ" val="norm">
+              <dgm:presOf axis="ch desOrSelf" ptType="node node" st="2 1" cnt="1 0"/>
+            </dgm:if>
+            <dgm:else name="Name67">
+              <dgm:choose name="Name68">
+                <dgm:if name="Name69" axis="ch" ptType="node" func="cnt" op="equ" val="2">
+                  <dgm:presOf axis="ch desOrSelf" ptType="node node" st="1 1" cnt="1 0"/>
+                </dgm:if>
+                <dgm:if name="Name70" axis="ch" ptType="node" func="cnt" op="equ" val="3">
+                  <dgm:presOf axis="ch desOrSelf" ptType="node node" st="2 1" cnt="1 0"/>
+                </dgm:if>
+                <dgm:if name="Name71" axis="ch" ptType="node" func="cnt" op="equ" val="4">
+                  <dgm:presOf axis="ch desOrSelf" ptType="node node" st="3 1" cnt="1 0"/>
+                </dgm:if>
+                <dgm:if name="Name72" axis="ch" ptType="node" func="cnt" op="equ" val="5">
+                  <dgm:presOf axis="ch desOrSelf" ptType="node node" st="4 1" cnt="1 0"/>
+                </dgm:if>
+                <dgm:if name="Name73" axis="ch" ptType="node" func="cnt" op="equ" val="6">
+                  <dgm:presOf axis="ch desOrSelf" ptType="node node" st="5 1" cnt="1 0"/>
+                </dgm:if>
+                <dgm:else name="Name74">
+                  <dgm:presOf axis="ch desOrSelf" ptType="node node" st="6 1" cnt="1 0"/>
+                </dgm:else>
+              </dgm:choose>
+            </dgm:else>
+          </dgm:choose>
+          <dgm:constrLst/>
+          <dgm:ruleLst/>
+        </dgm:layoutNode>
+        <dgm:layoutNode name="wedge2Tx" moveWith="wedge2">
+          <dgm:varLst>
+            <dgm:chMax val="0"/>
+            <dgm:chPref val="0"/>
+            <dgm:bulletEnabled val="1"/>
+          </dgm:varLst>
+          <dgm:alg type="tx"/>
+          <dgm:shape xmlns:r="http://schemas.openxmlformats.org/officeDocument/2006/relationships" type="rect" r:blip="" hideGeom="1">
+            <dgm:adjLst/>
+          </dgm:shape>
+          <dgm:choose name="Name75">
+            <dgm:if name="Name76" func="var" arg="dir" op="equ" val="norm">
+              <dgm:presOf axis="ch desOrSelf" ptType="node node" st="2 1" cnt="1 0"/>
+            </dgm:if>
+            <dgm:else name="Name77">
+              <dgm:choose name="Name78">
+                <dgm:if name="Name79" axis="ch" ptType="node" func="cnt" op="equ" val="2">
+                  <dgm:presOf axis="ch desOrSelf" ptType="node node" st="1 1" cnt="1 0"/>
+                </dgm:if>
+                <dgm:if name="Name80" axis="ch" ptType="node" func="cnt" op="equ" val="3">
+                  <dgm:presOf axis="ch desOrSelf" ptType="node node" st="2 1" cnt="1 0"/>
+                </dgm:if>
+                <dgm:if name="Name81" axis="ch" ptType="node" func="cnt" op="equ" val="4">
+                  <dgm:presOf axis="ch desOrSelf" ptType="node node" st="3 1" cnt="1 0"/>
+                </dgm:if>
+                <dgm:if name="Name82" axis="ch" ptType="node" func="cnt" op="equ" val="5">
+                  <dgm:presOf axis="ch desOrSelf" ptType="node node" st="4 1" cnt="1 0"/>
+                </dgm:if>
+                <dgm:if name="Name83" axis="ch" ptType="node" func="cnt" op="equ" val="6">
+                  <dgm:presOf axis="ch desOrSelf" ptType="node node" st="5 1" cnt="1 0"/>
+                </dgm:if>
+                <dgm:else name="Name84">
+                  <dgm:presOf axis="ch desOrSelf" ptType="node node" st="6 1" cnt="1 0"/>
+                </dgm:else>
+              </dgm:choose>
+            </dgm:else>
+          </dgm:choose>
+          <dgm:constrLst>
+            <dgm:constr type="tMarg" refType="primFontSz" fact="0.1"/>
+            <dgm:constr type="bMarg" refType="primFontSz" fact="0.1"/>
+            <dgm:constr type="lMarg" refType="primFontSz" fact="0.1"/>
+            <dgm:constr type="rMarg" refType="primFontSz" fact="0.1"/>
+            <dgm:constr type="primFontSz" val="65"/>
+          </dgm:constrLst>
+          <dgm:ruleLst>
+            <dgm:rule type="primFontSz" val="5" fact="NaN" max="NaN"/>
+          </dgm:ruleLst>
+        </dgm:layoutNode>
+      </dgm:if>
+      <dgm:else name="Name85"/>
+    </dgm:choose>
+    <dgm:choose name="Name86">
+      <dgm:if name="Name87" axis="ch" ptType="node" func="cnt" op="gte" val="3">
+        <dgm:layoutNode name="wedge3">
+          <dgm:alg type="sp"/>
+          <dgm:choose name="Name88">
+            <dgm:if name="Name89" axis="ch" ptType="node" func="cnt" op="equ" val="3">
+              <dgm:shape xmlns:r="http://schemas.openxmlformats.org/officeDocument/2006/relationships" type="pie" r:blip="">
+                <dgm:adjLst>
+                  <dgm:adj idx="1" val="150"/>
+                  <dgm:adj idx="2" val="270"/>
+                </dgm:adjLst>
+              </dgm:shape>
+            </dgm:if>
+            <dgm:if name="Name90" axis="ch" ptType="node" func="cnt" op="equ" val="4">
+              <dgm:shape xmlns:r="http://schemas.openxmlformats.org/officeDocument/2006/relationships" type="pie" r:blip="">
+                <dgm:adjLst>
+                  <dgm:adj idx="1" val="90"/>
+                  <dgm:adj idx="2" val="180"/>
+                </dgm:adjLst>
+              </dgm:shape>
+            </dgm:if>
+            <dgm:if name="Name91" axis="ch" ptType="node" func="cnt" op="equ" val="5">
+              <dgm:shape xmlns:r="http://schemas.openxmlformats.org/officeDocument/2006/relationships" type="pie" r:blip="">
+                <dgm:adjLst>
+                  <dgm:adj idx="1" val="54"/>
+                  <dgm:adj idx="2" val="126"/>
+                </dgm:adjLst>
+              </dgm:shape>
+            </dgm:if>
+            <dgm:if name="Name92" axis="ch" ptType="node" func="cnt" op="equ" val="6">
+              <dgm:shape xmlns:r="http://schemas.openxmlformats.org/officeDocument/2006/relationships" type="pie" r:blip="">
+                <dgm:adjLst>
+                  <dgm:adj idx="1" val="30"/>
+                  <dgm:adj idx="2" val="90"/>
+                </dgm:adjLst>
+              </dgm:shape>
+            </dgm:if>
+            <dgm:else name="Name93">
+              <dgm:shape xmlns:r="http://schemas.openxmlformats.org/officeDocument/2006/relationships" type="pie" r:blip="">
+                <dgm:adjLst>
+                  <dgm:adj idx="1" val="12.85714"/>
+                  <dgm:adj idx="2" val="64.28571"/>
+                </dgm:adjLst>
+              </dgm:shape>
+            </dgm:else>
+          </dgm:choose>
+          <dgm:choose name="Name94">
+            <dgm:if name="Name95" func="var" arg="dir" op="equ" val="norm">
+              <dgm:presOf axis="ch desOrSelf" ptType="node node" st="3 1" cnt="1 0"/>
+            </dgm:if>
+            <dgm:else name="Name96">
+              <dgm:choose name="Name97">
+                <dgm:if name="Name98" axis="ch" ptType="node" func="cnt" op="equ" val="3">
+                  <dgm:presOf axis="ch desOrSelf" ptType="node node" st="1 1" cnt="1 0"/>
+                </dgm:if>
+                <dgm:if name="Name99" axis="ch" ptType="node" func="cnt" op="equ" val="4">
+                  <dgm:presOf axis="ch desOrSelf" ptType="node node" st="2 1" cnt="1 0"/>
+                </dgm:if>
+                <dgm:if name="Name100" axis="ch" ptType="node" func="cnt" op="equ" val="5">
+                  <dgm:presOf axis="ch desOrSelf" ptType="node node" st="3 1" cnt="1 0"/>
+                </dgm:if>
+                <dgm:if name="Name101" axis="ch" ptType="node" func="cnt" op="equ" val="6">
+                  <dgm:presOf axis="ch desOrSelf" ptType="node node" st="4 1" cnt="1 0"/>
+                </dgm:if>
+                <dgm:else name="Name102">
+                  <dgm:presOf axis="ch desOrSelf" ptType="node node" st="5 1" cnt="1 0"/>
+                </dgm:else>
+              </dgm:choose>
+            </dgm:else>
+          </dgm:choose>
+          <dgm:constrLst/>
+          <dgm:ruleLst/>
+        </dgm:layoutNode>
+        <dgm:layoutNode name="wedge3Tx" moveWith="wedge3">
+          <dgm:varLst>
+            <dgm:chMax val="0"/>
+            <dgm:chPref val="0"/>
+            <dgm:bulletEnabled val="1"/>
+          </dgm:varLst>
+          <dgm:alg type="tx"/>
+          <dgm:shape xmlns:r="http://schemas.openxmlformats.org/officeDocument/2006/relationships" type="rect" r:blip="" hideGeom="1">
+            <dgm:adjLst/>
+          </dgm:shape>
+          <dgm:choose name="Name103">
+            <dgm:if name="Name104" func="var" arg="dir" op="equ" val="norm">
+              <dgm:presOf axis="ch desOrSelf" ptType="node node" st="3 1" cnt="1 0"/>
+            </dgm:if>
+            <dgm:else name="Name105">
+              <dgm:choose name="Name106">
+                <dgm:if name="Name107" axis="ch" ptType="node" func="cnt" op="equ" val="3">
+                  <dgm:presOf axis="ch desOrSelf" ptType="node node" st="1 1" cnt="1 0"/>
+                </dgm:if>
+                <dgm:if name="Name108" axis="ch" ptType="node" func="cnt" op="equ" val="4">
+                  <dgm:presOf axis="ch desOrSelf" ptType="node node" st="2 1" cnt="1 0"/>
+                </dgm:if>
+                <dgm:if name="Name109" axis="ch" ptType="node" func="cnt" op="equ" val="5">
+                  <dgm:presOf axis="ch desOrSelf" ptType="node node" st="3 1" cnt="1 0"/>
+                </dgm:if>
+                <dgm:if name="Name110" axis="ch" ptType="node" func="cnt" op="equ" val="6">
+                  <dgm:presOf axis="ch desOrSelf" ptType="node node" st="4 1" cnt="1 0"/>
+                </dgm:if>
+                <dgm:else name="Name111">
+                  <dgm:presOf axis="ch desOrSelf" ptType="node node" st="5 1" cnt="1 0"/>
+                </dgm:else>
+              </dgm:choose>
+            </dgm:else>
+          </dgm:choose>
+          <dgm:constrLst>
+            <dgm:constr type="tMarg" refType="primFontSz" fact="0.1"/>
+            <dgm:constr type="bMarg" refType="primFontSz" fact="0.1"/>
+            <dgm:constr type="lMarg" refType="primFontSz" fact="0.1"/>
+            <dgm:constr type="rMarg" refType="primFontSz" fact="0.1"/>
+            <dgm:constr type="primFontSz" val="65"/>
+          </dgm:constrLst>
+          <dgm:ruleLst>
+            <dgm:rule type="primFontSz" val="5" fact="NaN" max="NaN"/>
+          </dgm:ruleLst>
+        </dgm:layoutNode>
+      </dgm:if>
+      <dgm:else name="Name112"/>
+    </dgm:choose>
+    <dgm:choose name="Name113">
+      <dgm:if name="Name114" axis="ch" ptType="node" func="cnt" op="gte" val="4">
+        <dgm:layoutNode name="wedge4">
+          <dgm:alg type="sp"/>
+          <dgm:choose name="Name115">
+            <dgm:if name="Name116" axis="ch" ptType="node" func="cnt" op="equ" val="4">
+              <dgm:shape xmlns:r="http://schemas.openxmlformats.org/officeDocument/2006/relationships" type="pie" r:blip="">
+                <dgm:adjLst>
+                  <dgm:adj idx="1" val="180"/>
+                  <dgm:adj idx="2" val="270"/>
+                </dgm:adjLst>
+              </dgm:shape>
+            </dgm:if>
+            <dgm:if name="Name117" axis="ch" ptType="node" func="cnt" op="equ" val="5">
+              <dgm:shape xmlns:r="http://schemas.openxmlformats.org/officeDocument/2006/relationships" type="pie" r:blip="">
+                <dgm:adjLst>
+                  <dgm:adj idx="1" val="126"/>
+                  <dgm:adj idx="2" val="198"/>
+                </dgm:adjLst>
+              </dgm:shape>
+            </dgm:if>
+            <dgm:if name="Name118" axis="ch" ptType="node" func="cnt" op="equ" val="6">
+              <dgm:shape xmlns:r="http://schemas.openxmlformats.org/officeDocument/2006/relationships" type="pie" r:blip="">
+                <dgm:adjLst>
+                  <dgm:adj idx="1" val="90"/>
+                  <dgm:adj idx="2" val="150"/>
+                </dgm:adjLst>
+              </dgm:shape>
+            </dgm:if>
+            <dgm:else name="Name119">
+              <dgm:shape xmlns:r="http://schemas.openxmlformats.org/officeDocument/2006/relationships" type="pie" r:blip="">
+                <dgm:adjLst>
+                  <dgm:adj idx="1" val="64.2871"/>
+                  <dgm:adj idx="2" val="115.7143"/>
+                </dgm:adjLst>
+              </dgm:shape>
+            </dgm:else>
+          </dgm:choose>
+          <dgm:choose name="Name120">
+            <dgm:if name="Name121" func="var" arg="dir" op="equ" val="norm">
+              <dgm:presOf axis="ch desOrSelf" ptType="node node" st="4 1" cnt="1 0"/>
+            </dgm:if>
+            <dgm:else name="Name122">
+              <dgm:choose name="Name123">
+                <dgm:if name="Name124" axis="ch" ptType="node" func="cnt" op="equ" val="4">
+                  <dgm:presOf axis="ch desOrSelf" ptType="node node" st="1 1" cnt="1 0"/>
+                </dgm:if>
+                <dgm:if name="Name125" axis="ch" ptType="node" func="cnt" op="equ" val="5">
+                  <dgm:presOf axis="ch desOrSelf" ptType="node node" st="2 1" cnt="1 0"/>
+                </dgm:if>
+                <dgm:if name="Name126" axis="ch" ptType="node" func="cnt" op="equ" val="6">
+                  <dgm:presOf axis="ch desOrSelf" ptType="node node" st="3 1" cnt="1 0"/>
+                </dgm:if>
+                <dgm:else name="Name127">
+                  <dgm:presOf axis="ch desOrSelf" ptType="node node" st="4 1" cnt="1 0"/>
+                </dgm:else>
+              </dgm:choose>
+            </dgm:else>
+          </dgm:choose>
+          <dgm:constrLst/>
+          <dgm:ruleLst/>
+        </dgm:layoutNode>
+        <dgm:layoutNode name="wedge4Tx" moveWith="wedge4">
+          <dgm:varLst>
+            <dgm:chMax val="0"/>
+            <dgm:chPref val="0"/>
+            <dgm:bulletEnabled val="1"/>
+          </dgm:varLst>
+          <dgm:alg type="tx"/>
+          <dgm:shape xmlns:r="http://schemas.openxmlformats.org/officeDocument/2006/relationships" type="rect" r:blip="" hideGeom="1">
+            <dgm:adjLst/>
+          </dgm:shape>
+          <dgm:choose name="Name128">
+            <dgm:if name="Name129" func="var" arg="dir" op="equ" val="norm">
+              <dgm:presOf axis="ch desOrSelf" ptType="node node" st="4 1" cnt="1 0"/>
+            </dgm:if>
+            <dgm:else name="Name130">
+              <dgm:choose name="Name131">
+                <dgm:if name="Name132" axis="ch" ptType="node" func="cnt" op="equ" val="4">
+                  <dgm:presOf axis="ch desOrSelf" ptType="node node" st="1 1" cnt="1 0"/>
+                </dgm:if>
+                <dgm:if name="Name133" axis="ch" ptType="node" func="cnt" op="equ" val="5">
+                  <dgm:presOf axis="ch desOrSelf" ptType="node node" st="2 1" cnt="1 0"/>
+                </dgm:if>
+                <dgm:if name="Name134" axis="ch" ptType="node" func="cnt" op="equ" val="6">
+                  <dgm:presOf axis="ch desOrSelf" ptType="node node" st="3 1" cnt="1 0"/>
+                </dgm:if>
+                <dgm:else name="Name135">
+                  <dgm:presOf axis="ch desOrSelf" ptType="node node" st="4 1" cnt="1 0"/>
+                </dgm:else>
+              </dgm:choose>
+            </dgm:else>
+          </dgm:choose>
+          <dgm:constrLst>
+            <dgm:constr type="tMarg" refType="primFontSz" fact="0.1"/>
+            <dgm:constr type="bMarg" refType="primFontSz" fact="0.1"/>
+            <dgm:constr type="lMarg" refType="primFontSz" fact="0.1"/>
+            <dgm:constr type="rMarg" refType="primFontSz" fact="0.1"/>
+            <dgm:constr type="primFontSz" val="65"/>
+          </dgm:constrLst>
+          <dgm:ruleLst>
+            <dgm:rule type="primFontSz" val="5" fact="NaN" max="NaN"/>
+          </dgm:ruleLst>
+        </dgm:layoutNode>
+      </dgm:if>
+      <dgm:else name="Name136"/>
+    </dgm:choose>
+    <dgm:choose name="Name137">
+      <dgm:if name="Name138" axis="ch" ptType="node" func="cnt" op="gte" val="5">
+        <dgm:layoutNode name="wedge5">
+          <dgm:alg type="sp"/>
+          <dgm:choose name="Name139">
+            <dgm:if name="Name140" axis="ch" ptType="node" func="cnt" op="equ" val="5">
+              <dgm:shape xmlns:r="http://schemas.openxmlformats.org/officeDocument/2006/relationships" type="pie" r:blip="">
+                <dgm:adjLst>
+                  <dgm:adj idx="1" val="198"/>
+                  <dgm:adj idx="2" val="270"/>
+                </dgm:adjLst>
+              </dgm:shape>
+            </dgm:if>
+            <dgm:if name="Name141" axis="ch" ptType="node" func="cnt" op="equ" val="6">
+              <dgm:shape xmlns:r="http://schemas.openxmlformats.org/officeDocument/2006/relationships" type="pie" r:blip="">
+                <dgm:adjLst>
+                  <dgm:adj idx="1" val="150"/>
+                  <dgm:adj idx="2" val="210"/>
+                </dgm:adjLst>
+              </dgm:shape>
+            </dgm:if>
+            <dgm:else name="Name142">
+              <dgm:shape xmlns:r="http://schemas.openxmlformats.org/officeDocument/2006/relationships" type="pie" r:blip="">
+                <dgm:adjLst>
+                  <dgm:adj idx="1" val="115.7143"/>
+                  <dgm:adj idx="2" val="167.1429"/>
+                </dgm:adjLst>
+              </dgm:shape>
+            </dgm:else>
+          </dgm:choose>
+          <dgm:choose name="Name143">
+            <dgm:if name="Name144" func="var" arg="dir" op="equ" val="norm">
+              <dgm:presOf axis="ch desOrSelf" ptType="node node" st="5 1" cnt="1 0"/>
+            </dgm:if>
+            <dgm:else name="Name145">
+              <dgm:choose name="Name146">
+                <dgm:if name="Name147" axis="ch" ptType="node" func="cnt" op="equ" val="5">
+                  <dgm:presOf axis="ch desOrSelf" ptType="node node" st="1 1" cnt="1 0"/>
+                </dgm:if>
+                <dgm:if name="Name148" axis="ch" ptType="node" func="cnt" op="equ" val="6">
+                  <dgm:presOf axis="ch desOrSelf" ptType="node node" st="2 1" cnt="1 0"/>
+                </dgm:if>
+                <dgm:else name="Name149">
+                  <dgm:presOf axis="ch desOrSelf" ptType="node node" st="3 1" cnt="1 0"/>
+                </dgm:else>
+              </dgm:choose>
+            </dgm:else>
+          </dgm:choose>
+          <dgm:constrLst/>
+          <dgm:ruleLst/>
+        </dgm:layoutNode>
+        <dgm:layoutNode name="wedge5Tx" moveWith="wedge5">
+          <dgm:varLst>
+            <dgm:chMax val="0"/>
+            <dgm:chPref val="0"/>
+            <dgm:bulletEnabled val="1"/>
+          </dgm:varLst>
+          <dgm:alg type="tx"/>
+          <dgm:shape xmlns:r="http://schemas.openxmlformats.org/officeDocument/2006/relationships" type="rect" r:blip="" hideGeom="1">
+            <dgm:adjLst/>
+          </dgm:shape>
+          <dgm:choose name="Name150">
+            <dgm:if name="Name151" func="var" arg="dir" op="equ" val="norm">
+              <dgm:presOf axis="ch desOrSelf" ptType="node node" st="5 1" cnt="1 0"/>
+            </dgm:if>
+            <dgm:else name="Name152">
+              <dgm:choose name="Name153">
+                <dgm:if name="Name154" axis="ch" ptType="node" func="cnt" op="equ" val="5">
+                  <dgm:presOf axis="ch desOrSelf" ptType="node node" st="1 1" cnt="1 0"/>
+                </dgm:if>
+                <dgm:if name="Name155" axis="ch" ptType="node" func="cnt" op="equ" val="6">
+                  <dgm:presOf axis="ch desOrSelf" ptType="node node" st="2 1" cnt="1 0"/>
+                </dgm:if>
+                <dgm:else name="Name156">
+                  <dgm:presOf axis="ch desOrSelf" ptType="node node" st="3 1" cnt="1 0"/>
+                </dgm:else>
+              </dgm:choose>
+            </dgm:else>
+          </dgm:choose>
+          <dgm:constrLst>
+            <dgm:constr type="tMarg" refType="primFontSz" fact="0.1"/>
+            <dgm:constr type="bMarg" refType="primFontSz" fact="0.1"/>
+            <dgm:constr type="lMarg" refType="primFontSz" fact="0.1"/>
+            <dgm:constr type="rMarg" refType="primFontSz" fact="0.1"/>
+            <dgm:constr type="primFontSz" val="65"/>
+          </dgm:constrLst>
+          <dgm:ruleLst>
+            <dgm:rule type="primFontSz" val="5" fact="NaN" max="NaN"/>
+          </dgm:ruleLst>
+        </dgm:layoutNode>
+      </dgm:if>
+      <dgm:else name="Name157"/>
+    </dgm:choose>
+    <dgm:choose name="Name158">
+      <dgm:if name="Name159" axis="ch" ptType="node" func="cnt" op="gte" val="6">
+        <dgm:layoutNode name="wedge6">
+          <dgm:alg type="sp"/>
+          <dgm:choose name="Name160">
+            <dgm:if name="Name161" axis="ch" ptType="node" func="cnt" op="equ" val="6">
+              <dgm:shape xmlns:r="http://schemas.openxmlformats.org/officeDocument/2006/relationships" type="pie" r:blip="">
+                <dgm:adjLst>
+                  <dgm:adj idx="1" val="210"/>
+                  <dgm:adj idx="2" val="270"/>
+                </dgm:adjLst>
+              </dgm:shape>
+            </dgm:if>
+            <dgm:else name="Name162">
+              <dgm:shape xmlns:r="http://schemas.openxmlformats.org/officeDocument/2006/relationships" type="pie" r:blip="">
+                <dgm:adjLst>
+                  <dgm:adj idx="1" val="167.1429"/>
+                  <dgm:adj idx="2" val="218.5714"/>
+                </dgm:adjLst>
+              </dgm:shape>
+            </dgm:else>
+          </dgm:choose>
+          <dgm:choose name="Name163">
+            <dgm:if name="Name164" func="var" arg="dir" op="equ" val="norm">
+              <dgm:presOf axis="ch desOrSelf" ptType="node node" st="6 1" cnt="1 0"/>
+            </dgm:if>
+            <dgm:else name="Name165">
+              <dgm:choose name="Name166">
+                <dgm:if name="Name167" axis="ch" ptType="node" func="cnt" op="equ" val="6">
+                  <dgm:presOf axis="ch desOrSelf" ptType="node node" st="1 1" cnt="1 0"/>
+                </dgm:if>
+                <dgm:else name="Name168">
+                  <dgm:presOf axis="ch desOrSelf" ptType="node node" st="2 1" cnt="1 0"/>
+                </dgm:else>
+              </dgm:choose>
+            </dgm:else>
+          </dgm:choose>
+          <dgm:constrLst/>
+          <dgm:ruleLst/>
+        </dgm:layoutNode>
+        <dgm:layoutNode name="wedge6Tx" moveWith="wedge6">
+          <dgm:varLst>
+            <dgm:chMax val="0"/>
+            <dgm:chPref val="0"/>
+            <dgm:bulletEnabled val="1"/>
+          </dgm:varLst>
+          <dgm:alg type="tx"/>
+          <dgm:shape xmlns:r="http://schemas.openxmlformats.org/officeDocument/2006/relationships" type="rect" r:blip="" hideGeom="1">
+            <dgm:adjLst/>
+          </dgm:shape>
+          <dgm:choose name="Name169">
+            <dgm:if name="Name170" func="var" arg="dir" op="equ" val="norm">
+              <dgm:presOf axis="ch desOrSelf" ptType="node node" st="6 1" cnt="1 0"/>
+            </dgm:if>
+            <dgm:else name="Name171">
+              <dgm:choose name="Name172">
+                <dgm:if name="Name173" axis="ch" ptType="node" func="cnt" op="equ" val="6">
+                  <dgm:presOf axis="ch desOrSelf" ptType="node node" st="1 1" cnt="1 0"/>
+                </dgm:if>
+                <dgm:else name="Name174">
+                  <dgm:presOf axis="ch desOrSelf" ptType="node node" st="2 1" cnt="1 0"/>
+                </dgm:else>
+              </dgm:choose>
+            </dgm:else>
+          </dgm:choose>
+          <dgm:constrLst>
+            <dgm:constr type="tMarg" refType="primFontSz" fact="0.1"/>
+            <dgm:constr type="bMarg" refType="primFontSz" fact="0.1"/>
+            <dgm:constr type="lMarg" refType="primFontSz" fact="0.1"/>
+            <dgm:constr type="rMarg" refType="primFontSz" fact="0.1"/>
+            <dgm:constr type="primFontSz" val="65"/>
+          </dgm:constrLst>
+          <dgm:ruleLst>
+            <dgm:rule type="primFontSz" val="5" fact="NaN" max="NaN"/>
+          </dgm:ruleLst>
+        </dgm:layoutNode>
+      </dgm:if>
+      <dgm:else name="Name175"/>
+    </dgm:choose>
+    <dgm:choose name="Name176">
+      <dgm:if name="Name177" axis="ch" ptType="node" func="cnt" op="gte" val="7">
+        <dgm:layoutNode name="wedge7">
+          <dgm:alg type="sp"/>
+          <dgm:shape xmlns:r="http://schemas.openxmlformats.org/officeDocument/2006/relationships" type="pie" r:blip="">
+            <dgm:adjLst>
+              <dgm:adj idx="1" val="218.5714"/>
+              <dgm:adj idx="2" val="270"/>
+            </dgm:adjLst>
+          </dgm:shape>
+          <dgm:choose name="Name178">
+            <dgm:if name="Name179" func="var" arg="dir" op="equ" val="norm">
+              <dgm:presOf axis="ch desOrSelf" ptType="node node" st="7 1" cnt="1 0"/>
+            </dgm:if>
+            <dgm:else name="Name180">
+              <dgm:presOf axis="ch desOrSelf" ptType="node node" st="1 1" cnt="1 0"/>
+            </dgm:else>
+          </dgm:choose>
+          <dgm:constrLst/>
+          <dgm:ruleLst/>
+        </dgm:layoutNode>
+        <dgm:layoutNode name="wedge7Tx" moveWith="wedge7">
+          <dgm:varLst>
+            <dgm:chMax val="0"/>
+            <dgm:chPref val="0"/>
+            <dgm:bulletEnabled val="1"/>
+          </dgm:varLst>
+          <dgm:alg type="tx"/>
+          <dgm:shape xmlns:r="http://schemas.openxmlformats.org/officeDocument/2006/relationships" type="rect" r:blip="" hideGeom="1">
+            <dgm:adjLst/>
+          </dgm:shape>
+          <dgm:choose name="Name181">
+            <dgm:if name="Name182" func="var" arg="dir" op="equ" val="norm">
+              <dgm:presOf axis="ch desOrSelf" ptType="node node" st="7 1" cnt="1 0"/>
+            </dgm:if>
+            <dgm:else name="Name183">
+              <dgm:presOf axis="ch desOrSelf" ptType="node node" st="1 1" cnt="1 0"/>
+            </dgm:else>
+          </dgm:choose>
+          <dgm:constrLst>
+            <dgm:constr type="tMarg" refType="primFontSz" fact="0.1"/>
+            <dgm:constr type="bMarg" refType="primFontSz" fact="0.1"/>
+            <dgm:constr type="lMarg" refType="primFontSz" fact="0.1"/>
+            <dgm:constr type="rMarg" refType="primFontSz" fact="0.1"/>
+            <dgm:constr type="primFontSz" val="65"/>
+          </dgm:constrLst>
+          <dgm:ruleLst>
+            <dgm:rule type="primFontSz" val="5" fact="NaN" max="NaN"/>
+          </dgm:ruleLst>
+        </dgm:layoutNode>
+      </dgm:if>
+      <dgm:else name="Name184"/>
+    </dgm:choose>
+  </dgm:layoutNode>
+</dgm:layoutDef>
+</file>
+
 <file path=ppt/diagrams/quickStyle1.xml><?xml version="1.0" encoding="utf-8"?>
+<dgm:styleDef xmlns:dgm="http://schemas.openxmlformats.org/drawingml/2006/diagram" xmlns:a="http://schemas.openxmlformats.org/drawingml/2006/main" uniqueId="urn:microsoft.com/office/officeart/2005/8/quickstyle/simple1">
+  <dgm:title val=""/>
+  <dgm:desc val=""/>
+  <dgm:catLst>
+    <dgm:cat type="simple" pri="10100"/>
+  </dgm:catLst>
+  <dgm:scene3d>
+    <a:camera prst="orthographicFront"/>
+    <a:lightRig rig="threePt" dir="t"/>
+  </dgm:scene3d>
+  <dgm:styleLbl name="node0">
+    <dgm:scene3d>
+      <a:camera prst="orthographicFront"/>
+      <a:lightRig rig="threePt" dir="t"/>
+    </dgm:scene3d>
+    <dgm:sp3d/>
+    <dgm:txPr/>
+    <dgm:style>
+      <a:lnRef idx="2">
+        <a:scrgbClr r="0" g="0" b="0"/>
+      </a:lnRef>
+      <a:fillRef idx="1">
+        <a:scrgbClr r="0" g="0" b="0"/>
+      </a:fillRef>
+      <a:effectRef idx="0">
+        <a:scrgbClr r="0" g="0" b="0"/>
+      </a:effectRef>
+      <a:fontRef idx="minor">
+        <a:schemeClr val="lt1"/>
+      </a:fontRef>
+    </dgm:style>
+  </dgm:styleLbl>
+  <dgm:styleLbl name="lnNode1">
+    <dgm:scene3d>
+      <a:camera prst="orthographicFront"/>
+      <a:lightRig rig="threePt" dir="t"/>
+    </dgm:scene3d>
+    <dgm:sp3d/>
+    <dgm:txPr/>
+    <dgm:style>
+      <a:lnRef idx="2">
+        <a:scrgbClr r="0" g="0" b="0"/>
+      </a:lnRef>
+      <a:fillRef idx="1">
+        <a:scrgbClr r="0" g="0" b="0"/>
+      </a:fillRef>
+      <a:effectRef idx="0">
+        <a:scrgbClr r="0" g="0" b="0"/>
+      </a:effectRef>
+      <a:fontRef idx="minor">
+        <a:schemeClr val="lt1"/>
+      </a:fontRef>
+    </dgm:style>
+  </dgm:styleLbl>
+  <dgm:styleLbl name="vennNode1">
+    <dgm:scene3d>
+      <a:camera prst="orthographicFront"/>
+      <a:lightRig rig="threePt" dir="t"/>
+    </dgm:scene3d>
+    <dgm:sp3d/>
+    <dgm:txPr/>
+    <dgm:style>
+      <a:lnRef idx="2">
+        <a:scrgbClr r="0" g="0" b="0"/>
+      </a:lnRef>
+      <a:fillRef idx="1">
+        <a:scrgbClr r="0" g="0" b="0"/>
+      </a:fillRef>
+      <a:effectRef idx="0">
+        <a:scrgbClr r="0" g="0" b="0"/>
+      </a:effectRef>
+      <a:fontRef idx="minor">
+        <a:schemeClr val="tx1"/>
+      </a:fontRef>
+    </dgm:style>
+  </dgm:styleLbl>
+  <dgm:styleLbl name="alignNode1">
+    <dgm:scene3d>
+      <a:camera prst="orthographicFront"/>
+      <a:lightRig rig="threePt" dir="t"/>
+    </dgm:scene3d>
+    <dgm:sp3d/>
+    <dgm:txPr/>
+    <dgm:style>
+      <a:lnRef idx="2">
+        <a:scrgbClr r="0" g="0" b="0"/>
+      </a:lnRef>
+      <a:fillRef idx="1">
+        <a:scrgbClr r="0" g="0" b="0"/>
+      </a:fillRef>
+      <a:effectRef idx="0">
+        <a:scrgbClr r="0" g="0" b="0"/>
+      </a:effectRef>
+      <a:fontRef idx="minor">
+        <a:schemeClr val="lt1"/>
+      </a:fontRef>
+    </dgm:style>
+  </dgm:styleLbl>
+  <dgm:styleLbl name="node1">
+    <dgm:scene3d>
+      <a:camera prst="orthographicFront"/>
+      <a:lightRig rig="threePt" dir="t"/>
+    </dgm:scene3d>
+    <dgm:sp3d/>
+    <dgm:txPr/>
+    <dgm:style>
+      <a:lnRef idx="2">
+        <a:scrgbClr r="0" g="0" b="0"/>
+      </a:lnRef>
+      <a:fillRef idx="1">
+        <a:scrgbClr r="0" g="0" b="0"/>
+      </a:fillRef>
+      <a:effectRef idx="0">
+        <a:scrgbClr r="0" g="0" b="0"/>
+      </a:effectRef>
+      <a:fontRef idx="minor">
+        <a:schemeClr val="lt1"/>
+      </a:fontRef>
+    </dgm:style>
+  </dgm:styleLbl>
+  <dgm:styleLbl name="node2">
+    <dgm:scene3d>
+      <a:camera prst="orthographicFront"/>
+      <a:lightRig rig="threePt" dir="t"/>
+    </dgm:scene3d>
+    <dgm:sp3d/>
+    <dgm:txPr/>
+    <dgm:style>
+      <a:lnRef idx="2">
+        <a:scrgbClr r="0" g="0" b="0"/>
+      </a:lnRef>
+      <a:fillRef idx="1">
+        <a:scrgbClr r="0" g="0" b="0"/>
+      </a:fillRef>
+      <a:effectRef idx="0">
+        <a:scrgbClr r="0" g="0" b="0"/>
+      </a:effectRef>
+      <a:fontRef idx="minor">
+        <a:schemeClr val="lt1"/>
+      </a:fontRef>
+    </dgm:style>
+  </dgm:styleLbl>
+  <dgm:styleLbl name="node3">
+    <dgm:scene3d>
+      <a:camera prst="orthographicFront"/>
+      <a:lightRig rig="threePt" dir="t"/>
+    </dgm:scene3d>
+    <dgm:sp3d/>
+    <dgm:txPr/>
+    <dgm:style>
+      <a:lnRef idx="2">
+        <a:scrgbClr r="0" g="0" b="0"/>
+      </a:lnRef>
+      <a:fillRef idx="1">
+        <a:scrgbClr r="0" g="0" b="0"/>
+      </a:fillRef>
+      <a:effectRef idx="0">
+        <a:scrgbClr r="0" g="0" b="0"/>
+      </a:effectRef>
+      <a:fontRef idx="minor">
+        <a:schemeClr val="lt1"/>
+      </a:fontRef>
+    </dgm:style>
+  </dgm:styleLbl>
+  <dgm:styleLbl name="node4">
+    <dgm:scene3d>
+      <a:camera prst="orthographicFront"/>
+      <a:lightRig rig="threePt" dir="t"/>
+    </dgm:scene3d>
+    <dgm:sp3d/>
+    <dgm:txPr/>
+    <dgm:style>
+      <a:lnRef idx="2">
+        <a:scrgbClr r="0" g="0" b="0"/>
+      </a:lnRef>
+      <a:fillRef idx="1">
+        <a:scrgbClr r="0" g="0" b="0"/>
+      </a:fillRef>
+      <a:effectRef idx="0">
+        <a:scrgbClr r="0" g="0" b="0"/>
+      </a:effectRef>
+      <a:fontRef idx="minor">
+        <a:schemeClr val="lt1"/>
+      </a:fontRef>
+    </dgm:style>
+  </dgm:styleLbl>
+  <dgm:styleLbl name="fgImgPlace1">
+    <dgm:scene3d>
+      <a:camera prst="orthographicFront"/>
+      <a:lightRig rig="threePt" dir="t"/>
+    </dgm:scene3d>
+    <dgm:sp3d/>
+    <dgm:txPr/>
+    <dgm:style>
+      <a:lnRef idx="2">
+        <a:scrgbClr r="0" g="0" b="0"/>
+      </a:lnRef>
+      <a:fillRef idx="1">
+        <a:scrgbClr r="0" g="0" b="0"/>
+      </a:fillRef>
+      <a:effectRef idx="0">
+        <a:scrgbClr r="0" g="0" b="0"/>
+      </a:effectRef>
+      <a:fontRef idx="minor"/>
+    </dgm:style>
+  </dgm:styleLbl>
+  <dgm:styleLbl name="alignImgPlace1">
+    <dgm:scene3d>
+      <a:camera prst="orthographicFront"/>
+      <a:lightRig rig="threePt" dir="t"/>
+    </dgm:scene3d>
+    <dgm:sp3d/>
+    <dgm:txPr/>
+    <dgm:style>
+      <a:lnRef idx="2">
+        <a:scrgbClr r="0" g="0" b="0"/>
+      </a:lnRef>
+      <a:fillRef idx="1">
+        <a:scrgbClr r="0" g="0" b="0"/>
+      </a:fillRef>
+      <a:effectRef idx="0">
+        <a:scrgbClr r="0" g="0" b="0"/>
+      </a:effectRef>
+      <a:fontRef idx="minor"/>
+    </dgm:style>
+  </dgm:styleLbl>
+  <dgm:styleLbl name="bgImgPlace1">
+    <dgm:scene3d>
+      <a:camera prst="orthographicFront"/>
+      <a:lightRig rig="threePt" dir="t"/>
+    </dgm:scene3d>
+    <dgm:sp3d/>
+    <dgm:txPr/>
+    <dgm:style>
+      <a:lnRef idx="2">
+        <a:scrgbClr r="0" g="0" b="0"/>
+      </a:lnRef>
+      <a:fillRef idx="1">
+        <a:scrgbClr r="0" g="0" b="0"/>
+      </a:fillRef>
+      <a:effectRef idx="0">
+        <a:scrgbClr r="0" g="0" b="0"/>
+      </a:effectRef>
+      <a:fontRef idx="minor"/>
+    </dgm:style>
+  </dgm:styleLbl>
+  <dgm:styleLbl name="sibTrans2D1">
+    <dgm:scene3d>
+      <a:camera prst="orthographicFront"/>
+      <a:lightRig rig="threePt" dir="t"/>
+    </dgm:scene3d>
+    <dgm:sp3d/>
+    <dgm:txPr/>
+    <dgm:style>
+      <a:lnRef idx="0">
+        <a:scrgbClr r="0" g="0" b="0"/>
+      </a:lnRef>
+      <a:fillRef idx="1">
+        <a:scrgbClr r="0" g="0" b="0"/>
+      </a:fillRef>
+      <a:effectRef idx="0">
+        <a:scrgbClr r="0" g="0" b="0"/>
+      </a:effectRef>
+      <a:fontRef idx="minor">
+        <a:schemeClr val="lt1"/>
+      </a:fontRef>
+    </dgm:style>
+  </dgm:styleLbl>
+  <dgm:styleLbl name="fgSibTrans2D1">
+    <dgm:scene3d>
+      <a:camera prst="orthographicFront"/>
+      <a:lightRig rig="threePt" dir="t"/>
+    </dgm:scene3d>
+    <dgm:sp3d/>
+    <dgm:txPr/>
+    <dgm:style>
+      <a:lnRef idx="0">
+        <a:scrgbClr r="0" g="0" b="0"/>
+      </a:lnRef>
+      <a:fillRef idx="1">
+        <a:scrgbClr r="0" g="0" b="0"/>
+      </a:fillRef>
+      <a:effectRef idx="0">
+        <a:scrgbClr r="0" g="0" b="0"/>
+      </a:effectRef>
+      <a:fontRef idx="minor">
+        <a:schemeClr val="lt1"/>
+      </a:fontRef>
+    </dgm:style>
+  </dgm:styleLbl>
+  <dgm:styleLbl name="bgSibTrans2D1">
+    <dgm:scene3d>
+      <a:camera prst="orthographicFront"/>
+      <a:lightRig rig="threePt" dir="t"/>
+    </dgm:scene3d>
+    <dgm:sp3d/>
+    <dgm:txPr/>
+    <dgm:style>
+      <a:lnRef idx="0">
+        <a:scrgbClr r="0" g="0" b="0"/>
+      </a:lnRef>
+      <a:fillRef idx="1">
+        <a:scrgbClr r="0" g="0" b="0"/>
+      </a:fillRef>
+      <a:effectRef idx="0">
+        <a:scrgbClr r="0" g="0" b="0"/>
+      </a:effectRef>
+      <a:fontRef idx="minor">
+        <a:schemeClr val="lt1"/>
+      </a:fontRef>
+    </dgm:style>
+  </dgm:styleLbl>
+  <dgm:styleLbl name="sibTrans1D1">
+    <dgm:scene3d>
+      <a:camera prst="orthographicFront"/>
+      <a:lightRig rig="threePt" dir="t"/>
+    </dgm:scene3d>
+    <dgm:sp3d/>
+    <dgm:txPr/>
+    <dgm:style>
+      <a:lnRef idx="1">
+        <a:scrgbClr r="0" g="0" b="0"/>
+      </a:lnRef>
+      <a:fillRef idx="0">
+        <a:scrgbClr r="0" g="0" b="0"/>
+      </a:fillRef>
+      <a:effectRef idx="0">
+        <a:scrgbClr r="0" g="0" b="0"/>
+      </a:effectRef>
+      <a:fontRef idx="minor"/>
+    </dgm:style>
+  </dgm:styleLbl>
+  <dgm:styleLbl name="callout">
+    <dgm:scene3d>
+      <a:camera prst="orthographicFront"/>
+      <a:lightRig rig="threePt" dir="t"/>
+    </dgm:scene3d>
+    <dgm:sp3d/>
+    <dgm:txPr/>
+    <dgm:style>
+      <a:lnRef idx="2">
+        <a:scrgbClr r="0" g="0" b="0"/>
+      </a:lnRef>
+      <a:fillRef idx="1">
+        <a:scrgbClr r="0" g="0" b="0"/>
+      </a:fillRef>
+      <a:effectRef idx="0">
+        <a:scrgbClr r="0" g="0" b="0"/>
+      </a:effectRef>
+      <a:fontRef idx="minor"/>
+    </dgm:style>
+  </dgm:styleLbl>
+  <dgm:styleLbl name="asst0">
+    <dgm:scene3d>
+      <a:camera prst="orthographicFront"/>
+      <a:lightRig rig="threePt" dir="t"/>
+    </dgm:scene3d>
+    <dgm:sp3d/>
+    <dgm:txPr/>
+    <dgm:style>
+      <a:lnRef idx="2">
+        <a:scrgbClr r="0" g="0" b="0"/>
+      </a:lnRef>
+      <a:fillRef idx="1">
+        <a:scrgbClr r="0" g="0" b="0"/>
+      </a:fillRef>
+      <a:effectRef idx="0">
+        <a:scrgbClr r="0" g="0" b="0"/>
+      </a:effectRef>
+      <a:fontRef idx="minor">
+        <a:schemeClr val="lt1"/>
+      </a:fontRef>
+    </dgm:style>
+  </dgm:styleLbl>
+  <dgm:styleLbl name="asst1">
+    <dgm:scene3d>
+      <a:camera prst="orthographicFront"/>
+      <a:lightRig rig="threePt" dir="t"/>
+    </dgm:scene3d>
+    <dgm:sp3d/>
+    <dgm:txPr/>
+    <dgm:style>
+      <a:lnRef idx="2">
+        <a:scrgbClr r="0" g="0" b="0"/>
+      </a:lnRef>
+      <a:fillRef idx="1">
+        <a:scrgbClr r="0" g="0" b="0"/>
+      </a:fillRef>
+      <a:effectRef idx="0">
+        <a:scrgbClr r="0" g="0" b="0"/>
+      </a:effectRef>
+      <a:fontRef idx="minor">
+        <a:schemeClr val="lt1"/>
+      </a:fontRef>
+    </dgm:style>
+  </dgm:styleLbl>
+  <dgm:styleLbl name="asst2">
+    <dgm:scene3d>
+      <a:camera prst="orthographicFront"/>
+      <a:lightRig rig="threePt" dir="t"/>
+    </dgm:scene3d>
+    <dgm:sp3d/>
+    <dgm:txPr/>
+    <dgm:style>
+      <a:lnRef idx="2">
+        <a:scrgbClr r="0" g="0" b="0"/>
+      </a:lnRef>
+      <a:fillRef idx="1">
+        <a:scrgbClr r="0" g="0" b="0"/>
+      </a:fillRef>
+      <a:effectRef idx="0">
+        <a:scrgbClr r="0" g="0" b="0"/>
+      </a:effectRef>
+      <a:fontRef idx="minor">
+        <a:schemeClr val="lt1"/>
+      </a:fontRef>
+    </dgm:style>
+  </dgm:styleLbl>
+  <dgm:styleLbl name="asst3">
+    <dgm:scene3d>
+      <a:camera prst="orthographicFront"/>
+      <a:lightRig rig="threePt" dir="t"/>
+    </dgm:scene3d>
+    <dgm:sp3d/>
+    <dgm:txPr/>
+    <dgm:style>
+      <a:lnRef idx="2">
+        <a:scrgbClr r="0" g="0" b="0"/>
+      </a:lnRef>
+      <a:fillRef idx="1">
+        <a:scrgbClr r="0" g="0" b="0"/>
+      </a:fillRef>
+      <a:effectRef idx="0">
+        <a:scrgbClr r="0" g="0" b="0"/>
+      </a:effectRef>
+      <a:fontRef idx="minor">
+        <a:schemeClr val="lt1"/>
+      </a:fontRef>
+    </dgm:style>
+  </dgm:styleLbl>
+  <dgm:styleLbl name="asst4">
+    <dgm:scene3d>
+      <a:camera prst="orthographicFront"/>
+      <a:lightRig rig="threePt" dir="t"/>
+    </dgm:scene3d>
+    <dgm:sp3d/>
+    <dgm:txPr/>
+    <dgm:style>
+      <a:lnRef idx="2">
+        <a:scrgbClr r="0" g="0" b="0"/>
+      </a:lnRef>
+      <a:fillRef idx="1">
+        <a:scrgbClr r="0" g="0" b="0"/>
+      </a:fillRef>
+      <a:effectRef idx="0">
+        <a:scrgbClr r="0" g="0" b="0"/>
+      </a:effectRef>
+      <a:fontRef idx="minor">
+        <a:schemeClr val="lt1"/>
+      </a:fontRef>
+    </dgm:style>
+  </dgm:styleLbl>
+  <dgm:styleLbl name="parChTrans2D1">
+    <dgm:scene3d>
+      <a:camera prst="orthographicFront"/>
+      <a:lightRig rig="threePt" dir="t"/>
+    </dgm:scene3d>
+    <dgm:sp3d/>
+    <dgm:txPr/>
+    <dgm:style>
+      <a:lnRef idx="2">
+        <a:scrgbClr r="0" g="0" b="0"/>
+      </a:lnRef>
+      <a:fillRef idx="1">
+        <a:scrgbClr r="0" g="0" b="0"/>
+      </a:fillRef>
+      <a:effectRef idx="0">
+        <a:scrgbClr r="0" g="0" b="0"/>
+      </a:effectRef>
+      <a:fontRef idx="minor">
+        <a:schemeClr val="lt1"/>
+      </a:fontRef>
+    </dgm:style>
+  </dgm:styleLbl>
+  <dgm:styleLbl name="parChTrans2D2">
+    <dgm:scene3d>
+      <a:camera prst="orthographicFront"/>
+      <a:lightRig rig="threePt" dir="t"/>
+    </dgm:scene3d>
+    <dgm:sp3d/>
+    <dgm:txPr/>
+    <dgm:style>
+      <a:lnRef idx="2">
+        <a:scrgbClr r="0" g="0" b="0"/>
+      </a:lnRef>
+      <a:fillRef idx="1">
+        <a:scrgbClr r="0" g="0" b="0"/>
+      </a:fillRef>
+      <a:effectRef idx="0">
+        <a:scrgbClr r="0" g="0" b="0"/>
+      </a:effectRef>
+      <a:fontRef idx="minor">
+        <a:schemeClr val="lt1"/>
+      </a:fontRef>
+    </dgm:style>
+  </dgm:styleLbl>
+  <dgm:styleLbl name="parChTrans2D3">
+    <dgm:scene3d>
+      <a:camera prst="orthographicFront"/>
+      <a:lightRig rig="threePt" dir="t"/>
+    </dgm:scene3d>
+    <dgm:sp3d/>
+    <dgm:txPr/>
+    <dgm:style>
+      <a:lnRef idx="2">
+        <a:scrgbClr r="0" g="0" b="0"/>
+      </a:lnRef>
+      <a:fillRef idx="1">
+        <a:scrgbClr r="0" g="0" b="0"/>
+      </a:fillRef>
+      <a:effectRef idx="0">
+        <a:scrgbClr r="0" g="0" b="0"/>
+      </a:effectRef>
+      <a:fontRef idx="minor">
+        <a:schemeClr val="lt1"/>
+      </a:fontRef>
+    </dgm:style>
+  </dgm:styleLbl>
+  <dgm:styleLbl name="parChTrans2D4">
+    <dgm:scene3d>
+      <a:camera prst="orthographicFront"/>
+      <a:lightRig rig="threePt" dir="t"/>
+    </dgm:scene3d>
+    <dgm:sp3d/>
+    <dgm:txPr/>
+    <dgm:style>
+      <a:lnRef idx="2">
+        <a:scrgbClr r="0" g="0" b="0"/>
+      </a:lnRef>
+      <a:fillRef idx="1">
+        <a:scrgbClr r="0" g="0" b="0"/>
+      </a:fillRef>
+      <a:effectRef idx="0">
+        <a:scrgbClr r="0" g="0" b="0"/>
+      </a:effectRef>
+      <a:fontRef idx="minor">
+        <a:schemeClr val="lt1"/>
+      </a:fontRef>
+    </dgm:style>
+  </dgm:styleLbl>
+  <dgm:styleLbl name="parChTrans1D1">
+    <dgm:scene3d>
+      <a:camera prst="orthographicFront"/>
+      <a:lightRig rig="threePt" dir="t"/>
+    </dgm:scene3d>
+    <dgm:sp3d/>
+    <dgm:txPr/>
+    <dgm:style>
+      <a:lnRef idx="2">
+        <a:scrgbClr r="0" g="0" b="0"/>
+      </a:lnRef>
+      <a:fillRef idx="0">
+        <a:scrgbClr r="0" g="0" b="0"/>
+      </a:fillRef>
+      <a:effectRef idx="0">
+        <a:scrgbClr r="0" g="0" b="0"/>
+      </a:effectRef>
+      <a:fontRef idx="minor"/>
+    </dgm:style>
+  </dgm:styleLbl>
+  <dgm:styleLbl name="parChTrans1D2">
+    <dgm:scene3d>
+      <a:camera prst="orthographicFront"/>
+      <a:lightRig rig="threePt" dir="t"/>
+    </dgm:scene3d>
+    <dgm:sp3d/>
+    <dgm:txPr/>
+    <dgm:style>
+      <a:lnRef idx="2">
+        <a:scrgbClr r="0" g="0" b="0"/>
+      </a:lnRef>
+      <a:fillRef idx="0">
+        <a:scrgbClr r="0" g="0" b="0"/>
+      </a:fillRef>
+      <a:effectRef idx="0">
+        <a:scrgbClr r="0" g="0" b="0"/>
+      </a:effectRef>
+      <a:fontRef idx="minor"/>
+    </dgm:style>
+  </dgm:styleLbl>
+  <dgm:styleLbl name="parChTrans1D3">
+    <dgm:scene3d>
+      <a:camera prst="orthographicFront"/>
+      <a:lightRig rig="threePt" dir="t"/>
+    </dgm:scene3d>
+    <dgm:sp3d/>
+    <dgm:txPr/>
+    <dgm:style>
+      <a:lnRef idx="2">
+        <a:scrgbClr r="0" g="0" b="0"/>
+      </a:lnRef>
+      <a:fillRef idx="0">
+        <a:scrgbClr r="0" g="0" b="0"/>
+      </a:fillRef>
+      <a:effectRef idx="0">
+        <a:scrgbClr r="0" g="0" b="0"/>
+      </a:effectRef>
+      <a:fontRef idx="minor"/>
+    </dgm:style>
+  </dgm:styleLbl>
+  <dgm:styleLbl name="parChTrans1D4">
+    <dgm:scene3d>
+      <a:camera prst="orthographicFront"/>
+      <a:lightRig rig="threePt" dir="t"/>
+    </dgm:scene3d>
+    <dgm:sp3d/>
+    <dgm:txPr/>
+    <dgm:style>
+      <a:lnRef idx="2">
+        <a:scrgbClr r="0" g="0" b="0"/>
+      </a:lnRef>
+      <a:fillRef idx="0">
+        <a:scrgbClr r="0" g="0" b="0"/>
+      </a:fillRef>
+      <a:effectRef idx="0">
+        <a:scrgbClr r="0" g="0" b="0"/>
+      </a:effectRef>
+      <a:fontRef idx="minor"/>
+    </dgm:style>
+  </dgm:styleLbl>
+  <dgm:styleLbl name="fgAcc1">
+    <dgm:scene3d>
+      <a:camera prst="orthographicFront"/>
+      <a:lightRig rig="threePt" dir="t"/>
+    </dgm:scene3d>
+    <dgm:sp3d/>
+    <dgm:txPr/>
+    <dgm:style>
+      <a:lnRef idx="2">
+        <a:scrgbClr r="0" g="0" b="0"/>
+      </a:lnRef>
+      <a:fillRef idx="1">
+        <a:scrgbClr r="0" g="0" b="0"/>
+      </a:fillRef>
+      <a:effectRef idx="0">
+        <a:scrgbClr r="0" g="0" b="0"/>
+      </a:effectRef>
+      <a:fontRef idx="minor"/>
+    </dgm:style>
+  </dgm:styleLbl>
+  <dgm:styleLbl name="conFgAcc1">
+    <dgm:scene3d>
+      <a:camera prst="orthographicFront"/>
+      <a:lightRig rig="threePt" dir="t"/>
+    </dgm:scene3d>
+    <dgm:sp3d/>
+    <dgm:txPr/>
+    <dgm:style>
+      <a:lnRef idx="2">
+        <a:scrgbClr r="0" g="0" b="0"/>
+      </a:lnRef>
+      <a:fillRef idx="1">
+        <a:scrgbClr r="0" g="0" b="0"/>
+      </a:fillRef>
+      <a:effectRef idx="0">
+        <a:scrgbClr r="0" g="0" b="0"/>
+      </a:effectRef>
+      <a:fontRef idx="minor"/>
+    </dgm:style>
+  </dgm:styleLbl>
+  <dgm:styleLbl name="alignAcc1">
+    <dgm:scene3d>
+      <a:camera prst="orthographicFront"/>
+      <a:lightRig rig="threePt" dir="t"/>
+    </dgm:scene3d>
+    <dgm:sp3d/>
+    <dgm:txPr/>
+    <dgm:style>
+      <a:lnRef idx="2">
+        <a:scrgbClr r="0" g="0" b="0"/>
+      </a:lnRef>
+      <a:fillRef idx="1">
+        <a:scrgbClr r="0" g="0" b="0"/>
+      </a:fillRef>
+      <a:effectRef idx="0">
+        <a:scrgbClr r="0" g="0" b="0"/>
+      </a:effectRef>
+      <a:fontRef idx="minor"/>
+    </dgm:style>
+  </dgm:styleLbl>
+  <dgm:styleLbl name="trAlignAcc1">
+    <dgm:scene3d>
+      <a:camera prst="orthographicFront"/>
+      <a:lightRig rig="threePt" dir="t"/>
+    </dgm:scene3d>
+    <dgm:sp3d/>
+    <dgm:txPr/>
+    <dgm:style>
+      <a:lnRef idx="1">
+        <a:scrgbClr r="0" g="0" b="0"/>
+      </a:lnRef>
+      <a:fillRef idx="1">
+        <a:scrgbClr r="0" g="0" b="0"/>
+      </a:fillRef>
+      <a:effectRef idx="0">
+        <a:scrgbClr r="0" g="0" b="0"/>
+      </a:effectRef>
+      <a:fontRef idx="minor"/>
+    </dgm:style>
+  </dgm:styleLbl>
+  <dgm:styleLbl name="bgAcc1">
+    <dgm:scene3d>
+      <a:camera prst="orthographicFront"/>
+      <a:lightRig rig="threePt" dir="t"/>
+    </dgm:scene3d>
+    <dgm:sp3d/>
+    <dgm:txPr/>
+    <dgm:style>
+      <a:lnRef idx="2">
+        <a:scrgbClr r="0" g="0" b="0"/>
+      </a:lnRef>
+      <a:fillRef idx="1">
+        <a:scrgbClr r="0" g="0" b="0"/>
+      </a:fillRef>
+      <a:effectRef idx="0">
+        <a:scrgbClr r="0" g="0" b="0"/>
+      </a:effectRef>
+      <a:fontRef idx="minor"/>
+    </dgm:style>
+  </dgm:styleLbl>
+  <dgm:styleLbl name="solidFgAcc1">
+    <dgm:scene3d>
+      <a:camera prst="orthographicFront"/>
+      <a:lightRig rig="threePt" dir="t"/>
+    </dgm:scene3d>
+    <dgm:sp3d/>
+    <dgm:txPr/>
+    <dgm:style>
+      <a:lnRef idx="2">
+        <a:scrgbClr r="0" g="0" b="0"/>
+      </a:lnRef>
+      <a:fillRef idx="1">
+        <a:scrgbClr r="0" g="0" b="0"/>
+      </a:fillRef>
+      <a:effectRef idx="0">
+        <a:scrgbClr r="0" g="0" b="0"/>
+      </a:effectRef>
+      <a:fontRef idx="minor"/>
+    </dgm:style>
+  </dgm:styleLbl>
+  <dgm:styleLbl name="solidAlignAcc1">
+    <dgm:scene3d>
+      <a:camera prst="orthographicFront"/>
+      <a:lightRig rig="threePt" dir="t"/>
+    </dgm:scene3d>
+    <dgm:sp3d/>
+    <dgm:txPr/>
+    <dgm:style>
+      <a:lnRef idx="2">
+        <a:scrgbClr r="0" g="0" b="0"/>
+      </a:lnRef>
+      <a:fillRef idx="1">
+        <a:scrgbClr r="0" g="0" b="0"/>
+      </a:fillRef>
+      <a:effectRef idx="0">
+        <a:scrgbClr r="0" g="0" b="0"/>
+      </a:effectRef>
+      <a:fontRef idx="minor"/>
+    </dgm:style>
+  </dgm:styleLbl>
+  <dgm:styleLbl name="solidBgAcc1">
+    <dgm:scene3d>
+      <a:camera prst="orthographicFront"/>
+      <a:lightRig rig="threePt" dir="t"/>
+    </dgm:scene3d>
+    <dgm:sp3d/>
+    <dgm:txPr/>
+    <dgm:style>
+      <a:lnRef idx="2">
+        <a:scrgbClr r="0" g="0" b="0"/>
+      </a:lnRef>
+      <a:fillRef idx="1">
+        <a:scrgbClr r="0" g="0" b="0"/>
+      </a:fillRef>
+      <a:effectRef idx="0">
+        <a:scrgbClr r="0" g="0" b="0"/>
+      </a:effectRef>
+      <a:fontRef idx="minor"/>
+    </dgm:style>
+  </dgm:styleLbl>
+  <dgm:styleLbl name="fgAccFollowNode1">
+    <dgm:scene3d>
+      <a:camera prst="orthographicFront"/>
+      <a:lightRig rig="threePt" dir="t"/>
+    </dgm:scene3d>
+    <dgm:sp3d/>
+    <dgm:txPr/>
+    <dgm:style>
+      <a:lnRef idx="2">
+        <a:scrgbClr r="0" g="0" b="0"/>
+      </a:lnRef>
+      <a:fillRef idx="1">
+        <a:scrgbClr r="0" g="0" b="0"/>
+      </a:fillRef>
+      <a:effectRef idx="0">
+        <a:scrgbClr r="0" g="0" b="0"/>
+      </a:effectRef>
+      <a:fontRef idx="minor"/>
+    </dgm:style>
+  </dgm:styleLbl>
+  <dgm:styleLbl name="alignAccFollowNode1">
+    <dgm:scene3d>
+      <a:camera prst="orthographicFront"/>
+      <a:lightRig rig="threePt" dir="t"/>
+    </dgm:scene3d>
+    <dgm:sp3d/>
+    <dgm:txPr/>
+    <dgm:style>
+      <a:lnRef idx="2">
+        <a:scrgbClr r="0" g="0" b="0"/>
+      </a:lnRef>
+      <a:fillRef idx="1">
+        <a:scrgbClr r="0" g="0" b="0"/>
+      </a:fillRef>
+      <a:effectRef idx="0">
+        <a:scrgbClr r="0" g="0" b="0"/>
+      </a:effectRef>
+      <a:fontRef idx="minor"/>
+    </dgm:style>
+  </dgm:styleLbl>
+  <dgm:styleLbl name="bgAccFollowNode1">
+    <dgm:scene3d>
+      <a:camera prst="orthographicFront"/>
+      <a:lightRig rig="threePt" dir="t"/>
+    </dgm:scene3d>
+    <dgm:sp3d/>
+    <dgm:txPr/>
+    <dgm:style>
+      <a:lnRef idx="2">
+        <a:scrgbClr r="0" g="0" b="0"/>
+      </a:lnRef>
+      <a:fillRef idx="1">
+        <a:scrgbClr r="0" g="0" b="0"/>
+      </a:fillRef>
+      <a:effectRef idx="0">
+        <a:scrgbClr r="0" g="0" b="0"/>
+      </a:effectRef>
+      <a:fontRef idx="minor"/>
+    </dgm:style>
+  </dgm:styleLbl>
+  <dgm:styleLbl name="fgAcc0">
+    <dgm:scene3d>
+      <a:camera prst="orthographicFront"/>
+      <a:lightRig rig="threePt" dir="t"/>
+    </dgm:scene3d>
+    <dgm:sp3d/>
+    <dgm:txPr/>
+    <dgm:style>
+      <a:lnRef idx="2">
+        <a:scrgbClr r="0" g="0" b="0"/>
+      </a:lnRef>
+      <a:fillRef idx="1">
+        <a:scrgbClr r="0" g="0" b="0"/>
+      </a:fillRef>
+      <a:effectRef idx="0">
+        <a:scrgbClr r="0" g="0" b="0"/>
+      </a:effectRef>
+      <a:fontRef idx="minor"/>
+    </dgm:style>
+  </dgm:styleLbl>
+  <dgm:styleLbl name="fgAcc2">
+    <dgm:scene3d>
+      <a:camera prst="orthographicFront"/>
+      <a:lightRig rig="threePt" dir="t"/>
+    </dgm:scene3d>
+    <dgm:sp3d/>
+    <dgm:txPr/>
+    <dgm:style>
+      <a:lnRef idx="2">
+        <a:scrgbClr r="0" g="0" b="0"/>
+      </a:lnRef>
+      <a:fillRef idx="1">
+        <a:scrgbClr r="0" g="0" b="0"/>
+      </a:fillRef>
+      <a:effectRef idx="0">
+        <a:scrgbClr r="0" g="0" b="0"/>
+      </a:effectRef>
+      <a:fontRef idx="minor"/>
+    </dgm:style>
+  </dgm:styleLbl>
+  <dgm:styleLbl name="fgAcc3">
+    <dgm:scene3d>
+      <a:camera prst="orthographicFront"/>
+      <a:lightRig rig="threePt" dir="t"/>
+    </dgm:scene3d>
+    <dgm:sp3d/>
+    <dgm:txPr/>
+    <dgm:style>
+      <a:lnRef idx="2">
+        <a:scrgbClr r="0" g="0" b="0"/>
+      </a:lnRef>
+      <a:fillRef idx="1">
+        <a:scrgbClr r="0" g="0" b="0"/>
+      </a:fillRef>
+      <a:effectRef idx="0">
+        <a:scrgbClr r="0" g="0" b="0"/>
+      </a:effectRef>
+      <a:fontRef idx="minor"/>
+    </dgm:style>
+  </dgm:styleLbl>
+  <dgm:styleLbl name="fgAcc4">
+    <dgm:scene3d>
+      <a:camera prst="orthographicFront"/>
+      <a:lightRig rig="threePt" dir="t"/>
+    </dgm:scene3d>
+    <dgm:sp3d/>
+    <dgm:txPr/>
+    <dgm:style>
+      <a:lnRef idx="2">
+        <a:scrgbClr r="0" g="0" b="0"/>
+      </a:lnRef>
+      <a:fillRef idx="1">
+        <a:scrgbClr r="0" g="0" b="0"/>
+      </a:fillRef>
+      <a:effectRef idx="0">
+        <a:scrgbClr r="0" g="0" b="0"/>
+      </a:effectRef>
+      <a:fontRef idx="minor"/>
+    </dgm:style>
+  </dgm:styleLbl>
+  <dgm:styleLbl name="bgShp">
+    <dgm:scene3d>
+      <a:camera prst="orthographicFront"/>
+      <a:lightRig rig="threePt" dir="t"/>
+    </dgm:scene3d>
+    <dgm:sp3d/>
+    <dgm:txPr/>
+    <dgm:style>
+      <a:lnRef idx="0">
+        <a:scrgbClr r="0" g="0" b="0"/>
+      </a:lnRef>
+      <a:fillRef idx="1">
+        <a:scrgbClr r="0" g="0" b="0"/>
+      </a:fillRef>
+      <a:effectRef idx="0">
+        <a:scrgbClr r="0" g="0" b="0"/>
+      </a:effectRef>
+      <a:fontRef idx="minor"/>
+    </dgm:style>
+  </dgm:styleLbl>
+  <dgm:styleLbl name="dkBgShp">
+    <dgm:scene3d>
+      <a:camera prst="orthographicFront"/>
+      <a:lightRig rig="threePt" dir="t"/>
+    </dgm:scene3d>
+    <dgm:sp3d/>
+    <dgm:txPr/>
+    <dgm:style>
+      <a:lnRef idx="0">
+        <a:scrgbClr r="0" g="0" b="0"/>
+      </a:lnRef>
+      <a:fillRef idx="1">
+        <a:scrgbClr r="0" g="0" b="0"/>
+      </a:fillRef>
+      <a:effectRef idx="0">
+        <a:scrgbClr r="0" g="0" b="0"/>
+      </a:effectRef>
+      <a:fontRef idx="minor"/>
+    </dgm:style>
+  </dgm:styleLbl>
+  <dgm:styleLbl name="trBgShp">
+    <dgm:scene3d>
+      <a:camera prst="orthographicFront"/>
+      <a:lightRig rig="threePt" dir="t"/>
+    </dgm:scene3d>
+    <dgm:sp3d/>
+    <dgm:txPr/>
+    <dgm:style>
+      <a:lnRef idx="0">
+        <a:scrgbClr r="0" g="0" b="0"/>
+      </a:lnRef>
+      <a:fillRef idx="1">
+        <a:scrgbClr r="0" g="0" b="0"/>
+      </a:fillRef>
+      <a:effectRef idx="0">
+        <a:scrgbClr r="0" g="0" b="0"/>
+      </a:effectRef>
+      <a:fontRef idx="minor"/>
+    </dgm:style>
+  </dgm:styleLbl>
+  <dgm:styleLbl name="fgShp">
+    <dgm:scene3d>
+      <a:camera prst="orthographicFront"/>
+      <a:lightRig rig="threePt" dir="t"/>
+    </dgm:scene3d>
+    <dgm:sp3d/>
+    <dgm:txPr/>
+    <dgm:style>
+      <a:lnRef idx="2">
+        <a:scrgbClr r="0" g="0" b="0"/>
+      </a:lnRef>
+      <a:fillRef idx="1">
+        <a:scrgbClr r="0" g="0" b="0"/>
+      </a:fillRef>
+      <a:effectRef idx="0">
+        <a:scrgbClr r="0" g="0" b="0"/>
+      </a:effectRef>
+      <a:fontRef idx="minor"/>
+    </dgm:style>
+  </dgm:styleLbl>
+  <dgm:styleLbl name="revTx">
+    <dgm:scene3d>
+      <a:camera prst="orthographicFront"/>
+      <a:lightRig rig="threePt" dir="t"/>
+    </dgm:scene3d>
+    <dgm:sp3d/>
+    <dgm:txPr/>
+    <dgm:style>
+      <a:lnRef idx="0">
+        <a:scrgbClr r="0" g="0" b="0"/>
+      </a:lnRef>
+      <a:fillRef idx="0">
+        <a:scrgbClr r="0" g="0" b="0"/>
+      </a:fillRef>
+      <a:effectRef idx="0">
+        <a:scrgbClr r="0" g="0" b="0"/>
+      </a:effectRef>
+      <a:fontRef idx="minor"/>
+    </dgm:style>
+  </dgm:styleLbl>
+</dgm:styleDef>
+</file>
+
+<file path=ppt/diagrams/quickStyle2.xml><?xml version="1.0" encoding="utf-8"?>
 <dgm:styleDef xmlns:dgm="http://schemas.openxmlformats.org/drawingml/2006/diagram" xmlns:a="http://schemas.openxmlformats.org/drawingml/2006/main" uniqueId="urn:microsoft.com/office/officeart/2005/8/quickstyle/simple1">
   <dgm:title val=""/>
   <dgm:desc val=""/>
@@ -3471,7 +7061,7 @@
           <a:p>
             <a:fld id="{8251256E-0CFA-4B3F-971C-A92B8125DE23}" type="datetimeFigureOut">
               <a:rPr lang="it-IT" smtClean="0"/>
-              <a:t>25/01/2021</a:t>
+              <a:t>30/01/2021</a:t>
             </a:fld>
             <a:endParaRPr lang="it-IT"/>
           </a:p>
@@ -3669,7 +7259,7 @@
           <a:p>
             <a:fld id="{8251256E-0CFA-4B3F-971C-A92B8125DE23}" type="datetimeFigureOut">
               <a:rPr lang="it-IT" smtClean="0"/>
-              <a:t>25/01/2021</a:t>
+              <a:t>30/01/2021</a:t>
             </a:fld>
             <a:endParaRPr lang="it-IT"/>
           </a:p>
@@ -3877,7 +7467,7 @@
           <a:p>
             <a:fld id="{8251256E-0CFA-4B3F-971C-A92B8125DE23}" type="datetimeFigureOut">
               <a:rPr lang="it-IT" smtClean="0"/>
-              <a:t>25/01/2021</a:t>
+              <a:t>30/01/2021</a:t>
             </a:fld>
             <a:endParaRPr lang="it-IT"/>
           </a:p>
@@ -4075,7 +7665,7 @@
           <a:p>
             <a:fld id="{8251256E-0CFA-4B3F-971C-A92B8125DE23}" type="datetimeFigureOut">
               <a:rPr lang="it-IT" smtClean="0"/>
-              <a:t>25/01/2021</a:t>
+              <a:t>30/01/2021</a:t>
             </a:fld>
             <a:endParaRPr lang="it-IT"/>
           </a:p>
@@ -4350,7 +7940,7 @@
           <a:p>
             <a:fld id="{8251256E-0CFA-4B3F-971C-A92B8125DE23}" type="datetimeFigureOut">
               <a:rPr lang="it-IT" smtClean="0"/>
-              <a:t>25/01/2021</a:t>
+              <a:t>30/01/2021</a:t>
             </a:fld>
             <a:endParaRPr lang="it-IT"/>
           </a:p>
@@ -4615,7 +8205,7 @@
           <a:p>
             <a:fld id="{8251256E-0CFA-4B3F-971C-A92B8125DE23}" type="datetimeFigureOut">
               <a:rPr lang="it-IT" smtClean="0"/>
-              <a:t>25/01/2021</a:t>
+              <a:t>30/01/2021</a:t>
             </a:fld>
             <a:endParaRPr lang="it-IT"/>
           </a:p>
@@ -5027,7 +8617,7 @@
           <a:p>
             <a:fld id="{8251256E-0CFA-4B3F-971C-A92B8125DE23}" type="datetimeFigureOut">
               <a:rPr lang="it-IT" smtClean="0"/>
-              <a:t>25/01/2021</a:t>
+              <a:t>30/01/2021</a:t>
             </a:fld>
             <a:endParaRPr lang="it-IT"/>
           </a:p>
@@ -5168,7 +8758,7 @@
           <a:p>
             <a:fld id="{8251256E-0CFA-4B3F-971C-A92B8125DE23}" type="datetimeFigureOut">
               <a:rPr lang="it-IT" smtClean="0"/>
-              <a:t>25/01/2021</a:t>
+              <a:t>30/01/2021</a:t>
             </a:fld>
             <a:endParaRPr lang="it-IT"/>
           </a:p>
@@ -5281,7 +8871,7 @@
           <a:p>
             <a:fld id="{8251256E-0CFA-4B3F-971C-A92B8125DE23}" type="datetimeFigureOut">
               <a:rPr lang="it-IT" smtClean="0"/>
-              <a:t>25/01/2021</a:t>
+              <a:t>30/01/2021</a:t>
             </a:fld>
             <a:endParaRPr lang="it-IT"/>
           </a:p>
@@ -5592,7 +9182,7 @@
           <a:p>
             <a:fld id="{8251256E-0CFA-4B3F-971C-A92B8125DE23}" type="datetimeFigureOut">
               <a:rPr lang="it-IT" smtClean="0"/>
-              <a:t>25/01/2021</a:t>
+              <a:t>30/01/2021</a:t>
             </a:fld>
             <a:endParaRPr lang="it-IT"/>
           </a:p>
@@ -5880,7 +9470,7 @@
           <a:p>
             <a:fld id="{8251256E-0CFA-4B3F-971C-A92B8125DE23}" type="datetimeFigureOut">
               <a:rPr lang="it-IT" smtClean="0"/>
-              <a:t>25/01/2021</a:t>
+              <a:t>30/01/2021</a:t>
             </a:fld>
             <a:endParaRPr lang="it-IT"/>
           </a:p>
@@ -6121,7 +9711,7 @@
           <a:p>
             <a:fld id="{8251256E-0CFA-4B3F-971C-A92B8125DE23}" type="datetimeFigureOut">
               <a:rPr lang="it-IT" smtClean="0"/>
-              <a:t>25/01/2021</a:t>
+              <a:t>30/01/2021</a:t>
             </a:fld>
             <a:endParaRPr lang="it-IT"/>
           </a:p>
@@ -6690,6 +10280,171 @@
           <p:cNvPr id="4" name="Titolo 1">
             <a:extLst>
               <a:ext uri="{FF2B5EF4-FFF2-40B4-BE49-F238E27FC236}">
+                <a16:creationId xmlns:a16="http://schemas.microsoft.com/office/drawing/2014/main" id="{E4027167-2897-4B18-B6A3-C7F748699034}"/>
+              </a:ext>
+            </a:extLst>
+          </p:cNvPr>
+          <p:cNvSpPr txBox="1">
+            <a:spLocks/>
+          </p:cNvSpPr>
+          <p:nvPr/>
+        </p:nvSpPr>
+        <p:spPr>
+          <a:xfrm>
+            <a:off x="0" y="-28136"/>
+            <a:ext cx="12192000" cy="1424783"/>
+          </a:xfrm>
+          <a:prstGeom prst="rect">
+            <a:avLst/>
+          </a:prstGeom>
+          <a:solidFill>
+            <a:srgbClr val="09C5A8"/>
+          </a:solidFill>
+        </p:spPr>
+        <p:txBody>
+          <a:bodyPr vert="horz" lIns="91440" tIns="45720" rIns="91440" bIns="45720" rtlCol="0" anchor="ctr">
+            <a:normAutofit/>
+          </a:bodyPr>
+          <a:lstStyle>
+            <a:lvl1pPr algn="l" defTabSz="914400" rtl="0" eaLnBrk="1" latinLnBrk="0" hangingPunct="1">
+              <a:lnSpc>
+                <a:spcPct val="90000"/>
+              </a:lnSpc>
+              <a:spcBef>
+                <a:spcPct val="0"/>
+              </a:spcBef>
+              <a:buNone/>
+              <a:defRPr sz="4400" kern="1200">
+                <a:solidFill>
+                  <a:schemeClr val="tx1"/>
+                </a:solidFill>
+                <a:latin typeface="+mj-lt"/>
+                <a:ea typeface="+mj-ea"/>
+                <a:cs typeface="+mj-cs"/>
+              </a:defRPr>
+            </a:lvl1pPr>
+          </a:lstStyle>
+          <a:p>
+            <a:pPr marL="0" marR="0" lvl="0" indent="0" algn="ctr" defTabSz="914400" rtl="0" eaLnBrk="1" fontAlgn="auto" latinLnBrk="0" hangingPunct="1">
+              <a:lnSpc>
+                <a:spcPct val="90000"/>
+              </a:lnSpc>
+              <a:spcBef>
+                <a:spcPct val="0"/>
+              </a:spcBef>
+              <a:spcAft>
+                <a:spcPts val="0"/>
+              </a:spcAft>
+              <a:buClrTx/>
+              <a:buSzTx/>
+              <a:buFontTx/>
+              <a:buNone/>
+              <a:tabLst/>
+              <a:defRPr/>
+            </a:pPr>
+            <a:r>
+              <a:rPr kumimoji="0" lang="it-IT" sz="5400" b="0" i="0" u="none" strike="noStrike" kern="1200" cap="none" spc="0" normalizeH="0" baseline="0" noProof="0" dirty="0">
+                <a:ln>
+                  <a:noFill/>
+                </a:ln>
+                <a:solidFill>
+                  <a:prstClr val="white"/>
+                </a:solidFill>
+                <a:effectLst/>
+                <a:uLnTx/>
+                <a:uFillTx/>
+                <a:latin typeface="Arial Rounded MT Bold" panose="020F0704030504030204" pitchFamily="34" charset="0"/>
+                <a:ea typeface="+mj-ea"/>
+                <a:cs typeface="+mj-cs"/>
+              </a:rPr>
+              <a:t>Design Pattern: Singleton</a:t>
+            </a:r>
+          </a:p>
+        </p:txBody>
+      </p:sp>
+      <p:pic>
+        <p:nvPicPr>
+          <p:cNvPr id="14" name="Immagine 13" descr="Immagine che contiene testo&#10;&#10;Descrizione generata automaticamente">
+            <a:extLst>
+              <a:ext uri="{FF2B5EF4-FFF2-40B4-BE49-F238E27FC236}">
+                <a16:creationId xmlns:a16="http://schemas.microsoft.com/office/drawing/2014/main" id="{EA73B30F-AED3-406C-9E44-AB9A36E813DA}"/>
+              </a:ext>
+            </a:extLst>
+          </p:cNvPr>
+          <p:cNvPicPr>
+            <a:picLocks noChangeAspect="1"/>
+          </p:cNvPicPr>
+          <p:nvPr/>
+        </p:nvPicPr>
+        <p:blipFill>
+          <a:blip r:embed="rId2">
+            <a:extLst>
+              <a:ext uri="{28A0092B-C50C-407E-A947-70E740481C1C}">
+                <a14:useLocalDpi xmlns:a14="http://schemas.microsoft.com/office/drawing/2010/main" val="0"/>
+              </a:ext>
+            </a:extLst>
+          </a:blip>
+          <a:stretch>
+            <a:fillRect/>
+          </a:stretch>
+        </p:blipFill>
+        <p:spPr>
+          <a:xfrm>
+            <a:off x="4853251" y="2046691"/>
+            <a:ext cx="2485498" cy="2764618"/>
+          </a:xfrm>
+          <a:prstGeom prst="rect">
+            <a:avLst/>
+          </a:prstGeom>
+        </p:spPr>
+      </p:pic>
+    </p:spTree>
+    <p:extLst>
+      <p:ext uri="{BB962C8B-B14F-4D97-AF65-F5344CB8AC3E}">
+        <p14:creationId xmlns:p14="http://schemas.microsoft.com/office/powerpoint/2010/main" val="4171776423"/>
+      </p:ext>
+    </p:extLst>
+  </p:cSld>
+  <p:clrMapOvr>
+    <a:masterClrMapping/>
+  </p:clrMapOvr>
+  <mc:AlternateContent xmlns:mc="http://schemas.openxmlformats.org/markup-compatibility/2006" xmlns:p14="http://schemas.microsoft.com/office/powerpoint/2010/main">
+    <mc:Choice Requires="p14">
+      <p:transition spd="med" p14:dur="700">
+        <p:fade/>
+      </p:transition>
+    </mc:Choice>
+    <mc:Fallback xmlns="">
+      <p:transition spd="med">
+        <p:fade/>
+      </p:transition>
+    </mc:Fallback>
+  </mc:AlternateContent>
+</p:sld>
+</file>
+
+<file path=ppt/slides/slide11.xml><?xml version="1.0" encoding="utf-8"?>
+<p:sld xmlns:a="http://schemas.openxmlformats.org/drawingml/2006/main" xmlns:r="http://schemas.openxmlformats.org/officeDocument/2006/relationships" xmlns:p="http://schemas.openxmlformats.org/presentationml/2006/main">
+  <p:cSld>
+    <p:spTree>
+      <p:nvGrpSpPr>
+        <p:cNvPr id="1" name=""/>
+        <p:cNvGrpSpPr/>
+        <p:nvPr/>
+      </p:nvGrpSpPr>
+      <p:grpSpPr>
+        <a:xfrm>
+          <a:off x="0" y="0"/>
+          <a:ext cx="0" cy="0"/>
+          <a:chOff x="0" y="0"/>
+          <a:chExt cx="0" cy="0"/>
+        </a:xfrm>
+      </p:grpSpPr>
+      <p:sp>
+        <p:nvSpPr>
+          <p:cNvPr id="4" name="Titolo 1">
+            <a:extLst>
+              <a:ext uri="{FF2B5EF4-FFF2-40B4-BE49-F238E27FC236}">
                 <a16:creationId xmlns:a16="http://schemas.microsoft.com/office/drawing/2014/main" id="{5E5A1997-27F8-405E-BD42-F757C392EBF2}"/>
               </a:ext>
             </a:extLst>
@@ -6866,13 +10621,13 @@
   <p:clrMapOvr>
     <a:masterClrMapping/>
   </p:clrMapOvr>
-  <mc:AlternateContent xmlns:mc="http://schemas.openxmlformats.org/markup-compatibility/2006">
-    <mc:Choice xmlns:p14="http://schemas.microsoft.com/office/powerpoint/2010/main" Requires="p14">
+  <mc:AlternateContent xmlns:mc="http://schemas.openxmlformats.org/markup-compatibility/2006" xmlns:p14="http://schemas.microsoft.com/office/powerpoint/2010/main">
+    <mc:Choice Requires="p14">
       <p:transition spd="med" p14:dur="700">
         <p:fade/>
       </p:transition>
     </mc:Choice>
-    <mc:Fallback>
+    <mc:Fallback xmlns="">
       <p:transition spd="med">
         <p:fade/>
       </p:transition>
@@ -6881,7 +10636,7 @@
 </p:sld>
 </file>
 
-<file path=ppt/slides/slide11.xml><?xml version="1.0" encoding="utf-8"?>
+<file path=ppt/slides/slide12.xml><?xml version="1.0" encoding="utf-8"?>
 <p:sld xmlns:a="http://schemas.openxmlformats.org/drawingml/2006/main" xmlns:r="http://schemas.openxmlformats.org/officeDocument/2006/relationships" xmlns:p="http://schemas.openxmlformats.org/presentationml/2006/main">
   <p:cSld>
     <p:spTree>
@@ -7031,13 +10786,13 @@
   <p:clrMapOvr>
     <a:masterClrMapping/>
   </p:clrMapOvr>
-  <mc:AlternateContent xmlns:mc="http://schemas.openxmlformats.org/markup-compatibility/2006">
-    <mc:Choice xmlns:p14="http://schemas.microsoft.com/office/powerpoint/2010/main" Requires="p14">
+  <mc:AlternateContent xmlns:mc="http://schemas.openxmlformats.org/markup-compatibility/2006" xmlns:p14="http://schemas.microsoft.com/office/powerpoint/2010/main">
+    <mc:Choice Requires="p14">
       <p:transition spd="med" p14:dur="700">
         <p:fade/>
       </p:transition>
     </mc:Choice>
-    <mc:Fallback>
+    <mc:Fallback xmlns="">
       <p:transition spd="med">
         <p:fade/>
       </p:transition>
@@ -7046,7 +10801,7 @@
 </p:sld>
 </file>
 
-<file path=ppt/slides/slide12.xml><?xml version="1.0" encoding="utf-8"?>
+<file path=ppt/slides/slide13.xml><?xml version="1.0" encoding="utf-8"?>
 <p:sld xmlns:a="http://schemas.openxmlformats.org/drawingml/2006/main" xmlns:r="http://schemas.openxmlformats.org/officeDocument/2006/relationships" xmlns:p="http://schemas.openxmlformats.org/presentationml/2006/main">
   <p:cSld>
     <p:spTree>
@@ -7255,13 +11010,13 @@
   <p:clrMapOvr>
     <a:masterClrMapping/>
   </p:clrMapOvr>
-  <mc:AlternateContent xmlns:mc="http://schemas.openxmlformats.org/markup-compatibility/2006">
-    <mc:Choice xmlns:p14="http://schemas.microsoft.com/office/powerpoint/2010/main" Requires="p14">
+  <mc:AlternateContent xmlns:mc="http://schemas.openxmlformats.org/markup-compatibility/2006" xmlns:p14="http://schemas.microsoft.com/office/powerpoint/2010/main">
+    <mc:Choice Requires="p14">
       <p:transition spd="med" p14:dur="700">
         <p:fade/>
       </p:transition>
     </mc:Choice>
-    <mc:Fallback>
+    <mc:Fallback xmlns="">
       <p:transition spd="med">
         <p:fade/>
       </p:transition>
@@ -7270,7 +11025,7 @@
 </p:sld>
 </file>
 
-<file path=ppt/slides/slide13.xml><?xml version="1.0" encoding="utf-8"?>
+<file path=ppt/slides/slide14.xml><?xml version="1.0" encoding="utf-8"?>
 <p:sld xmlns:a="http://schemas.openxmlformats.org/drawingml/2006/main" xmlns:r="http://schemas.openxmlformats.org/officeDocument/2006/relationships" xmlns:p="http://schemas.openxmlformats.org/presentationml/2006/main">
   <p:cSld>
     <p:bg>
@@ -7370,13 +11125,13 @@
   <p:clrMapOvr>
     <a:masterClrMapping/>
   </p:clrMapOvr>
-  <mc:AlternateContent xmlns:mc="http://schemas.openxmlformats.org/markup-compatibility/2006">
-    <mc:Choice xmlns:p14="http://schemas.microsoft.com/office/powerpoint/2010/main" Requires="p14">
+  <mc:AlternateContent xmlns:mc="http://schemas.openxmlformats.org/markup-compatibility/2006" xmlns:p14="http://schemas.microsoft.com/office/powerpoint/2010/main">
+    <mc:Choice Requires="p14">
       <p:transition spd="med" p14:dur="700">
         <p:fade/>
       </p:transition>
     </mc:Choice>
-    <mc:Fallback>
+    <mc:Fallback xmlns="">
       <p:transition spd="med">
         <p:fade/>
       </p:transition>
@@ -7385,7 +11140,7 @@
 </p:sld>
 </file>
 
-<file path=ppt/slides/slide14.xml><?xml version="1.0" encoding="utf-8"?>
+<file path=ppt/slides/slide15.xml><?xml version="1.0" encoding="utf-8"?>
 <p:sld xmlns:a="http://schemas.openxmlformats.org/drawingml/2006/main" xmlns:r="http://schemas.openxmlformats.org/officeDocument/2006/relationships" xmlns:p="http://schemas.openxmlformats.org/presentationml/2006/main" show="0">
   <p:cSld>
     <p:spTree>
@@ -7553,7 +11308,7 @@
 </p:sld>
 </file>
 
-<file path=ppt/slides/slide15.xml><?xml version="1.0" encoding="utf-8"?>
+<file path=ppt/slides/slide16.xml><?xml version="1.0" encoding="utf-8"?>
 <p:sld xmlns:a="http://schemas.openxmlformats.org/drawingml/2006/main" xmlns:r="http://schemas.openxmlformats.org/officeDocument/2006/relationships" xmlns:p="http://schemas.openxmlformats.org/presentationml/2006/main" show="0">
   <p:cSld>
     <p:spTree>
@@ -7721,7 +11476,7 @@
 </p:sld>
 </file>
 
-<file path=ppt/slides/slide16.xml><?xml version="1.0" encoding="utf-8"?>
+<file path=ppt/slides/slide17.xml><?xml version="1.0" encoding="utf-8"?>
 <p:sld xmlns:a="http://schemas.openxmlformats.org/drawingml/2006/main" xmlns:r="http://schemas.openxmlformats.org/officeDocument/2006/relationships" xmlns:p="http://schemas.openxmlformats.org/presentationml/2006/main" show="0">
   <p:cSld>
     <p:spTree>
@@ -9846,13 +13601,13 @@
   <p:clrMapOvr>
     <a:masterClrMapping/>
   </p:clrMapOvr>
-  <mc:AlternateContent xmlns:mc="http://schemas.openxmlformats.org/markup-compatibility/2006">
-    <mc:Choice xmlns:p14="http://schemas.microsoft.com/office/powerpoint/2010/main" Requires="p14">
+  <mc:AlternateContent xmlns:mc="http://schemas.openxmlformats.org/markup-compatibility/2006" xmlns:p14="http://schemas.microsoft.com/office/powerpoint/2010/main">
+    <mc:Choice Requires="p14">
       <p:transition spd="med" p14:dur="700">
         <p:fade/>
       </p:transition>
     </mc:Choice>
-    <mc:Fallback>
+    <mc:Fallback xmlns="">
       <p:transition spd="med">
         <p:fade/>
       </p:transition>
@@ -35199,7 +38954,7 @@
           <p:nvPr>
             <p:extLst>
               <p:ext uri="{D42A27DB-BD31-4B8C-83A1-F6EECF244321}">
-                <p14:modId xmlns:p14="http://schemas.microsoft.com/office/powerpoint/2010/main" val="2624813014"/>
+                <p14:modId xmlns:p14="http://schemas.microsoft.com/office/powerpoint/2010/main" val="1125553826"/>
               </p:ext>
             </p:extLst>
           </p:nvPr>
@@ -35530,36 +39285,6 @@
       </p:pic>
       <p:pic>
         <p:nvPicPr>
-          <p:cNvPr id="11" name="Immagine 10">
-            <a:extLst>
-              <a:ext uri="{FF2B5EF4-FFF2-40B4-BE49-F238E27FC236}">
-                <a16:creationId xmlns:a16="http://schemas.microsoft.com/office/drawing/2014/main" id="{534DE887-C42F-46E5-8625-416C10D0762E}"/>
-              </a:ext>
-            </a:extLst>
-          </p:cNvPr>
-          <p:cNvPicPr>
-            <a:picLocks noChangeAspect="1"/>
-          </p:cNvPicPr>
-          <p:nvPr/>
-        </p:nvPicPr>
-        <p:blipFill>
-          <a:blip r:embed="rId12"/>
-          <a:stretch>
-            <a:fillRect/>
-          </a:stretch>
-        </p:blipFill>
-        <p:spPr>
-          <a:xfrm>
-            <a:off x="6450568" y="1767018"/>
-            <a:ext cx="951567" cy="951567"/>
-          </a:xfrm>
-          <a:prstGeom prst="rect">
-            <a:avLst/>
-          </a:prstGeom>
-        </p:spPr>
-      </p:pic>
-      <p:pic>
-        <p:nvPicPr>
           <p:cNvPr id="12" name="Immagine 11" descr="Immagine che contiene disegnando, segnale&#10;&#10;Descrizione generata automaticamente">
             <a:extLst>
               <a:ext uri="{FF2B5EF4-FFF2-40B4-BE49-F238E27FC236}">
@@ -35573,7 +39298,7 @@
           <p:nvPr/>
         </p:nvPicPr>
         <p:blipFill>
-          <a:blip r:embed="rId13"/>
+          <a:blip r:embed="rId12"/>
           <a:stretch>
             <a:fillRect/>
           </a:stretch>
@@ -35610,7 +39335,7 @@
           <p:nvPr/>
         </p:nvPicPr>
         <p:blipFill>
-          <a:blip r:embed="rId14">
+          <a:blip r:embed="rId13">
             <a:extLst>
               <a:ext uri="{28A0092B-C50C-407E-A947-70E740481C1C}">
                 <a14:useLocalDpi xmlns:a14="http://schemas.microsoft.com/office/drawing/2010/main" val="0"/>
@@ -35631,10 +39356,415 @@
           </a:prstGeom>
         </p:spPr>
       </p:pic>
+      <p:sp>
+        <p:nvSpPr>
+          <p:cNvPr id="2" name="Esagono 1">
+            <a:extLst>
+              <a:ext uri="{FF2B5EF4-FFF2-40B4-BE49-F238E27FC236}">
+                <a16:creationId xmlns:a16="http://schemas.microsoft.com/office/drawing/2014/main" id="{589B0B48-1629-429B-B03C-9C3FDEFCD423}"/>
+              </a:ext>
+            </a:extLst>
+          </p:cNvPr>
+          <p:cNvSpPr/>
+          <p:nvPr/>
+        </p:nvSpPr>
+        <p:spPr>
+          <a:xfrm rot="5400000">
+            <a:off x="3657600" y="3052689"/>
+            <a:ext cx="1676522" cy="1424783"/>
+          </a:xfrm>
+          <a:prstGeom prst="hexagon">
+            <a:avLst/>
+          </a:prstGeom>
+          <a:solidFill>
+            <a:srgbClr val="E7E6E6"/>
+          </a:solidFill>
+          <a:ln>
+            <a:solidFill>
+              <a:srgbClr val="E7E6E6"/>
+            </a:solidFill>
+          </a:ln>
+        </p:spPr>
+        <p:style>
+          <a:lnRef idx="2">
+            <a:schemeClr val="accent1">
+              <a:shade val="50000"/>
+            </a:schemeClr>
+          </a:lnRef>
+          <a:fillRef idx="1">
+            <a:schemeClr val="accent1"/>
+          </a:fillRef>
+          <a:effectRef idx="0">
+            <a:schemeClr val="accent1"/>
+          </a:effectRef>
+          <a:fontRef idx="minor">
+            <a:schemeClr val="lt1"/>
+          </a:fontRef>
+        </p:style>
+        <p:txBody>
+          <a:bodyPr rtlCol="0" anchor="ctr"/>
+          <a:lstStyle/>
+          <a:p>
+            <a:pPr algn="ctr"/>
+            <a:endParaRPr lang="it-IT"/>
+          </a:p>
+        </p:txBody>
+      </p:sp>
+      <p:pic>
+        <p:nvPicPr>
+          <p:cNvPr id="10" name="Immagine 9" descr="Immagine che contiene freccia&#10;&#10;Descrizione generata automaticamente">
+            <a:extLst>
+              <a:ext uri="{FF2B5EF4-FFF2-40B4-BE49-F238E27FC236}">
+                <a16:creationId xmlns:a16="http://schemas.microsoft.com/office/drawing/2014/main" id="{2CB32FAB-16E5-4E0F-8AD3-145F3417F0FD}"/>
+              </a:ext>
+            </a:extLst>
+          </p:cNvPr>
+          <p:cNvPicPr>
+            <a:picLocks noChangeAspect="1"/>
+          </p:cNvPicPr>
+          <p:nvPr/>
+        </p:nvPicPr>
+        <p:blipFill>
+          <a:blip r:embed="rId14">
+            <a:extLst>
+              <a:ext uri="{28A0092B-C50C-407E-A947-70E740481C1C}">
+                <a14:useLocalDpi xmlns:a14="http://schemas.microsoft.com/office/drawing/2010/main" val="0"/>
+              </a:ext>
+            </a:extLst>
+          </a:blip>
+          <a:stretch>
+            <a:fillRect/>
+          </a:stretch>
+        </p:blipFill>
+        <p:spPr>
+          <a:xfrm>
+            <a:off x="3816015" y="3045890"/>
+            <a:ext cx="1312120" cy="1312120"/>
+          </a:xfrm>
+          <a:prstGeom prst="rect">
+            <a:avLst/>
+          </a:prstGeom>
+        </p:spPr>
+      </p:pic>
+      <p:pic>
+        <p:nvPicPr>
+          <p:cNvPr id="14" name="Immagine 13" descr="Immagine che contiene testo, segnale&#10;&#10;Descrizione generata automaticamente">
+            <a:extLst>
+              <a:ext uri="{FF2B5EF4-FFF2-40B4-BE49-F238E27FC236}">
+                <a16:creationId xmlns:a16="http://schemas.microsoft.com/office/drawing/2014/main" id="{BD588055-1DFA-4B6F-85D8-7242C5D41F76}"/>
+              </a:ext>
+            </a:extLst>
+          </p:cNvPr>
+          <p:cNvPicPr>
+            <a:picLocks noChangeAspect="1"/>
+          </p:cNvPicPr>
+          <p:nvPr/>
+        </p:nvPicPr>
+        <p:blipFill>
+          <a:blip r:embed="rId15">
+            <a:extLst>
+              <a:ext uri="{28A0092B-C50C-407E-A947-70E740481C1C}">
+                <a14:useLocalDpi xmlns:a14="http://schemas.microsoft.com/office/drawing/2010/main" val="0"/>
+              </a:ext>
+            </a:extLst>
+          </a:blip>
+          <a:stretch>
+            <a:fillRect/>
+          </a:stretch>
+        </p:blipFill>
+        <p:spPr>
+          <a:xfrm>
+            <a:off x="6274495" y="1646368"/>
+            <a:ext cx="1259252" cy="1259252"/>
+          </a:xfrm>
+          <a:prstGeom prst="rect">
+            <a:avLst/>
+          </a:prstGeom>
+        </p:spPr>
+      </p:pic>
     </p:spTree>
     <p:extLst>
       <p:ext uri="{BB962C8B-B14F-4D97-AF65-F5344CB8AC3E}">
         <p14:creationId xmlns:p14="http://schemas.microsoft.com/office/powerpoint/2010/main" val="2045277949"/>
+      </p:ext>
+    </p:extLst>
+  </p:cSld>
+  <p:clrMapOvr>
+    <a:masterClrMapping/>
+  </p:clrMapOvr>
+  <mc:AlternateContent xmlns:mc="http://schemas.openxmlformats.org/markup-compatibility/2006" xmlns:p14="http://schemas.microsoft.com/office/powerpoint/2010/main">
+    <mc:Choice Requires="p14">
+      <p:transition spd="med" p14:dur="700">
+        <p:fade/>
+      </p:transition>
+    </mc:Choice>
+    <mc:Fallback xmlns="">
+      <p:transition spd="med">
+        <p:fade/>
+      </p:transition>
+    </mc:Fallback>
+  </mc:AlternateContent>
+</p:sld>
+</file>
+
+<file path=ppt/slides/slide7.xml><?xml version="1.0" encoding="utf-8"?>
+<p:sld xmlns:a="http://schemas.openxmlformats.org/drawingml/2006/main" xmlns:r="http://schemas.openxmlformats.org/officeDocument/2006/relationships" xmlns:p="http://schemas.openxmlformats.org/presentationml/2006/main">
+  <p:cSld>
+    <p:spTree>
+      <p:nvGrpSpPr>
+        <p:cNvPr id="1" name=""/>
+        <p:cNvGrpSpPr/>
+        <p:nvPr/>
+      </p:nvGrpSpPr>
+      <p:grpSpPr>
+        <a:xfrm>
+          <a:off x="0" y="0"/>
+          <a:ext cx="0" cy="0"/>
+          <a:chOff x="0" y="0"/>
+          <a:chExt cx="0" cy="0"/>
+        </a:xfrm>
+      </p:grpSpPr>
+      <p:sp>
+        <p:nvSpPr>
+          <p:cNvPr id="4" name="Titolo 1">
+            <a:extLst>
+              <a:ext uri="{FF2B5EF4-FFF2-40B4-BE49-F238E27FC236}">
+                <a16:creationId xmlns:a16="http://schemas.microsoft.com/office/drawing/2014/main" id="{600EDADE-D6C2-4FAD-A594-5EE00BD6689B}"/>
+              </a:ext>
+            </a:extLst>
+          </p:cNvPr>
+          <p:cNvSpPr txBox="1">
+            <a:spLocks/>
+          </p:cNvSpPr>
+          <p:nvPr/>
+        </p:nvSpPr>
+        <p:spPr>
+          <a:xfrm>
+            <a:off x="0" y="-28136"/>
+            <a:ext cx="12192000" cy="1424783"/>
+          </a:xfrm>
+          <a:prstGeom prst="rect">
+            <a:avLst/>
+          </a:prstGeom>
+          <a:solidFill>
+            <a:srgbClr val="09C5A8"/>
+          </a:solidFill>
+        </p:spPr>
+        <p:txBody>
+          <a:bodyPr vert="horz" lIns="91440" tIns="45720" rIns="91440" bIns="45720" rtlCol="0" anchor="ctr">
+            <a:normAutofit/>
+          </a:bodyPr>
+          <a:lstStyle>
+            <a:lvl1pPr algn="l" defTabSz="914400" rtl="0" eaLnBrk="1" latinLnBrk="0" hangingPunct="1">
+              <a:lnSpc>
+                <a:spcPct val="90000"/>
+              </a:lnSpc>
+              <a:spcBef>
+                <a:spcPct val="0"/>
+              </a:spcBef>
+              <a:buNone/>
+              <a:defRPr sz="4400" kern="1200">
+                <a:solidFill>
+                  <a:schemeClr val="tx1"/>
+                </a:solidFill>
+                <a:latin typeface="+mj-lt"/>
+                <a:ea typeface="+mj-ea"/>
+                <a:cs typeface="+mj-cs"/>
+              </a:defRPr>
+            </a:lvl1pPr>
+          </a:lstStyle>
+          <a:p>
+            <a:pPr marL="0" marR="0" lvl="0" indent="0" algn="ctr" defTabSz="914400" rtl="0" eaLnBrk="1" fontAlgn="auto" latinLnBrk="0" hangingPunct="1">
+              <a:lnSpc>
+                <a:spcPct val="90000"/>
+              </a:lnSpc>
+              <a:spcBef>
+                <a:spcPct val="0"/>
+              </a:spcBef>
+              <a:spcAft>
+                <a:spcPts val="0"/>
+              </a:spcAft>
+              <a:buClrTx/>
+              <a:buSzTx/>
+              <a:buFontTx/>
+              <a:buNone/>
+              <a:tabLst/>
+              <a:defRPr/>
+            </a:pPr>
+            <a:r>
+              <a:rPr kumimoji="0" lang="it-IT" sz="5400" b="0" i="0" u="none" strike="noStrike" kern="1200" cap="none" spc="0" normalizeH="0" baseline="0" noProof="0">
+                <a:ln>
+                  <a:noFill/>
+                </a:ln>
+                <a:solidFill>
+                  <a:prstClr val="white"/>
+                </a:solidFill>
+                <a:effectLst/>
+                <a:uLnTx/>
+                <a:uFillTx/>
+                <a:latin typeface="Arial Rounded MT Bold" panose="020F0704030504030204" pitchFamily="34" charset="0"/>
+                <a:ea typeface="+mj-ea"/>
+                <a:cs typeface="+mj-cs"/>
+              </a:rPr>
+              <a:t>Strumenti utilizzati</a:t>
+            </a:r>
+            <a:endParaRPr kumimoji="0" lang="it-IT" sz="5400" b="0" i="0" u="none" strike="noStrike" kern="1200" cap="none" spc="0" normalizeH="0" baseline="0" noProof="0" dirty="0">
+              <a:ln>
+                <a:noFill/>
+              </a:ln>
+              <a:solidFill>
+                <a:prstClr val="white"/>
+              </a:solidFill>
+              <a:effectLst/>
+              <a:uLnTx/>
+              <a:uFillTx/>
+              <a:latin typeface="Arial Rounded MT Bold" panose="020F0704030504030204" pitchFamily="34" charset="0"/>
+              <a:ea typeface="+mj-ea"/>
+              <a:cs typeface="+mj-cs"/>
+            </a:endParaRPr>
+          </a:p>
+        </p:txBody>
+      </p:sp>
+      <p:graphicFrame>
+        <p:nvGraphicFramePr>
+          <p:cNvPr id="5" name="Diagramma 4">
+            <a:extLst>
+              <a:ext uri="{FF2B5EF4-FFF2-40B4-BE49-F238E27FC236}">
+                <a16:creationId xmlns:a16="http://schemas.microsoft.com/office/drawing/2014/main" id="{C036B6DC-3424-4A04-AE62-A85F8EEBCD21}"/>
+              </a:ext>
+            </a:extLst>
+          </p:cNvPr>
+          <p:cNvGraphicFramePr/>
+          <p:nvPr>
+            <p:extLst>
+              <p:ext uri="{D42A27DB-BD31-4B8C-83A1-F6EECF244321}">
+                <p14:modId xmlns:p14="http://schemas.microsoft.com/office/powerpoint/2010/main" val="3288142291"/>
+              </p:ext>
+            </p:extLst>
+          </p:nvPr>
+        </p:nvGraphicFramePr>
+        <p:xfrm>
+          <a:off x="2032000" y="1115776"/>
+          <a:ext cx="8128000" cy="5418667"/>
+        </p:xfrm>
+        <a:graphic>
+          <a:graphicData uri="http://schemas.openxmlformats.org/drawingml/2006/diagram">
+            <dgm:relIds xmlns:dgm="http://schemas.openxmlformats.org/drawingml/2006/diagram" xmlns:r="http://schemas.openxmlformats.org/officeDocument/2006/relationships" r:dm="rId2" r:lo="rId3" r:qs="rId4" r:cs="rId5"/>
+          </a:graphicData>
+        </a:graphic>
+      </p:graphicFrame>
+      <p:pic>
+        <p:nvPicPr>
+          <p:cNvPr id="13" name="Immagine 12">
+            <a:extLst>
+              <a:ext uri="{FF2B5EF4-FFF2-40B4-BE49-F238E27FC236}">
+                <a16:creationId xmlns:a16="http://schemas.microsoft.com/office/drawing/2014/main" id="{21724826-195B-4DFE-84E6-798A369C3ECC}"/>
+              </a:ext>
+            </a:extLst>
+          </p:cNvPr>
+          <p:cNvPicPr>
+            <a:picLocks noChangeAspect="1"/>
+          </p:cNvPicPr>
+          <p:nvPr/>
+        </p:nvPicPr>
+        <p:blipFill>
+          <a:blip r:embed="rId7">
+            <a:extLst>
+              <a:ext uri="{28A0092B-C50C-407E-A947-70E740481C1C}">
+                <a14:useLocalDpi xmlns:a14="http://schemas.microsoft.com/office/drawing/2010/main" val="0"/>
+              </a:ext>
+            </a:extLst>
+          </a:blip>
+          <a:stretch>
+            <a:fillRect/>
+          </a:stretch>
+        </p:blipFill>
+        <p:spPr>
+          <a:xfrm>
+            <a:off x="3893575" y="2236941"/>
+            <a:ext cx="2079523" cy="1728603"/>
+          </a:xfrm>
+          <a:prstGeom prst="rect">
+            <a:avLst/>
+          </a:prstGeom>
+        </p:spPr>
+      </p:pic>
+      <p:pic>
+        <p:nvPicPr>
+          <p:cNvPr id="15" name="Immagine 14">
+            <a:extLst>
+              <a:ext uri="{FF2B5EF4-FFF2-40B4-BE49-F238E27FC236}">
+                <a16:creationId xmlns:a16="http://schemas.microsoft.com/office/drawing/2014/main" id="{98F9D2A0-FA74-4AF7-9917-40B7DA73156B}"/>
+              </a:ext>
+            </a:extLst>
+          </p:cNvPr>
+          <p:cNvPicPr>
+            <a:picLocks noChangeAspect="1"/>
+          </p:cNvPicPr>
+          <p:nvPr/>
+        </p:nvPicPr>
+        <p:blipFill>
+          <a:blip r:embed="rId8">
+            <a:extLst>
+              <a:ext uri="{28A0092B-C50C-407E-A947-70E740481C1C}">
+                <a14:useLocalDpi xmlns:a14="http://schemas.microsoft.com/office/drawing/2010/main" val="0"/>
+              </a:ext>
+            </a:extLst>
+          </a:blip>
+          <a:stretch>
+            <a:fillRect/>
+          </a:stretch>
+        </p:blipFill>
+        <p:spPr>
+          <a:xfrm>
+            <a:off x="5013531" y="4576808"/>
+            <a:ext cx="1919134" cy="1228246"/>
+          </a:xfrm>
+          <a:prstGeom prst="rect">
+            <a:avLst/>
+          </a:prstGeom>
+        </p:spPr>
+      </p:pic>
+      <p:pic>
+        <p:nvPicPr>
+          <p:cNvPr id="19" name="Immagine 18">
+            <a:extLst>
+              <a:ext uri="{FF2B5EF4-FFF2-40B4-BE49-F238E27FC236}">
+                <a16:creationId xmlns:a16="http://schemas.microsoft.com/office/drawing/2014/main" id="{76CB4133-6613-4545-98AA-DC41339DE4B6}"/>
+              </a:ext>
+            </a:extLst>
+          </p:cNvPr>
+          <p:cNvPicPr>
+            <a:picLocks noChangeAspect="1"/>
+          </p:cNvPicPr>
+          <p:nvPr/>
+        </p:nvPicPr>
+        <p:blipFill>
+          <a:blip r:embed="rId9">
+            <a:extLst>
+              <a:ext uri="{28A0092B-C50C-407E-A947-70E740481C1C}">
+                <a14:useLocalDpi xmlns:a14="http://schemas.microsoft.com/office/drawing/2010/main" val="0"/>
+              </a:ext>
+            </a:extLst>
+          </a:blip>
+          <a:stretch>
+            <a:fillRect/>
+          </a:stretch>
+        </p:blipFill>
+        <p:spPr>
+          <a:xfrm>
+            <a:off x="5973098" y="3086791"/>
+            <a:ext cx="2186052" cy="684418"/>
+          </a:xfrm>
+          <a:prstGeom prst="rect">
+            <a:avLst/>
+          </a:prstGeom>
+        </p:spPr>
+      </p:pic>
+    </p:spTree>
+    <p:extLst>
+      <p:ext uri="{BB962C8B-B14F-4D97-AF65-F5344CB8AC3E}">
+        <p14:creationId xmlns:p14="http://schemas.microsoft.com/office/powerpoint/2010/main" val="2795138635"/>
       </p:ext>
     </p:extLst>
   </p:cSld>
@@ -35656,7 +39786,7 @@
 </p:sld>
 </file>
 
-<file path=ppt/slides/slide7.xml><?xml version="1.0" encoding="utf-8"?>
+<file path=ppt/slides/slide8.xml><?xml version="1.0" encoding="utf-8"?>
 <p:sld xmlns:a="http://schemas.openxmlformats.org/drawingml/2006/main" xmlns:r="http://schemas.openxmlformats.org/officeDocument/2006/relationships" xmlns:p="http://schemas.openxmlformats.org/presentationml/2006/main">
   <p:cSld>
     <p:spTree>
@@ -35822,13 +39952,13 @@
   <p:clrMapOvr>
     <a:masterClrMapping/>
   </p:clrMapOvr>
-  <mc:AlternateContent xmlns:mc="http://schemas.openxmlformats.org/markup-compatibility/2006">
-    <mc:Choice xmlns:p14="http://schemas.microsoft.com/office/powerpoint/2010/main" Requires="p14">
+  <mc:AlternateContent xmlns:mc="http://schemas.openxmlformats.org/markup-compatibility/2006" xmlns:p14="http://schemas.microsoft.com/office/powerpoint/2010/main">
+    <mc:Choice Requires="p14">
       <p:transition spd="med" p14:dur="700">
         <p:fade/>
       </p:transition>
     </mc:Choice>
-    <mc:Fallback>
+    <mc:Fallback xmlns="">
       <p:transition spd="med">
         <p:fade/>
       </p:transition>
@@ -35837,7 +39967,7 @@
 </p:sld>
 </file>
 
-<file path=ppt/slides/slide8.xml><?xml version="1.0" encoding="utf-8"?>
+<file path=ppt/slides/slide9.xml><?xml version="1.0" encoding="utf-8"?>
 <p:sld xmlns:a="http://schemas.openxmlformats.org/drawingml/2006/main" xmlns:r="http://schemas.openxmlformats.org/officeDocument/2006/relationships" xmlns:p="http://schemas.openxmlformats.org/presentationml/2006/main">
   <p:cSld>
     <p:spTree>
@@ -36018,178 +40148,13 @@
   <p:clrMapOvr>
     <a:masterClrMapping/>
   </p:clrMapOvr>
-  <mc:AlternateContent xmlns:mc="http://schemas.openxmlformats.org/markup-compatibility/2006">
-    <mc:Choice xmlns:p14="http://schemas.microsoft.com/office/powerpoint/2010/main" Requires="p14">
+  <mc:AlternateContent xmlns:mc="http://schemas.openxmlformats.org/markup-compatibility/2006" xmlns:p14="http://schemas.microsoft.com/office/powerpoint/2010/main">
+    <mc:Choice Requires="p14">
       <p:transition spd="med" p14:dur="700">
         <p:fade/>
       </p:transition>
     </mc:Choice>
-    <mc:Fallback>
-      <p:transition spd="med">
-        <p:fade/>
-      </p:transition>
-    </mc:Fallback>
-  </mc:AlternateContent>
-</p:sld>
-</file>
-
-<file path=ppt/slides/slide9.xml><?xml version="1.0" encoding="utf-8"?>
-<p:sld xmlns:a="http://schemas.openxmlformats.org/drawingml/2006/main" xmlns:r="http://schemas.openxmlformats.org/officeDocument/2006/relationships" xmlns:p="http://schemas.openxmlformats.org/presentationml/2006/main">
-  <p:cSld>
-    <p:spTree>
-      <p:nvGrpSpPr>
-        <p:cNvPr id="1" name=""/>
-        <p:cNvGrpSpPr/>
-        <p:nvPr/>
-      </p:nvGrpSpPr>
-      <p:grpSpPr>
-        <a:xfrm>
-          <a:off x="0" y="0"/>
-          <a:ext cx="0" cy="0"/>
-          <a:chOff x="0" y="0"/>
-          <a:chExt cx="0" cy="0"/>
-        </a:xfrm>
-      </p:grpSpPr>
-      <p:sp>
-        <p:nvSpPr>
-          <p:cNvPr id="4" name="Titolo 1">
-            <a:extLst>
-              <a:ext uri="{FF2B5EF4-FFF2-40B4-BE49-F238E27FC236}">
-                <a16:creationId xmlns:a16="http://schemas.microsoft.com/office/drawing/2014/main" id="{E4027167-2897-4B18-B6A3-C7F748699034}"/>
-              </a:ext>
-            </a:extLst>
-          </p:cNvPr>
-          <p:cNvSpPr txBox="1">
-            <a:spLocks/>
-          </p:cNvSpPr>
-          <p:nvPr/>
-        </p:nvSpPr>
-        <p:spPr>
-          <a:xfrm>
-            <a:off x="0" y="-28136"/>
-            <a:ext cx="12192000" cy="1424783"/>
-          </a:xfrm>
-          <a:prstGeom prst="rect">
-            <a:avLst/>
-          </a:prstGeom>
-          <a:solidFill>
-            <a:srgbClr val="09C5A8"/>
-          </a:solidFill>
-        </p:spPr>
-        <p:txBody>
-          <a:bodyPr vert="horz" lIns="91440" tIns="45720" rIns="91440" bIns="45720" rtlCol="0" anchor="ctr">
-            <a:normAutofit/>
-          </a:bodyPr>
-          <a:lstStyle>
-            <a:lvl1pPr algn="l" defTabSz="914400" rtl="0" eaLnBrk="1" latinLnBrk="0" hangingPunct="1">
-              <a:lnSpc>
-                <a:spcPct val="90000"/>
-              </a:lnSpc>
-              <a:spcBef>
-                <a:spcPct val="0"/>
-              </a:spcBef>
-              <a:buNone/>
-              <a:defRPr sz="4400" kern="1200">
-                <a:solidFill>
-                  <a:schemeClr val="tx1"/>
-                </a:solidFill>
-                <a:latin typeface="+mj-lt"/>
-                <a:ea typeface="+mj-ea"/>
-                <a:cs typeface="+mj-cs"/>
-              </a:defRPr>
-            </a:lvl1pPr>
-          </a:lstStyle>
-          <a:p>
-            <a:pPr marL="0" marR="0" lvl="0" indent="0" algn="ctr" defTabSz="914400" rtl="0" eaLnBrk="1" fontAlgn="auto" latinLnBrk="0" hangingPunct="1">
-              <a:lnSpc>
-                <a:spcPct val="90000"/>
-              </a:lnSpc>
-              <a:spcBef>
-                <a:spcPct val="0"/>
-              </a:spcBef>
-              <a:spcAft>
-                <a:spcPts val="0"/>
-              </a:spcAft>
-              <a:buClrTx/>
-              <a:buSzTx/>
-              <a:buFontTx/>
-              <a:buNone/>
-              <a:tabLst/>
-              <a:defRPr/>
-            </a:pPr>
-            <a:r>
-              <a:rPr kumimoji="0" lang="it-IT" sz="5400" b="0" i="0" u="none" strike="noStrike" kern="1200" cap="none" spc="0" normalizeH="0" baseline="0" noProof="0" dirty="0">
-                <a:ln>
-                  <a:noFill/>
-                </a:ln>
-                <a:solidFill>
-                  <a:prstClr val="white"/>
-                </a:solidFill>
-                <a:effectLst/>
-                <a:uLnTx/>
-                <a:uFillTx/>
-                <a:latin typeface="Arial Rounded MT Bold" panose="020F0704030504030204" pitchFamily="34" charset="0"/>
-                <a:ea typeface="+mj-ea"/>
-                <a:cs typeface="+mj-cs"/>
-              </a:rPr>
-              <a:t>Design Pattern: Singleton</a:t>
-            </a:r>
-          </a:p>
-        </p:txBody>
-      </p:sp>
-      <p:pic>
-        <p:nvPicPr>
-          <p:cNvPr id="14" name="Immagine 13" descr="Immagine che contiene testo&#10;&#10;Descrizione generata automaticamente">
-            <a:extLst>
-              <a:ext uri="{FF2B5EF4-FFF2-40B4-BE49-F238E27FC236}">
-                <a16:creationId xmlns:a16="http://schemas.microsoft.com/office/drawing/2014/main" id="{EA73B30F-AED3-406C-9E44-AB9A36E813DA}"/>
-              </a:ext>
-            </a:extLst>
-          </p:cNvPr>
-          <p:cNvPicPr>
-            <a:picLocks noChangeAspect="1"/>
-          </p:cNvPicPr>
-          <p:nvPr/>
-        </p:nvPicPr>
-        <p:blipFill>
-          <a:blip r:embed="rId2">
-            <a:extLst>
-              <a:ext uri="{28A0092B-C50C-407E-A947-70E740481C1C}">
-                <a14:useLocalDpi xmlns:a14="http://schemas.microsoft.com/office/drawing/2010/main" val="0"/>
-              </a:ext>
-            </a:extLst>
-          </a:blip>
-          <a:stretch>
-            <a:fillRect/>
-          </a:stretch>
-        </p:blipFill>
-        <p:spPr>
-          <a:xfrm>
-            <a:off x="4853251" y="2046691"/>
-            <a:ext cx="2485498" cy="2764618"/>
-          </a:xfrm>
-          <a:prstGeom prst="rect">
-            <a:avLst/>
-          </a:prstGeom>
-        </p:spPr>
-      </p:pic>
-    </p:spTree>
-    <p:extLst>
-      <p:ext uri="{BB962C8B-B14F-4D97-AF65-F5344CB8AC3E}">
-        <p14:creationId xmlns:p14="http://schemas.microsoft.com/office/powerpoint/2010/main" val="4171776423"/>
-      </p:ext>
-    </p:extLst>
-  </p:cSld>
-  <p:clrMapOvr>
-    <a:masterClrMapping/>
-  </p:clrMapOvr>
-  <mc:AlternateContent xmlns:mc="http://schemas.openxmlformats.org/markup-compatibility/2006">
-    <mc:Choice xmlns:p14="http://schemas.microsoft.com/office/powerpoint/2010/main" Requires="p14">
-      <p:transition spd="med" p14:dur="700">
-        <p:fade/>
-      </p:transition>
-    </mc:Choice>
-    <mc:Fallback>
+    <mc:Fallback xmlns="">
       <p:transition spd="med">
         <p:fade/>
       </p:transition>
